--- a/Materials/origin_files/figures.pptx
+++ b/Materials/origin_files/figures.pptx
@@ -5,10 +5,11 @@
     <p:sldMasterId id="2147483648" r:id="rId1"/>
   </p:sldMasterIdLst>
   <p:sldIdLst>
-    <p:sldId id="260" r:id="rId3"/>
-    <p:sldId id="263" r:id="rId4"/>
-    <p:sldId id="257" r:id="rId5"/>
-    <p:sldId id="264" r:id="rId6"/>
+    <p:sldId id="260" r:id="rId2"/>
+    <p:sldId id="263" r:id="rId3"/>
+    <p:sldId id="257" r:id="rId4"/>
+    <p:sldId id="264" r:id="rId5"/>
+    <p:sldId id="271" r:id="rId6"/>
     <p:sldId id="265" r:id="rId7"/>
     <p:sldId id="268" r:id="rId8"/>
     <p:sldId id="269" r:id="rId9"/>
@@ -17,7 +18,7 @@
   <p:sldSz cx="12192000" cy="6858000"/>
   <p:notesSz cx="6858000" cy="9144000"/>
   <p:custDataLst>
-    <p:tags r:id="rId14"/>
+    <p:tags r:id="rId11"/>
   </p:custDataLst>
   <p:defaultTextStyle>
     <a:defPPr>
@@ -114,6 +115,11 @@
       </a:defRPr>
     </a:lvl9pPr>
   </p:defaultTextStyle>
+  <p:extLst>
+    <p:ext uri="{EFAFB233-063F-42B5-8137-9DF3F51BA10A}">
+      <p15:sldGuideLst xmlns:p15="http://schemas.microsoft.com/office/powerpoint/2012/main"/>
+    </p:ext>
+  </p:extLst>
 </p:presentation>
 </file>
 
@@ -162,7 +168,6 @@
               <a:rPr lang="zh-CN" altLang="en-US"/>
               <a:t>单击此处编辑母版标题样式</a:t>
             </a:r>
-            <a:endParaRPr lang="zh-CN" altLang="en-US"/>
           </a:p>
         </p:txBody>
       </p:sp>
@@ -227,7 +232,6 @@
               <a:rPr lang="zh-CN" altLang="en-US"/>
               <a:t>单击此处编辑母版副标题样式</a:t>
             </a:r>
-            <a:endParaRPr lang="zh-CN" altLang="en-US"/>
           </a:p>
         </p:txBody>
       </p:sp>
@@ -248,6 +252,7 @@
           <a:p>
             <a:fld id="{D997B5FA-0921-464F-AAE1-844C04324D75}" type="datetimeFigureOut">
               <a:rPr lang="zh-CN" altLang="en-US" smtClean="0"/>
+              <a:t>2024/5/14</a:t>
             </a:fld>
             <a:endParaRPr lang="zh-CN" altLang="en-US"/>
           </a:p>
@@ -289,6 +294,7 @@
           <a:p>
             <a:fld id="{565CE74E-AB26-4998-AD42-012C4C1AD076}" type="slidenum">
               <a:rPr lang="zh-CN" altLang="en-US" smtClean="0"/>
+              <a:t>‹#›</a:t>
             </a:fld>
             <a:endParaRPr lang="zh-CN" altLang="en-US"/>
           </a:p>
@@ -338,7 +344,6 @@
               <a:rPr lang="zh-CN" altLang="en-US"/>
               <a:t>单击此处编辑母版标题样式</a:t>
             </a:r>
-            <a:endParaRPr lang="zh-CN" altLang="en-US"/>
           </a:p>
         </p:txBody>
       </p:sp>
@@ -362,7 +367,6 @@
               <a:rPr lang="zh-CN" altLang="en-US"/>
               <a:t>单击此处编辑母版文本样式</a:t>
             </a:r>
-            <a:endParaRPr lang="zh-CN" altLang="en-US"/>
           </a:p>
           <a:p>
             <a:pPr lvl="1"/>
@@ -370,7 +374,6 @@
               <a:rPr lang="zh-CN" altLang="en-US"/>
               <a:t>第二级</a:t>
             </a:r>
-            <a:endParaRPr lang="zh-CN" altLang="en-US"/>
           </a:p>
           <a:p>
             <a:pPr lvl="2"/>
@@ -378,7 +381,6 @@
               <a:rPr lang="zh-CN" altLang="en-US"/>
               <a:t>第三级</a:t>
             </a:r>
-            <a:endParaRPr lang="zh-CN" altLang="en-US"/>
           </a:p>
           <a:p>
             <a:pPr lvl="3"/>
@@ -386,7 +388,6 @@
               <a:rPr lang="zh-CN" altLang="en-US"/>
               <a:t>第四级</a:t>
             </a:r>
-            <a:endParaRPr lang="zh-CN" altLang="en-US"/>
           </a:p>
           <a:p>
             <a:pPr lvl="4"/>
@@ -394,7 +395,6 @@
               <a:rPr lang="zh-CN" altLang="en-US"/>
               <a:t>第五级</a:t>
             </a:r>
-            <a:endParaRPr lang="zh-CN" altLang="en-US"/>
           </a:p>
         </p:txBody>
       </p:sp>
@@ -415,6 +415,7 @@
           <a:p>
             <a:fld id="{D997B5FA-0921-464F-AAE1-844C04324D75}" type="datetimeFigureOut">
               <a:rPr lang="zh-CN" altLang="en-US" smtClean="0"/>
+              <a:t>2024/5/14</a:t>
             </a:fld>
             <a:endParaRPr lang="zh-CN" altLang="en-US"/>
           </a:p>
@@ -456,6 +457,7 @@
           <a:p>
             <a:fld id="{565CE74E-AB26-4998-AD42-012C4C1AD076}" type="slidenum">
               <a:rPr lang="zh-CN" altLang="en-US" smtClean="0"/>
+              <a:t>‹#›</a:t>
             </a:fld>
             <a:endParaRPr lang="zh-CN" altLang="en-US"/>
           </a:p>
@@ -510,7 +512,6 @@
               <a:rPr lang="zh-CN" altLang="en-US"/>
               <a:t>单击此处编辑母版标题样式</a:t>
             </a:r>
-            <a:endParaRPr lang="zh-CN" altLang="en-US"/>
           </a:p>
         </p:txBody>
       </p:sp>
@@ -539,7 +540,6 @@
               <a:rPr lang="zh-CN" altLang="en-US"/>
               <a:t>单击此处编辑母版文本样式</a:t>
             </a:r>
-            <a:endParaRPr lang="zh-CN" altLang="en-US"/>
           </a:p>
           <a:p>
             <a:pPr lvl="1"/>
@@ -547,7 +547,6 @@
               <a:rPr lang="zh-CN" altLang="en-US"/>
               <a:t>第二级</a:t>
             </a:r>
-            <a:endParaRPr lang="zh-CN" altLang="en-US"/>
           </a:p>
           <a:p>
             <a:pPr lvl="2"/>
@@ -555,7 +554,6 @@
               <a:rPr lang="zh-CN" altLang="en-US"/>
               <a:t>第三级</a:t>
             </a:r>
-            <a:endParaRPr lang="zh-CN" altLang="en-US"/>
           </a:p>
           <a:p>
             <a:pPr lvl="3"/>
@@ -563,7 +561,6 @@
               <a:rPr lang="zh-CN" altLang="en-US"/>
               <a:t>第四级</a:t>
             </a:r>
-            <a:endParaRPr lang="zh-CN" altLang="en-US"/>
           </a:p>
           <a:p>
             <a:pPr lvl="4"/>
@@ -571,7 +568,6 @@
               <a:rPr lang="zh-CN" altLang="en-US"/>
               <a:t>第五级</a:t>
             </a:r>
-            <a:endParaRPr lang="zh-CN" altLang="en-US"/>
           </a:p>
         </p:txBody>
       </p:sp>
@@ -592,6 +588,7 @@
           <a:p>
             <a:fld id="{D997B5FA-0921-464F-AAE1-844C04324D75}" type="datetimeFigureOut">
               <a:rPr lang="zh-CN" altLang="en-US" smtClean="0"/>
+              <a:t>2024/5/14</a:t>
             </a:fld>
             <a:endParaRPr lang="zh-CN" altLang="en-US"/>
           </a:p>
@@ -633,6 +630,7 @@
           <a:p>
             <a:fld id="{565CE74E-AB26-4998-AD42-012C4C1AD076}" type="slidenum">
               <a:rPr lang="zh-CN" altLang="en-US" smtClean="0"/>
+              <a:t>‹#›</a:t>
             </a:fld>
             <a:endParaRPr lang="zh-CN" altLang="en-US"/>
           </a:p>
@@ -682,7 +680,6 @@
               <a:rPr lang="zh-CN" altLang="en-US"/>
               <a:t>单击此处编辑母版标题样式</a:t>
             </a:r>
-            <a:endParaRPr lang="zh-CN" altLang="en-US"/>
           </a:p>
         </p:txBody>
       </p:sp>
@@ -706,7 +703,6 @@
               <a:rPr lang="zh-CN" altLang="en-US"/>
               <a:t>单击此处编辑母版文本样式</a:t>
             </a:r>
-            <a:endParaRPr lang="zh-CN" altLang="en-US"/>
           </a:p>
           <a:p>
             <a:pPr lvl="1"/>
@@ -714,7 +710,6 @@
               <a:rPr lang="zh-CN" altLang="en-US"/>
               <a:t>第二级</a:t>
             </a:r>
-            <a:endParaRPr lang="zh-CN" altLang="en-US"/>
           </a:p>
           <a:p>
             <a:pPr lvl="2"/>
@@ -722,7 +717,6 @@
               <a:rPr lang="zh-CN" altLang="en-US"/>
               <a:t>第三级</a:t>
             </a:r>
-            <a:endParaRPr lang="zh-CN" altLang="en-US"/>
           </a:p>
           <a:p>
             <a:pPr lvl="3"/>
@@ -730,7 +724,6 @@
               <a:rPr lang="zh-CN" altLang="en-US"/>
               <a:t>第四级</a:t>
             </a:r>
-            <a:endParaRPr lang="zh-CN" altLang="en-US"/>
           </a:p>
           <a:p>
             <a:pPr lvl="4"/>
@@ -738,7 +731,6 @@
               <a:rPr lang="zh-CN" altLang="en-US"/>
               <a:t>第五级</a:t>
             </a:r>
-            <a:endParaRPr lang="zh-CN" altLang="en-US"/>
           </a:p>
         </p:txBody>
       </p:sp>
@@ -759,6 +751,7 @@
           <a:p>
             <a:fld id="{D997B5FA-0921-464F-AAE1-844C04324D75}" type="datetimeFigureOut">
               <a:rPr lang="zh-CN" altLang="en-US" smtClean="0"/>
+              <a:t>2024/5/14</a:t>
             </a:fld>
             <a:endParaRPr lang="zh-CN" altLang="en-US"/>
           </a:p>
@@ -800,6 +793,7 @@
           <a:p>
             <a:fld id="{565CE74E-AB26-4998-AD42-012C4C1AD076}" type="slidenum">
               <a:rPr lang="zh-CN" altLang="en-US" smtClean="0"/>
+              <a:t>‹#›</a:t>
             </a:fld>
             <a:endParaRPr lang="zh-CN" altLang="en-US"/>
           </a:p>
@@ -858,7 +852,6 @@
               <a:rPr lang="zh-CN" altLang="en-US"/>
               <a:t>单击此处编辑母版标题样式</a:t>
             </a:r>
-            <a:endParaRPr lang="zh-CN" altLang="en-US"/>
           </a:p>
         </p:txBody>
       </p:sp>
@@ -978,7 +971,6 @@
               <a:rPr lang="zh-CN" altLang="en-US"/>
               <a:t>单击此处编辑母版文本样式</a:t>
             </a:r>
-            <a:endParaRPr lang="zh-CN" altLang="en-US"/>
           </a:p>
         </p:txBody>
       </p:sp>
@@ -999,6 +991,7 @@
           <a:p>
             <a:fld id="{D997B5FA-0921-464F-AAE1-844C04324D75}" type="datetimeFigureOut">
               <a:rPr lang="zh-CN" altLang="en-US" smtClean="0"/>
+              <a:t>2024/5/14</a:t>
             </a:fld>
             <a:endParaRPr lang="zh-CN" altLang="en-US"/>
           </a:p>
@@ -1040,6 +1033,7 @@
           <a:p>
             <a:fld id="{565CE74E-AB26-4998-AD42-012C4C1AD076}" type="slidenum">
               <a:rPr lang="zh-CN" altLang="en-US" smtClean="0"/>
+              <a:t>‹#›</a:t>
             </a:fld>
             <a:endParaRPr lang="zh-CN" altLang="en-US"/>
           </a:p>
@@ -1089,7 +1083,6 @@
               <a:rPr lang="zh-CN" altLang="en-US"/>
               <a:t>单击此处编辑母版标题样式</a:t>
             </a:r>
-            <a:endParaRPr lang="zh-CN" altLang="en-US"/>
           </a:p>
         </p:txBody>
       </p:sp>
@@ -1118,7 +1111,6 @@
               <a:rPr lang="zh-CN" altLang="en-US"/>
               <a:t>单击此处编辑母版文本样式</a:t>
             </a:r>
-            <a:endParaRPr lang="zh-CN" altLang="en-US"/>
           </a:p>
           <a:p>
             <a:pPr lvl="1"/>
@@ -1126,7 +1118,6 @@
               <a:rPr lang="zh-CN" altLang="en-US"/>
               <a:t>第二级</a:t>
             </a:r>
-            <a:endParaRPr lang="zh-CN" altLang="en-US"/>
           </a:p>
           <a:p>
             <a:pPr lvl="2"/>
@@ -1134,7 +1125,6 @@
               <a:rPr lang="zh-CN" altLang="en-US"/>
               <a:t>第三级</a:t>
             </a:r>
-            <a:endParaRPr lang="zh-CN" altLang="en-US"/>
           </a:p>
           <a:p>
             <a:pPr lvl="3"/>
@@ -1142,7 +1132,6 @@
               <a:rPr lang="zh-CN" altLang="en-US"/>
               <a:t>第四级</a:t>
             </a:r>
-            <a:endParaRPr lang="zh-CN" altLang="en-US"/>
           </a:p>
           <a:p>
             <a:pPr lvl="4"/>
@@ -1150,7 +1139,6 @@
               <a:rPr lang="zh-CN" altLang="en-US"/>
               <a:t>第五级</a:t>
             </a:r>
-            <a:endParaRPr lang="zh-CN" altLang="en-US"/>
           </a:p>
         </p:txBody>
       </p:sp>
@@ -1179,7 +1167,6 @@
               <a:rPr lang="zh-CN" altLang="en-US"/>
               <a:t>单击此处编辑母版文本样式</a:t>
             </a:r>
-            <a:endParaRPr lang="zh-CN" altLang="en-US"/>
           </a:p>
           <a:p>
             <a:pPr lvl="1"/>
@@ -1187,7 +1174,6 @@
               <a:rPr lang="zh-CN" altLang="en-US"/>
               <a:t>第二级</a:t>
             </a:r>
-            <a:endParaRPr lang="zh-CN" altLang="en-US"/>
           </a:p>
           <a:p>
             <a:pPr lvl="2"/>
@@ -1195,7 +1181,6 @@
               <a:rPr lang="zh-CN" altLang="en-US"/>
               <a:t>第三级</a:t>
             </a:r>
-            <a:endParaRPr lang="zh-CN" altLang="en-US"/>
           </a:p>
           <a:p>
             <a:pPr lvl="3"/>
@@ -1203,7 +1188,6 @@
               <a:rPr lang="zh-CN" altLang="en-US"/>
               <a:t>第四级</a:t>
             </a:r>
-            <a:endParaRPr lang="zh-CN" altLang="en-US"/>
           </a:p>
           <a:p>
             <a:pPr lvl="4"/>
@@ -1211,7 +1195,6 @@
               <a:rPr lang="zh-CN" altLang="en-US"/>
               <a:t>第五级</a:t>
             </a:r>
-            <a:endParaRPr lang="zh-CN" altLang="en-US"/>
           </a:p>
         </p:txBody>
       </p:sp>
@@ -1232,6 +1215,7 @@
           <a:p>
             <a:fld id="{D997B5FA-0921-464F-AAE1-844C04324D75}" type="datetimeFigureOut">
               <a:rPr lang="zh-CN" altLang="en-US" smtClean="0"/>
+              <a:t>2024/5/14</a:t>
             </a:fld>
             <a:endParaRPr lang="zh-CN" altLang="en-US"/>
           </a:p>
@@ -1273,6 +1257,7 @@
           <a:p>
             <a:fld id="{565CE74E-AB26-4998-AD42-012C4C1AD076}" type="slidenum">
               <a:rPr lang="zh-CN" altLang="en-US" smtClean="0"/>
+              <a:t>‹#›</a:t>
             </a:fld>
             <a:endParaRPr lang="zh-CN" altLang="en-US"/>
           </a:p>
@@ -1327,7 +1312,6 @@
               <a:rPr lang="zh-CN" altLang="en-US"/>
               <a:t>单击此处编辑母版标题样式</a:t>
             </a:r>
-            <a:endParaRPr lang="zh-CN" altLang="en-US"/>
           </a:p>
         </p:txBody>
       </p:sp>
@@ -1393,7 +1377,6 @@
               <a:rPr lang="zh-CN" altLang="en-US"/>
               <a:t>单击此处编辑母版文本样式</a:t>
             </a:r>
-            <a:endParaRPr lang="zh-CN" altLang="en-US"/>
           </a:p>
         </p:txBody>
       </p:sp>
@@ -1422,7 +1405,6 @@
               <a:rPr lang="zh-CN" altLang="en-US"/>
               <a:t>单击此处编辑母版文本样式</a:t>
             </a:r>
-            <a:endParaRPr lang="zh-CN" altLang="en-US"/>
           </a:p>
           <a:p>
             <a:pPr lvl="1"/>
@@ -1430,7 +1412,6 @@
               <a:rPr lang="zh-CN" altLang="en-US"/>
               <a:t>第二级</a:t>
             </a:r>
-            <a:endParaRPr lang="zh-CN" altLang="en-US"/>
           </a:p>
           <a:p>
             <a:pPr lvl="2"/>
@@ -1438,7 +1419,6 @@
               <a:rPr lang="zh-CN" altLang="en-US"/>
               <a:t>第三级</a:t>
             </a:r>
-            <a:endParaRPr lang="zh-CN" altLang="en-US"/>
           </a:p>
           <a:p>
             <a:pPr lvl="3"/>
@@ -1446,7 +1426,6 @@
               <a:rPr lang="zh-CN" altLang="en-US"/>
               <a:t>第四级</a:t>
             </a:r>
-            <a:endParaRPr lang="zh-CN" altLang="en-US"/>
           </a:p>
           <a:p>
             <a:pPr lvl="4"/>
@@ -1454,7 +1433,6 @@
               <a:rPr lang="zh-CN" altLang="en-US"/>
               <a:t>第五级</a:t>
             </a:r>
-            <a:endParaRPr lang="zh-CN" altLang="en-US"/>
           </a:p>
         </p:txBody>
       </p:sp>
@@ -1520,7 +1498,6 @@
               <a:rPr lang="zh-CN" altLang="en-US"/>
               <a:t>单击此处编辑母版文本样式</a:t>
             </a:r>
-            <a:endParaRPr lang="zh-CN" altLang="en-US"/>
           </a:p>
         </p:txBody>
       </p:sp>
@@ -1549,7 +1526,6 @@
               <a:rPr lang="zh-CN" altLang="en-US"/>
               <a:t>单击此处编辑母版文本样式</a:t>
             </a:r>
-            <a:endParaRPr lang="zh-CN" altLang="en-US"/>
           </a:p>
           <a:p>
             <a:pPr lvl="1"/>
@@ -1557,7 +1533,6 @@
               <a:rPr lang="zh-CN" altLang="en-US"/>
               <a:t>第二级</a:t>
             </a:r>
-            <a:endParaRPr lang="zh-CN" altLang="en-US"/>
           </a:p>
           <a:p>
             <a:pPr lvl="2"/>
@@ -1565,7 +1540,6 @@
               <a:rPr lang="zh-CN" altLang="en-US"/>
               <a:t>第三级</a:t>
             </a:r>
-            <a:endParaRPr lang="zh-CN" altLang="en-US"/>
           </a:p>
           <a:p>
             <a:pPr lvl="3"/>
@@ -1573,7 +1547,6 @@
               <a:rPr lang="zh-CN" altLang="en-US"/>
               <a:t>第四级</a:t>
             </a:r>
-            <a:endParaRPr lang="zh-CN" altLang="en-US"/>
           </a:p>
           <a:p>
             <a:pPr lvl="4"/>
@@ -1581,7 +1554,6 @@
               <a:rPr lang="zh-CN" altLang="en-US"/>
               <a:t>第五级</a:t>
             </a:r>
-            <a:endParaRPr lang="zh-CN" altLang="en-US"/>
           </a:p>
         </p:txBody>
       </p:sp>
@@ -1602,6 +1574,7 @@
           <a:p>
             <a:fld id="{D997B5FA-0921-464F-AAE1-844C04324D75}" type="datetimeFigureOut">
               <a:rPr lang="zh-CN" altLang="en-US" smtClean="0"/>
+              <a:t>2024/5/14</a:t>
             </a:fld>
             <a:endParaRPr lang="zh-CN" altLang="en-US"/>
           </a:p>
@@ -1643,6 +1616,7 @@
           <a:p>
             <a:fld id="{565CE74E-AB26-4998-AD42-012C4C1AD076}" type="slidenum">
               <a:rPr lang="zh-CN" altLang="en-US" smtClean="0"/>
+              <a:t>‹#›</a:t>
             </a:fld>
             <a:endParaRPr lang="zh-CN" altLang="en-US"/>
           </a:p>
@@ -1692,7 +1666,6 @@
               <a:rPr lang="zh-CN" altLang="en-US"/>
               <a:t>单击此处编辑母版标题样式</a:t>
             </a:r>
-            <a:endParaRPr lang="zh-CN" altLang="en-US"/>
           </a:p>
         </p:txBody>
       </p:sp>
@@ -1713,6 +1686,7 @@
           <a:p>
             <a:fld id="{D997B5FA-0921-464F-AAE1-844C04324D75}" type="datetimeFigureOut">
               <a:rPr lang="zh-CN" altLang="en-US" smtClean="0"/>
+              <a:t>2024/5/14</a:t>
             </a:fld>
             <a:endParaRPr lang="zh-CN" altLang="en-US"/>
           </a:p>
@@ -1754,6 +1728,7 @@
           <a:p>
             <a:fld id="{565CE74E-AB26-4998-AD42-012C4C1AD076}" type="slidenum">
               <a:rPr lang="zh-CN" altLang="en-US" smtClean="0"/>
+              <a:t>‹#›</a:t>
             </a:fld>
             <a:endParaRPr lang="zh-CN" altLang="en-US"/>
           </a:p>
@@ -1801,6 +1776,7 @@
           <a:p>
             <a:fld id="{D997B5FA-0921-464F-AAE1-844C04324D75}" type="datetimeFigureOut">
               <a:rPr lang="zh-CN" altLang="en-US" smtClean="0"/>
+              <a:t>2024/5/14</a:t>
             </a:fld>
             <a:endParaRPr lang="zh-CN" altLang="en-US"/>
           </a:p>
@@ -1842,6 +1818,7 @@
           <a:p>
             <a:fld id="{565CE74E-AB26-4998-AD42-012C4C1AD076}" type="slidenum">
               <a:rPr lang="zh-CN" altLang="en-US" smtClean="0"/>
+              <a:t>‹#›</a:t>
             </a:fld>
             <a:endParaRPr lang="zh-CN" altLang="en-US"/>
           </a:p>
@@ -1900,7 +1877,6 @@
               <a:rPr lang="zh-CN" altLang="en-US"/>
               <a:t>单击此处编辑母版标题样式</a:t>
             </a:r>
-            <a:endParaRPr lang="zh-CN" altLang="en-US"/>
           </a:p>
         </p:txBody>
       </p:sp>
@@ -1957,7 +1933,6 @@
               <a:rPr lang="zh-CN" altLang="en-US"/>
               <a:t>单击此处编辑母版文本样式</a:t>
             </a:r>
-            <a:endParaRPr lang="zh-CN" altLang="en-US"/>
           </a:p>
           <a:p>
             <a:pPr lvl="1"/>
@@ -1965,7 +1940,6 @@
               <a:rPr lang="zh-CN" altLang="en-US"/>
               <a:t>第二级</a:t>
             </a:r>
-            <a:endParaRPr lang="zh-CN" altLang="en-US"/>
           </a:p>
           <a:p>
             <a:pPr lvl="2"/>
@@ -1973,7 +1947,6 @@
               <a:rPr lang="zh-CN" altLang="en-US"/>
               <a:t>第三级</a:t>
             </a:r>
-            <a:endParaRPr lang="zh-CN" altLang="en-US"/>
           </a:p>
           <a:p>
             <a:pPr lvl="3"/>
@@ -1981,7 +1954,6 @@
               <a:rPr lang="zh-CN" altLang="en-US"/>
               <a:t>第四级</a:t>
             </a:r>
-            <a:endParaRPr lang="zh-CN" altLang="en-US"/>
           </a:p>
           <a:p>
             <a:pPr lvl="4"/>
@@ -1989,7 +1961,6 @@
               <a:rPr lang="zh-CN" altLang="en-US"/>
               <a:t>第五级</a:t>
             </a:r>
-            <a:endParaRPr lang="zh-CN" altLang="en-US"/>
           </a:p>
         </p:txBody>
       </p:sp>
@@ -2055,7 +2026,6 @@
               <a:rPr lang="zh-CN" altLang="en-US"/>
               <a:t>单击此处编辑母版文本样式</a:t>
             </a:r>
-            <a:endParaRPr lang="zh-CN" altLang="en-US"/>
           </a:p>
         </p:txBody>
       </p:sp>
@@ -2076,6 +2046,7 @@
           <a:p>
             <a:fld id="{D997B5FA-0921-464F-AAE1-844C04324D75}" type="datetimeFigureOut">
               <a:rPr lang="zh-CN" altLang="en-US" smtClean="0"/>
+              <a:t>2024/5/14</a:t>
             </a:fld>
             <a:endParaRPr lang="zh-CN" altLang="en-US"/>
           </a:p>
@@ -2117,6 +2088,7 @@
           <a:p>
             <a:fld id="{565CE74E-AB26-4998-AD42-012C4C1AD076}" type="slidenum">
               <a:rPr lang="zh-CN" altLang="en-US" smtClean="0"/>
+              <a:t>‹#›</a:t>
             </a:fld>
             <a:endParaRPr lang="zh-CN" altLang="en-US"/>
           </a:p>
@@ -2175,7 +2147,6 @@
               <a:rPr lang="zh-CN" altLang="en-US"/>
               <a:t>单击此处编辑母版标题样式</a:t>
             </a:r>
-            <a:endParaRPr lang="zh-CN" altLang="en-US"/>
           </a:p>
         </p:txBody>
       </p:sp>
@@ -2302,7 +2273,6 @@
               <a:rPr lang="zh-CN" altLang="en-US"/>
               <a:t>单击此处编辑母版文本样式</a:t>
             </a:r>
-            <a:endParaRPr lang="zh-CN" altLang="en-US"/>
           </a:p>
         </p:txBody>
       </p:sp>
@@ -2323,6 +2293,7 @@
           <a:p>
             <a:fld id="{D997B5FA-0921-464F-AAE1-844C04324D75}" type="datetimeFigureOut">
               <a:rPr lang="zh-CN" altLang="en-US" smtClean="0"/>
+              <a:t>2024/5/14</a:t>
             </a:fld>
             <a:endParaRPr lang="zh-CN" altLang="en-US"/>
           </a:p>
@@ -2364,6 +2335,7 @@
           <a:p>
             <a:fld id="{565CE74E-AB26-4998-AD42-012C4C1AD076}" type="slidenum">
               <a:rPr lang="zh-CN" altLang="en-US" smtClean="0"/>
+              <a:t>‹#›</a:t>
             </a:fld>
             <a:endParaRPr lang="zh-CN" altLang="en-US"/>
           </a:p>
@@ -2428,7 +2400,6 @@
               <a:rPr lang="zh-CN" altLang="en-US"/>
               <a:t>单击此处编辑母版标题样式</a:t>
             </a:r>
-            <a:endParaRPr lang="zh-CN" altLang="en-US"/>
           </a:p>
         </p:txBody>
       </p:sp>
@@ -2462,7 +2433,6 @@
               <a:rPr lang="zh-CN" altLang="en-US"/>
               <a:t>单击此处编辑母版文本样式</a:t>
             </a:r>
-            <a:endParaRPr lang="zh-CN" altLang="en-US"/>
           </a:p>
           <a:p>
             <a:pPr lvl="1"/>
@@ -2470,7 +2440,6 @@
               <a:rPr lang="zh-CN" altLang="en-US"/>
               <a:t>第二级</a:t>
             </a:r>
-            <a:endParaRPr lang="zh-CN" altLang="en-US"/>
           </a:p>
           <a:p>
             <a:pPr lvl="2"/>
@@ -2478,7 +2447,6 @@
               <a:rPr lang="zh-CN" altLang="en-US"/>
               <a:t>第三级</a:t>
             </a:r>
-            <a:endParaRPr lang="zh-CN" altLang="en-US"/>
           </a:p>
           <a:p>
             <a:pPr lvl="3"/>
@@ -2486,7 +2454,6 @@
               <a:rPr lang="zh-CN" altLang="en-US"/>
               <a:t>第四级</a:t>
             </a:r>
-            <a:endParaRPr lang="zh-CN" altLang="en-US"/>
           </a:p>
           <a:p>
             <a:pPr lvl="4"/>
@@ -2494,7 +2461,6 @@
               <a:rPr lang="zh-CN" altLang="en-US"/>
               <a:t>第五级</a:t>
             </a:r>
-            <a:endParaRPr lang="zh-CN" altLang="en-US"/>
           </a:p>
         </p:txBody>
       </p:sp>
@@ -2533,6 +2499,7 @@
           <a:p>
             <a:fld id="{D997B5FA-0921-464F-AAE1-844C04324D75}" type="datetimeFigureOut">
               <a:rPr lang="zh-CN" altLang="en-US" smtClean="0"/>
+              <a:t>2024/5/14</a:t>
             </a:fld>
             <a:endParaRPr lang="zh-CN" altLang="en-US"/>
           </a:p>
@@ -2610,6 +2577,7 @@
           <a:p>
             <a:fld id="{565CE74E-AB26-4998-AD42-012C4C1AD076}" type="slidenum">
               <a:rPr lang="zh-CN" altLang="en-US" smtClean="0"/>
+              <a:t>‹#›</a:t>
             </a:fld>
             <a:endParaRPr lang="zh-CN" altLang="en-US"/>
           </a:p>
@@ -3168,13 +3136,6 @@
               </a:rPr>
               <a:t>”</a:t>
             </a:r>
-            <a:endParaRPr lang="en-US" sz="1200" i="1">
-              <a:solidFill>
-                <a:schemeClr val="tx1"/>
-              </a:solidFill>
-              <a:latin typeface="Arial" panose="020B0604020202020204" pitchFamily="34" charset="0"/>
-              <a:cs typeface="Arial" panose="020B0604020202020204" pitchFamily="34" charset="0"/>
-            </a:endParaRPr>
           </a:p>
         </p:txBody>
       </p:sp>
@@ -3473,13 +3434,6 @@
               </a:rPr>
               <a:t>RAG Module</a:t>
             </a:r>
-            <a:endParaRPr lang="en-US" altLang="zh-CN" sz="1200" b="1">
-              <a:solidFill>
-                <a:schemeClr val="tx1"/>
-              </a:solidFill>
-              <a:latin typeface="Times New Roman" panose="02020603050405020304" charset="0"/>
-              <a:cs typeface="Times New Roman" panose="02020603050405020304" charset="0"/>
-            </a:endParaRPr>
           </a:p>
         </p:txBody>
       </p:sp>
@@ -3539,13 +3493,6 @@
               </a:rPr>
               <a:t>LMM</a:t>
             </a:r>
-            <a:endParaRPr lang="en-US" altLang="zh-CN" sz="1200" b="1">
-              <a:solidFill>
-                <a:schemeClr val="tx1"/>
-              </a:solidFill>
-              <a:latin typeface="Times New Roman" panose="02020603050405020304" charset="0"/>
-              <a:cs typeface="Times New Roman" panose="02020603050405020304" charset="0"/>
-            </a:endParaRPr>
           </a:p>
         </p:txBody>
       </p:sp>
@@ -3701,13 +3648,6 @@
               </a:rPr>
               <a:t>O1:</a:t>
             </a:r>
-            <a:endParaRPr sz="1200" b="1" i="1">
-              <a:solidFill>
-                <a:schemeClr val="tx1"/>
-              </a:solidFill>
-              <a:latin typeface="Arial" panose="020B0604020202020204" pitchFamily="34" charset="0"/>
-              <a:cs typeface="Arial" panose="020B0604020202020204" pitchFamily="34" charset="0"/>
-            </a:endParaRPr>
           </a:p>
           <a:p>
             <a:pPr algn="l">
@@ -3728,13 +3668,6 @@
               </a:rPr>
               <a:t>O2:</a:t>
             </a:r>
-            <a:endParaRPr sz="1200" b="1" i="1">
-              <a:solidFill>
-                <a:schemeClr val="tx1"/>
-              </a:solidFill>
-              <a:latin typeface="Arial" panose="020B0604020202020204" pitchFamily="34" charset="0"/>
-              <a:cs typeface="Arial" panose="020B0604020202020204" pitchFamily="34" charset="0"/>
-            </a:endParaRPr>
           </a:p>
           <a:p>
             <a:pPr algn="l">
@@ -3755,13 +3688,6 @@
               </a:rPr>
               <a:t>...:</a:t>
             </a:r>
-            <a:endParaRPr sz="1200" b="1" i="1">
-              <a:solidFill>
-                <a:schemeClr val="tx1"/>
-              </a:solidFill>
-              <a:latin typeface="Arial" panose="020B0604020202020204" pitchFamily="34" charset="0"/>
-              <a:cs typeface="Arial" panose="020B0604020202020204" pitchFamily="34" charset="0"/>
-            </a:endParaRPr>
           </a:p>
         </p:txBody>
       </p:sp>
@@ -3794,10 +3720,6 @@
               </a:rPr>
               <a:t>Input</a:t>
             </a:r>
-            <a:endParaRPr lang="en-US" altLang="zh-CN" sz="1200">
-              <a:latin typeface="Arial" panose="020B0604020202020204" pitchFamily="34" charset="0"/>
-              <a:cs typeface="Arial" panose="020B0604020202020204" pitchFamily="34" charset="0"/>
-            </a:endParaRPr>
           </a:p>
         </p:txBody>
       </p:sp>
@@ -3834,10 +3756,6 @@
               </a:rPr>
               <a:t>Search</a:t>
             </a:r>
-            <a:endParaRPr lang="en-US" altLang="zh-CN" sz="1200">
-              <a:latin typeface="Arial" panose="020B0604020202020204" pitchFamily="34" charset="0"/>
-              <a:cs typeface="Arial" panose="020B0604020202020204" pitchFamily="34" charset="0"/>
-            </a:endParaRPr>
           </a:p>
           <a:p>
             <a:endParaRPr lang="en-US" altLang="zh-CN" sz="1200">
@@ -3881,10 +3799,6 @@
               </a:rPr>
               <a:t>Relative docs</a:t>
             </a:r>
-            <a:endParaRPr lang="en-US" altLang="zh-CN" sz="1200">
-              <a:latin typeface="Arial" panose="020B0604020202020204" pitchFamily="34" charset="0"/>
-              <a:cs typeface="Arial" panose="020B0604020202020204" pitchFamily="34" charset="0"/>
-            </a:endParaRPr>
           </a:p>
           <a:p>
             <a:pPr algn="ctr"/>
@@ -3928,10 +3842,6 @@
               </a:rPr>
               <a:t>Output</a:t>
             </a:r>
-            <a:endParaRPr lang="en-US" altLang="zh-CN" sz="1200">
-              <a:latin typeface="Arial" panose="020B0604020202020204" pitchFamily="34" charset="0"/>
-              <a:cs typeface="Arial" panose="020B0604020202020204" pitchFamily="34" charset="0"/>
-            </a:endParaRPr>
           </a:p>
         </p:txBody>
       </p:sp>
@@ -3975,10 +3885,6 @@
               </a:rPr>
               <a:t> </a:t>
             </a:r>
-            <a:endParaRPr lang="en-US" altLang="zh-CN" sz="1200">
-              <a:latin typeface="Arial" panose="020B0604020202020204" pitchFamily="34" charset="0"/>
-              <a:cs typeface="Arial" panose="020B0604020202020204" pitchFamily="34" charset="0"/>
-            </a:endParaRPr>
           </a:p>
           <a:p>
             <a:r>
@@ -3988,10 +3894,6 @@
               </a:rPr>
               <a:t>related to urban comprehensive administrative management</a:t>
             </a:r>
-            <a:endParaRPr lang="en-US" altLang="zh-CN" sz="1200">
-              <a:latin typeface="Arial" panose="020B0604020202020204" pitchFamily="34" charset="0"/>
-              <a:cs typeface="Arial" panose="020B0604020202020204" pitchFamily="34" charset="0"/>
-            </a:endParaRPr>
           </a:p>
         </p:txBody>
       </p:sp>
@@ -4004,10 +3906,10 @@
           <p:nvPr/>
         </p:nvPicPr>
         <p:blipFill>
-          <a:blip r:embed="rId9">
+          <a:blip r:embed="rId18">
             <a:extLst>
               <a:ext uri="{96DAC541-7B7A-43D3-8B79-37D633B846F1}">
-                <asvg:svgBlip xmlns:asvg="http://schemas.microsoft.com/office/drawing/2016/SVG/main" r:embed="rId10"/>
+                <asvg:svgBlip xmlns:asvg="http://schemas.microsoft.com/office/drawing/2016/SVG/main" r:embed="rId19"/>
               </a:ext>
             </a:extLst>
           </a:blip>
@@ -4034,7 +3936,7 @@
           <p:nvPr/>
         </p:nvPicPr>
         <p:blipFill>
-          <a:blip r:embed="rId11"/>
+          <a:blip r:embed="rId20"/>
           <a:stretch>
             <a:fillRect/>
           </a:stretch>
@@ -4081,13 +3983,6 @@
               </a:rPr>
               <a:t>EVA-ViT</a:t>
             </a:r>
-            <a:endParaRPr lang="en-US" altLang="zh-CN" sz="800" i="1">
-              <a:solidFill>
-                <a:srgbClr val="97FF97"/>
-              </a:solidFill>
-              <a:latin typeface="Times New Roman" panose="02020603050405020304" charset="0"/>
-              <a:cs typeface="Times New Roman" panose="02020603050405020304" charset="0"/>
-            </a:endParaRPr>
           </a:p>
         </p:txBody>
       </p:sp>
@@ -4100,7 +3995,7 @@
           <p:nvPr/>
         </p:nvPicPr>
         <p:blipFill>
-          <a:blip r:embed="rId12"/>
+          <a:blip r:embed="rId21"/>
           <a:stretch>
             <a:fillRect/>
           </a:stretch>
@@ -4124,7 +4019,7 @@
           <p:nvPr/>
         </p:nvPicPr>
         <p:blipFill>
-          <a:blip r:embed="rId13"/>
+          <a:blip r:embed="rId22"/>
           <a:stretch>
             <a:fillRect/>
           </a:stretch>
@@ -4148,7 +4043,7 @@
           <p:nvPr/>
         </p:nvPicPr>
         <p:blipFill>
-          <a:blip r:embed="rId14"/>
+          <a:blip r:embed="rId23"/>
           <a:stretch>
             <a:fillRect/>
           </a:stretch>
@@ -4216,7 +4111,7 @@
           <p:nvPr/>
         </p:nvPicPr>
         <p:blipFill>
-          <a:blip r:embed="rId15"/>
+          <a:blip r:embed="rId24"/>
           <a:stretch>
             <a:fillRect/>
           </a:stretch>
@@ -4237,7 +4132,7 @@
           <p:cNvSpPr txBox="1"/>
           <p:nvPr>
             <p:custDataLst>
-              <p:tags r:id="rId16"/>
+              <p:tags r:id="rId9"/>
             </p:custDataLst>
           </p:nvPr>
         </p:nvSpPr>
@@ -4264,10 +4159,6 @@
               </a:rPr>
               <a:t>Result</a:t>
             </a:r>
-            <a:endParaRPr lang="en-US" altLang="zh-CN" sz="1200">
-              <a:latin typeface="Arial" panose="020B0604020202020204" pitchFamily="34" charset="0"/>
-              <a:cs typeface="Arial" panose="020B0604020202020204" pitchFamily="34" charset="0"/>
-            </a:endParaRPr>
           </a:p>
         </p:txBody>
       </p:sp>
@@ -4277,7 +4168,7 @@
           <p:cNvSpPr/>
           <p:nvPr>
             <p:custDataLst>
-              <p:tags r:id="rId17"/>
+              <p:tags r:id="rId10"/>
             </p:custDataLst>
           </p:nvPr>
         </p:nvSpPr>
@@ -4381,7 +4272,7 @@
           <p:cNvSpPr/>
           <p:nvPr>
             <p:custDataLst>
-              <p:tags r:id="rId18"/>
+              <p:tags r:id="rId11"/>
             </p:custDataLst>
           </p:nvPr>
         </p:nvSpPr>
@@ -4433,7 +4324,7 @@
           <p:cNvSpPr txBox="1"/>
           <p:nvPr>
             <p:custDataLst>
-              <p:tags r:id="rId19"/>
+              <p:tags r:id="rId12"/>
             </p:custDataLst>
           </p:nvPr>
         </p:nvSpPr>
@@ -4460,10 +4351,6 @@
               </a:rPr>
               <a:t>Input visual data and instruction</a:t>
             </a:r>
-            <a:endParaRPr lang="en-US" altLang="zh-CN" sz="1200" b="1">
-              <a:latin typeface="Arial" panose="020B0604020202020204" pitchFamily="34" charset="0"/>
-              <a:cs typeface="Arial" panose="020B0604020202020204" pitchFamily="34" charset="0"/>
-            </a:endParaRPr>
           </a:p>
         </p:txBody>
       </p:sp>
@@ -4473,7 +4360,7 @@
           <p:cNvSpPr/>
           <p:nvPr>
             <p:custDataLst>
-              <p:tags r:id="rId20"/>
+              <p:tags r:id="rId13"/>
             </p:custDataLst>
           </p:nvPr>
         </p:nvSpPr>
@@ -4525,7 +4412,7 @@
           <p:cNvSpPr txBox="1"/>
           <p:nvPr>
             <p:custDataLst>
-              <p:tags r:id="rId21"/>
+              <p:tags r:id="rId14"/>
             </p:custDataLst>
           </p:nvPr>
         </p:nvSpPr>
@@ -4552,10 +4439,6 @@
               </a:rPr>
               <a:t>Fusing visual and textual knowledge</a:t>
             </a:r>
-            <a:endParaRPr lang="en-US" altLang="zh-CN" sz="1200" b="1">
-              <a:latin typeface="Arial" panose="020B0604020202020204" pitchFamily="34" charset="0"/>
-              <a:cs typeface="Arial" panose="020B0604020202020204" pitchFamily="34" charset="0"/>
-            </a:endParaRPr>
           </a:p>
         </p:txBody>
       </p:sp>
@@ -4565,7 +4448,7 @@
           <p:cNvSpPr txBox="1"/>
           <p:nvPr>
             <p:custDataLst>
-              <p:tags r:id="rId22"/>
+              <p:tags r:id="rId15"/>
             </p:custDataLst>
           </p:nvPr>
         </p:nvSpPr>
@@ -4593,10 +4476,6 @@
               </a:rPr>
               <a:t>Final output</a:t>
             </a:r>
-            <a:endParaRPr lang="en-US" altLang="zh-CN" sz="1200" b="1">
-              <a:latin typeface="Arial" panose="020B0604020202020204" pitchFamily="34" charset="0"/>
-              <a:cs typeface="Arial" panose="020B0604020202020204" pitchFamily="34" charset="0"/>
-            </a:endParaRPr>
           </a:p>
         </p:txBody>
       </p:sp>
@@ -4606,7 +4485,7 @@
           <p:cNvSpPr txBox="1"/>
           <p:nvPr>
             <p:custDataLst>
-              <p:tags r:id="rId23"/>
+              <p:tags r:id="rId16"/>
             </p:custDataLst>
           </p:nvPr>
         </p:nvSpPr>
@@ -4633,10 +4512,6 @@
               </a:rPr>
               <a:t>Multimodal Model</a:t>
             </a:r>
-            <a:endParaRPr lang="en-US" altLang="zh-CN" sz="1200" b="1">
-              <a:latin typeface="Arial" panose="020B0604020202020204" pitchFamily="34" charset="0"/>
-              <a:cs typeface="Arial" panose="020B0604020202020204" pitchFamily="34" charset="0"/>
-            </a:endParaRPr>
           </a:p>
         </p:txBody>
       </p:sp>
@@ -4674,7 +4549,7 @@
           <p:nvPr/>
         </p:nvPicPr>
         <p:blipFill>
-          <a:blip r:embed="rId1"/>
+          <a:blip r:embed="rId14"/>
           <a:stretch>
             <a:fillRect/>
           </a:stretch>
@@ -4698,7 +4573,7 @@
           <p:nvPr/>
         </p:nvPicPr>
         <p:blipFill>
-          <a:blip r:embed="rId2"/>
+          <a:blip r:embed="rId15"/>
           <a:stretch>
             <a:fillRect/>
           </a:stretch>
@@ -4736,7 +4611,7 @@
             <p:nvPr/>
           </p:nvPicPr>
           <p:blipFill>
-            <a:blip r:embed="rId3"/>
+            <a:blip r:embed="rId16"/>
             <a:stretch>
               <a:fillRect/>
             </a:stretch>
@@ -4760,7 +4635,7 @@
             <p:nvPr/>
           </p:nvPicPr>
           <p:blipFill>
-            <a:blip r:embed="rId4"/>
+            <a:blip r:embed="rId17"/>
             <a:stretch>
               <a:fillRect/>
             </a:stretch>
@@ -4784,7 +4659,7 @@
             <p:nvPr/>
           </p:nvPicPr>
           <p:blipFill>
-            <a:blip r:embed="rId5"/>
+            <a:blip r:embed="rId18"/>
             <a:stretch>
               <a:fillRect/>
             </a:stretch>
@@ -4826,7 +4701,6 @@
                 <a:rPr lang="en-US" altLang="zh-CN"/>
                 <a:t>...</a:t>
               </a:r>
-              <a:endParaRPr lang="en-US" altLang="zh-CN"/>
             </a:p>
           </p:txBody>
         </p:sp>
@@ -5461,12 +5335,12 @@
           </p:cNvPicPr>
           <p:nvPr>
             <p:custDataLst>
-              <p:tags r:id="rId6"/>
+              <p:tags r:id="rId1"/>
             </p:custDataLst>
           </p:nvPr>
         </p:nvPicPr>
         <p:blipFill>
-          <a:blip r:embed="rId7"/>
+          <a:blip r:embed="rId19"/>
           <a:stretch>
             <a:fillRect/>
           </a:stretch>
@@ -5487,7 +5361,7 @@
           <p:cNvSpPr/>
           <p:nvPr>
             <p:custDataLst>
-              <p:tags r:id="rId8"/>
+              <p:tags r:id="rId2"/>
             </p:custDataLst>
           </p:nvPr>
         </p:nvSpPr>
@@ -5535,11 +5409,6 @@
               </a:rPr>
               <a:t>Llama2</a:t>
             </a:r>
-            <a:endParaRPr lang="en-US" altLang="zh-CN" sz="1200" b="1">
-              <a:latin typeface="Arial" panose="020B0604020202020204" pitchFamily="34" charset="0"/>
-              <a:cs typeface="Arial" panose="020B0604020202020204" pitchFamily="34" charset="0"/>
-              <a:sym typeface="+mn-ea"/>
-            </a:endParaRPr>
           </a:p>
         </p:txBody>
       </p:sp>
@@ -5551,12 +5420,12 @@
           </p:cNvPicPr>
           <p:nvPr>
             <p:custDataLst>
-              <p:tags r:id="rId9"/>
+              <p:tags r:id="rId3"/>
             </p:custDataLst>
           </p:nvPr>
         </p:nvPicPr>
         <p:blipFill>
-          <a:blip r:embed="rId10"/>
+          <a:blip r:embed="rId20"/>
           <a:stretch>
             <a:fillRect/>
           </a:stretch>
@@ -5577,7 +5446,7 @@
           <p:cNvSpPr/>
           <p:nvPr>
             <p:custDataLst>
-              <p:tags r:id="rId11"/>
+              <p:tags r:id="rId4"/>
             </p:custDataLst>
           </p:nvPr>
         </p:nvSpPr>
@@ -5625,11 +5494,6 @@
               </a:rPr>
               <a:t>Linear</a:t>
             </a:r>
-            <a:endParaRPr lang="en-US" altLang="zh-CN" sz="1200" b="1">
-              <a:latin typeface="Arial" panose="020B0604020202020204" pitchFamily="34" charset="0"/>
-              <a:cs typeface="Arial" panose="020B0604020202020204" pitchFamily="34" charset="0"/>
-              <a:sym typeface="+mn-ea"/>
-            </a:endParaRPr>
           </a:p>
         </p:txBody>
       </p:sp>
@@ -5641,12 +5505,12 @@
           </p:cNvPicPr>
           <p:nvPr>
             <p:custDataLst>
-              <p:tags r:id="rId12"/>
+              <p:tags r:id="rId5"/>
             </p:custDataLst>
           </p:nvPr>
         </p:nvPicPr>
         <p:blipFill>
-          <a:blip r:embed="rId10"/>
+          <a:blip r:embed="rId20"/>
           <a:stretch>
             <a:fillRect/>
           </a:stretch>
@@ -5705,7 +5569,7 @@
           <p:cNvSpPr/>
           <p:nvPr>
             <p:custDataLst>
-              <p:tags r:id="rId13"/>
+              <p:tags r:id="rId6"/>
             </p:custDataLst>
           </p:nvPr>
         </p:nvSpPr>
@@ -5753,11 +5617,6 @@
               </a:rPr>
               <a:t>&lt;/Img&gt; [detection] Illegal sales [/INST]</a:t>
             </a:r>
-            <a:endParaRPr lang="en-US" altLang="zh-CN" sz="1200">
-              <a:latin typeface="Arial" panose="020B0604020202020204" pitchFamily="34" charset="0"/>
-              <a:cs typeface="Arial" panose="020B0604020202020204" pitchFamily="34" charset="0"/>
-              <a:sym typeface="+mn-ea"/>
-            </a:endParaRPr>
           </a:p>
         </p:txBody>
       </p:sp>
@@ -5767,7 +5626,7 @@
           <p:cNvSpPr/>
           <p:nvPr>
             <p:custDataLst>
-              <p:tags r:id="rId14"/>
+              <p:tags r:id="rId7"/>
             </p:custDataLst>
           </p:nvPr>
         </p:nvSpPr>
@@ -5815,11 +5674,6 @@
               </a:rPr>
               <a:t>[INST] &lt;Img&gt;</a:t>
             </a:r>
-            <a:endParaRPr lang="en-US" altLang="zh-CN" sz="1200">
-              <a:latin typeface="Arial" panose="020B0604020202020204" pitchFamily="34" charset="0"/>
-              <a:cs typeface="Arial" panose="020B0604020202020204" pitchFamily="34" charset="0"/>
-              <a:sym typeface="+mn-ea"/>
-            </a:endParaRPr>
           </a:p>
         </p:txBody>
       </p:sp>
@@ -5918,7 +5772,7 @@
           <p:cNvSpPr/>
           <p:nvPr>
             <p:custDataLst>
-              <p:tags r:id="rId15"/>
+              <p:tags r:id="rId8"/>
             </p:custDataLst>
           </p:nvPr>
         </p:nvSpPr>
@@ -5966,11 +5820,6 @@
               </a:rPr>
               <a:t>New embedding</a:t>
             </a:r>
-            <a:endParaRPr lang="en-US" altLang="zh-CN" sz="1200">
-              <a:latin typeface="Arial" panose="020B0604020202020204" pitchFamily="34" charset="0"/>
-              <a:cs typeface="Arial" panose="020B0604020202020204" pitchFamily="34" charset="0"/>
-              <a:sym typeface="+mn-ea"/>
-            </a:endParaRPr>
           </a:p>
         </p:txBody>
       </p:sp>
@@ -6021,12 +5870,12 @@
           </p:cNvPicPr>
           <p:nvPr>
             <p:custDataLst>
-              <p:tags r:id="rId16"/>
+              <p:tags r:id="rId9"/>
             </p:custDataLst>
           </p:nvPr>
         </p:nvPicPr>
         <p:blipFill>
-          <a:blip r:embed="rId7"/>
+          <a:blip r:embed="rId19"/>
           <a:stretch>
             <a:fillRect/>
           </a:stretch>
@@ -6049,12 +5898,12 @@
           </p:cNvPicPr>
           <p:nvPr>
             <p:custDataLst>
-              <p:tags r:id="rId17"/>
+              <p:tags r:id="rId10"/>
             </p:custDataLst>
           </p:nvPr>
         </p:nvPicPr>
         <p:blipFill>
-          <a:blip r:embed="rId10"/>
+          <a:blip r:embed="rId20"/>
           <a:stretch>
             <a:fillRect/>
           </a:stretch>
@@ -6314,7 +6163,7 @@
           <p:cNvSpPr txBox="1"/>
           <p:nvPr>
             <p:custDataLst>
-              <p:tags r:id="rId18"/>
+              <p:tags r:id="rId11"/>
             </p:custDataLst>
           </p:nvPr>
         </p:nvSpPr>
@@ -6341,10 +6190,6 @@
               </a:rPr>
               <a:t>Raw image</a:t>
             </a:r>
-            <a:endParaRPr lang="en-US" altLang="zh-CN" sz="1200" b="1">
-              <a:latin typeface="Arial" panose="020B0604020202020204" pitchFamily="34" charset="0"/>
-              <a:cs typeface="Arial" panose="020B0604020202020204" pitchFamily="34" charset="0"/>
-            </a:endParaRPr>
           </a:p>
         </p:txBody>
       </p:sp>
@@ -6354,7 +6199,7 @@
           <p:cNvSpPr txBox="1"/>
           <p:nvPr>
             <p:custDataLst>
-              <p:tags r:id="rId19"/>
+              <p:tags r:id="rId12"/>
             </p:custDataLst>
           </p:nvPr>
         </p:nvSpPr>
@@ -6381,10 +6226,6 @@
               </a:rPr>
               <a:t>Detection result</a:t>
             </a:r>
-            <a:endParaRPr lang="en-US" altLang="zh-CN" sz="1200" b="1">
-              <a:latin typeface="Arial" panose="020B0604020202020204" pitchFamily="34" charset="0"/>
-              <a:cs typeface="Arial" panose="020B0604020202020204" pitchFamily="34" charset="0"/>
-            </a:endParaRPr>
           </a:p>
         </p:txBody>
       </p:sp>
@@ -6586,13 +6427,6 @@
               </a:rPr>
               <a:t>Material</a:t>
             </a:r>
-            <a:endParaRPr lang="en-US" altLang="zh-CN" sz="1200" b="1">
-              <a:solidFill>
-                <a:schemeClr val="tx1"/>
-              </a:solidFill>
-              <a:latin typeface="Arial" panose="020B0604020202020204" pitchFamily="34" charset="0"/>
-              <a:cs typeface="Arial" panose="020B0604020202020204" pitchFamily="34" charset="0"/>
-            </a:endParaRPr>
           </a:p>
         </p:txBody>
       </p:sp>
@@ -6658,13 +6492,6 @@
               </a:rPr>
               <a:t>Vector Store</a:t>
             </a:r>
-            <a:endParaRPr lang="en-US" altLang="zh-CN" sz="1200" b="1">
-              <a:solidFill>
-                <a:schemeClr val="tx1"/>
-              </a:solidFill>
-              <a:latin typeface="Arial" panose="020B0604020202020204" pitchFamily="34" charset="0"/>
-              <a:cs typeface="Arial" panose="020B0604020202020204" pitchFamily="34" charset="0"/>
-            </a:endParaRPr>
           </a:p>
         </p:txBody>
       </p:sp>
@@ -6963,13 +6790,6 @@
               </a:rPr>
               <a:t>LLM</a:t>
             </a:r>
-            <a:endParaRPr lang="en-US" altLang="zh-CN" sz="1200" b="1">
-              <a:solidFill>
-                <a:schemeClr val="tx1"/>
-              </a:solidFill>
-              <a:latin typeface="Arial" panose="020B0604020202020204" pitchFamily="34" charset="0"/>
-              <a:cs typeface="Arial" panose="020B0604020202020204" pitchFamily="34" charset="0"/>
-            </a:endParaRPr>
           </a:p>
         </p:txBody>
       </p:sp>
@@ -7122,10 +6942,6 @@
               </a:rPr>
               <a:t>Embedding Model</a:t>
             </a:r>
-            <a:endParaRPr lang="en-US" altLang="zh-CN" sz="1200" b="1">
-              <a:latin typeface="Arial" panose="020B0604020202020204" pitchFamily="34" charset="0"/>
-              <a:cs typeface="Arial" panose="020B0604020202020204" pitchFamily="34" charset="0"/>
-            </a:endParaRPr>
           </a:p>
         </p:txBody>
       </p:sp>
@@ -7158,10 +6974,6 @@
               </a:rPr>
               <a:t>Similarity search</a:t>
             </a:r>
-            <a:endParaRPr lang="en-US" altLang="zh-CN" sz="1200">
-              <a:latin typeface="Arial" panose="020B0604020202020204" pitchFamily="34" charset="0"/>
-              <a:cs typeface="Arial" panose="020B0604020202020204" pitchFamily="34" charset="0"/>
-            </a:endParaRPr>
           </a:p>
         </p:txBody>
       </p:sp>
@@ -7198,10 +7010,6 @@
               </a:rPr>
               <a:t>Store</a:t>
             </a:r>
-            <a:endParaRPr lang="en-US" altLang="zh-CN" sz="1200">
-              <a:latin typeface="Arial" panose="020B0604020202020204" pitchFamily="34" charset="0"/>
-              <a:cs typeface="Arial" panose="020B0604020202020204" pitchFamily="34" charset="0"/>
-            </a:endParaRPr>
           </a:p>
           <a:p>
             <a:endParaRPr lang="en-US" altLang="zh-CN" sz="1200">
@@ -7241,11 +7049,6 @@
               </a:rPr>
               <a:t>Index</a:t>
             </a:r>
-            <a:endParaRPr lang="en-US" altLang="zh-CN" sz="1200">
-              <a:latin typeface="Arial" panose="020B0604020202020204" pitchFamily="34" charset="0"/>
-              <a:cs typeface="Arial" panose="020B0604020202020204" pitchFamily="34" charset="0"/>
-              <a:sym typeface="+mn-ea"/>
-            </a:endParaRPr>
           </a:p>
         </p:txBody>
       </p:sp>
@@ -7278,10 +7081,6 @@
               </a:rPr>
               <a:t>Template</a:t>
             </a:r>
-            <a:endParaRPr lang="en-US" altLang="zh-CN" sz="1200" b="1">
-              <a:latin typeface="Arial" panose="020B0604020202020204" pitchFamily="34" charset="0"/>
-              <a:cs typeface="Arial" panose="020B0604020202020204" pitchFamily="34" charset="0"/>
-            </a:endParaRPr>
           </a:p>
         </p:txBody>
       </p:sp>
@@ -7318,10 +7117,6 @@
               </a:rPr>
               <a:t>Relevant info</a:t>
             </a:r>
-            <a:endParaRPr lang="en-US" altLang="zh-CN" sz="1200">
-              <a:latin typeface="Arial" panose="020B0604020202020204" pitchFamily="34" charset="0"/>
-              <a:cs typeface="Arial" panose="020B0604020202020204" pitchFamily="34" charset="0"/>
-            </a:endParaRPr>
           </a:p>
         </p:txBody>
       </p:sp>
@@ -7359,11 +7154,6 @@
               </a:rPr>
               <a:t>Query</a:t>
             </a:r>
-            <a:endParaRPr lang="en-US" altLang="zh-CN" sz="1200">
-              <a:latin typeface="Arial" panose="020B0604020202020204" pitchFamily="34" charset="0"/>
-              <a:cs typeface="Arial" panose="020B0604020202020204" pitchFamily="34" charset="0"/>
-              <a:sym typeface="+mn-ea"/>
-            </a:endParaRPr>
           </a:p>
         </p:txBody>
       </p:sp>
@@ -7401,11 +7191,6 @@
               </a:rPr>
               <a:t>Context</a:t>
             </a:r>
-            <a:endParaRPr lang="en-US" altLang="zh-CN" sz="1200">
-              <a:latin typeface="Arial" panose="020B0604020202020204" pitchFamily="34" charset="0"/>
-              <a:cs typeface="Arial" panose="020B0604020202020204" pitchFamily="34" charset="0"/>
-              <a:sym typeface="+mn-ea"/>
-            </a:endParaRPr>
           </a:p>
         </p:txBody>
       </p:sp>
@@ -7735,10 +7520,6 @@
               </a:rPr>
               <a:t>Loader</a:t>
             </a:r>
-            <a:endParaRPr lang="en-US" altLang="zh-CN" sz="1200">
-              <a:latin typeface="Arial" panose="020B0604020202020204" pitchFamily="34" charset="0"/>
-              <a:cs typeface="Arial" panose="020B0604020202020204" pitchFamily="34" charset="0"/>
-            </a:endParaRPr>
           </a:p>
         </p:txBody>
       </p:sp>
@@ -7886,13 +7667,6 @@
               </a:rPr>
               <a:t>Documents</a:t>
             </a:r>
-            <a:endParaRPr lang="en-US" altLang="zh-CN" sz="1200" b="1">
-              <a:solidFill>
-                <a:schemeClr val="tx1"/>
-              </a:solidFill>
-              <a:latin typeface="Arial" panose="020B0604020202020204" pitchFamily="34" charset="0"/>
-              <a:cs typeface="Arial" panose="020B0604020202020204" pitchFamily="34" charset="0"/>
-            </a:endParaRPr>
           </a:p>
         </p:txBody>
       </p:sp>
@@ -9025,13 +8799,6 @@
               </a:rPr>
               <a:t>Vector Store</a:t>
             </a:r>
-            <a:endParaRPr lang="en-US" altLang="zh-CN" sz="1200" b="1">
-              <a:solidFill>
-                <a:schemeClr val="tx1"/>
-              </a:solidFill>
-              <a:latin typeface="Arial" panose="020B0604020202020204" pitchFamily="34" charset="0"/>
-              <a:cs typeface="Arial" panose="020B0604020202020204" pitchFamily="34" charset="0"/>
-            </a:endParaRPr>
           </a:p>
         </p:txBody>
       </p:sp>
@@ -9092,13 +8859,6 @@
               </a:rPr>
               <a:t>Documents Store</a:t>
             </a:r>
-            <a:endParaRPr lang="en-US" altLang="zh-CN" sz="1200" b="1">
-              <a:solidFill>
-                <a:schemeClr val="tx1"/>
-              </a:solidFill>
-              <a:latin typeface="Arial" panose="020B0604020202020204" pitchFamily="34" charset="0"/>
-              <a:cs typeface="Arial" panose="020B0604020202020204" pitchFamily="34" charset="0"/>
-            </a:endParaRPr>
           </a:p>
         </p:txBody>
       </p:sp>
@@ -9320,7 +9080,7 @@
       </p:grpSpPr>
       <p:sp>
         <p:nvSpPr>
-          <p:cNvPr id="2" name="圆角矩形 54"/>
+          <p:cNvPr id="2" name="折角形 10"/>
           <p:cNvSpPr/>
           <p:nvPr>
             <p:custDataLst>
@@ -9330,14 +9090,17 @@
         </p:nvSpPr>
         <p:spPr>
           <a:xfrm>
-            <a:off x="4367034" y="2162204"/>
-            <a:ext cx="1023537" cy="409264"/>
-          </a:xfrm>
-          <a:prstGeom prst="roundRect">
+            <a:off x="2978150" y="2491105"/>
+            <a:ext cx="1132840" cy="1042670"/>
+          </a:xfrm>
+          <a:prstGeom prst="foldedCorner">
             <a:avLst/>
           </a:prstGeom>
           <a:solidFill>
-            <a:srgbClr val="DAE3F5"/>
+            <a:schemeClr val="accent2">
+              <a:lumMod val="60000"/>
+              <a:lumOff val="40000"/>
+            </a:schemeClr>
           </a:solidFill>
           <a:ln>
             <a:solidFill>
@@ -9347,80 +9110,170 @@
         </p:spPr>
         <p:style>
           <a:lnRef idx="2">
-            <a:schemeClr val="accent1"/>
+            <a:schemeClr val="accent1">
+              <a:lumMod val="75000"/>
+            </a:schemeClr>
           </a:lnRef>
-          <a:fillRef idx="0">
-            <a:srgbClr val="FFFFFF"/>
+          <a:fillRef idx="1">
+            <a:schemeClr val="accent1"/>
           </a:fillRef>
           <a:effectRef idx="0">
             <a:srgbClr val="FFFFFF"/>
           </a:effectRef>
           <a:fontRef idx="minor">
-            <a:schemeClr val="tx1"/>
+            <a:schemeClr val="lt1"/>
           </a:fontRef>
         </p:style>
         <p:txBody>
-          <a:bodyPr rtlCol="0" anchor="ctr"/>
+          <a:bodyPr rtlCol="0" anchor="b" anchorCtr="0"/>
           <a:lstStyle/>
           <a:p>
             <a:pPr algn="ctr"/>
             <a:r>
-              <a:rPr lang="en-US" altLang="zh-CN" sz="1200">
+              <a:rPr lang="en-US" altLang="zh-CN" sz="1200" b="1">
+                <a:solidFill>
+                  <a:schemeClr val="tx1"/>
+                </a:solidFill>
                 <a:latin typeface="Arial" panose="020B0604020202020204" pitchFamily="34" charset="0"/>
                 <a:cs typeface="Arial" panose="020B0604020202020204" pitchFamily="34" charset="0"/>
-                <a:sym typeface="+mn-ea"/>
               </a:rPr>
-              <a:t>{detection}</a:t>
-            </a:r>
-            <a:endParaRPr lang="en-US" altLang="zh-CN" sz="1200">
+              <a:t>Urban governance textual regulations</a:t>
+            </a:r>
+          </a:p>
+        </p:txBody>
+      </p:sp>
+      <p:sp>
+        <p:nvSpPr>
+          <p:cNvPr id="4" name="矩形: 圆角 3"/>
+          <p:cNvSpPr/>
+          <p:nvPr/>
+        </p:nvSpPr>
+        <p:spPr>
+          <a:xfrm>
+            <a:off x="4203152" y="2607625"/>
+            <a:ext cx="889552" cy="355284"/>
+          </a:xfrm>
+          <a:prstGeom prst="roundRect">
+            <a:avLst/>
+          </a:prstGeom>
+          <a:solidFill>
+            <a:schemeClr val="accent3">
+              <a:lumMod val="20000"/>
+              <a:lumOff val="80000"/>
+            </a:schemeClr>
+          </a:solidFill>
+        </p:spPr>
+        <p:style>
+          <a:lnRef idx="2">
+            <a:schemeClr val="accent1">
+              <a:shade val="15000"/>
+            </a:schemeClr>
+          </a:lnRef>
+          <a:fillRef idx="1">
+            <a:schemeClr val="accent1"/>
+          </a:fillRef>
+          <a:effectRef idx="0">
+            <a:schemeClr val="accent1"/>
+          </a:effectRef>
+          <a:fontRef idx="minor">
+            <a:schemeClr val="lt1"/>
+          </a:fontRef>
+        </p:style>
+        <p:txBody>
+          <a:bodyPr rtlCol="0" anchor="ctr"/>
+          <a:lstStyle/>
+          <a:p>
+            <a:pPr algn="ctr"/>
+            <a:r>
+              <a:rPr lang="en-US" altLang="zh-CN" sz="1200">
+                <a:solidFill>
+                  <a:schemeClr val="tx1"/>
+                </a:solidFill>
+                <a:latin typeface="Arial" panose="020B0604020202020204" pitchFamily="34" charset="0"/>
+                <a:cs typeface="Arial" panose="020B0604020202020204" pitchFamily="34" charset="0"/>
+              </a:rPr>
+              <a:t>Splitter_1</a:t>
+            </a:r>
+            <a:endParaRPr lang="zh-CN" altLang="en-US" sz="1200">
+              <a:solidFill>
+                <a:schemeClr val="tx1"/>
+              </a:solidFill>
               <a:latin typeface="Arial" panose="020B0604020202020204" pitchFamily="34" charset="0"/>
               <a:cs typeface="Arial" panose="020B0604020202020204" pitchFamily="34" charset="0"/>
-              <a:sym typeface="+mn-ea"/>
             </a:endParaRPr>
           </a:p>
         </p:txBody>
       </p:sp>
-      <p:sp>
-        <p:nvSpPr>
-          <p:cNvPr id="3" name="圆角矩形 54"/>
-          <p:cNvSpPr/>
-          <p:nvPr>
-            <p:custDataLst>
-              <p:tags r:id="rId2"/>
-            </p:custDataLst>
-          </p:nvPr>
-        </p:nvSpPr>
-        <p:spPr>
-          <a:xfrm>
-            <a:off x="4865703" y="3041659"/>
-            <a:ext cx="2437744" cy="409264"/>
-          </a:xfrm>
-          <a:prstGeom prst="roundRect">
-            <a:avLst/>
-          </a:prstGeom>
-          <a:solidFill>
-            <a:srgbClr val="DAE3F5"/>
-          </a:solidFill>
+      <p:cxnSp>
+        <p:nvCxnSpPr>
+          <p:cNvPr id="6" name="直接箭头连接符 5"/>
+          <p:cNvCxnSpPr>
+            <a:stCxn id="2" idx="3"/>
+            <a:endCxn id="12" idx="1"/>
+          </p:cNvCxnSpPr>
+          <p:nvPr/>
+        </p:nvCxnSpPr>
+        <p:spPr>
+          <a:xfrm>
+            <a:off x="4110825" y="3012270"/>
+            <a:ext cx="1073150" cy="3810"/>
+          </a:xfrm>
+          <a:prstGeom prst="straightConnector1">
+            <a:avLst/>
+          </a:prstGeom>
           <a:ln>
             <a:solidFill>
               <a:schemeClr val="tx1"/>
             </a:solidFill>
+            <a:tailEnd type="triangle"/>
           </a:ln>
         </p:spPr>
         <p:style>
-          <a:lnRef idx="2">
+          <a:lnRef idx="1">
             <a:schemeClr val="accent1"/>
           </a:lnRef>
           <a:fillRef idx="0">
-            <a:srgbClr val="FFFFFF"/>
+            <a:schemeClr val="accent1"/>
           </a:fillRef>
           <a:effectRef idx="0">
-            <a:srgbClr val="FFFFFF"/>
+            <a:schemeClr val="accent1"/>
           </a:effectRef>
           <a:fontRef idx="minor">
             <a:schemeClr val="tx1"/>
           </a:fontRef>
         </p:style>
+      </p:cxnSp>
+      <p:sp>
+        <p:nvSpPr>
+          <p:cNvPr id="8" name="矩形 7"/>
+          <p:cNvSpPr/>
+          <p:nvPr/>
+        </p:nvSpPr>
+        <p:spPr>
+          <a:xfrm>
+            <a:off x="5294157" y="2370551"/>
+            <a:ext cx="824947" cy="307845"/>
+          </a:xfrm>
+          <a:prstGeom prst="rect">
+            <a:avLst/>
+          </a:prstGeom>
+        </p:spPr>
+        <p:style>
+          <a:lnRef idx="2">
+            <a:schemeClr val="accent1">
+              <a:shade val="15000"/>
+            </a:schemeClr>
+          </a:lnRef>
+          <a:fillRef idx="1">
+            <a:schemeClr val="accent1"/>
+          </a:fillRef>
+          <a:effectRef idx="0">
+            <a:schemeClr val="accent1"/>
+          </a:effectRef>
+          <a:fontRef idx="minor">
+            <a:schemeClr val="lt1"/>
+          </a:fontRef>
+        </p:style>
         <p:txBody>
           <a:bodyPr rtlCol="0" anchor="ctr"/>
           <a:lstStyle/>
@@ -9428,59 +9281,53 @@
             <a:pPr algn="ctr"/>
             <a:r>
               <a:rPr lang="en-US" altLang="zh-CN" sz="1200">
+                <a:solidFill>
+                  <a:schemeClr val="tx1"/>
+                </a:solidFill>
                 <a:latin typeface="Arial" panose="020B0604020202020204" pitchFamily="34" charset="0"/>
                 <a:cs typeface="Arial" panose="020B0604020202020204" pitchFamily="34" charset="0"/>
-                <a:sym typeface="+mn-ea"/>
               </a:rPr>
-              <a:t>“Help me detect {} in the image.”</a:t>
-            </a:r>
-            <a:endParaRPr lang="en-US" altLang="zh-CN" sz="1200">
+              <a:t>Chunk 1</a:t>
+            </a:r>
+            <a:endParaRPr lang="zh-CN" altLang="en-US" sz="1200">
+              <a:solidFill>
+                <a:schemeClr val="tx1"/>
+              </a:solidFill>
               <a:latin typeface="Arial" panose="020B0604020202020204" pitchFamily="34" charset="0"/>
               <a:cs typeface="Arial" panose="020B0604020202020204" pitchFamily="34" charset="0"/>
-              <a:sym typeface="+mn-ea"/>
             </a:endParaRPr>
           </a:p>
         </p:txBody>
       </p:sp>
       <p:sp>
         <p:nvSpPr>
-          <p:cNvPr id="4" name="圆角矩形 54"/>
+          <p:cNvPr id="9" name="矩形 8"/>
           <p:cNvSpPr/>
-          <p:nvPr>
-            <p:custDataLst>
-              <p:tags r:id="rId3"/>
-            </p:custDataLst>
-          </p:nvPr>
-        </p:nvSpPr>
-        <p:spPr>
-          <a:xfrm>
-            <a:off x="4865702" y="3516201"/>
-            <a:ext cx="2437744" cy="409264"/>
-          </a:xfrm>
-          <a:prstGeom prst="roundRect">
-            <a:avLst/>
-          </a:prstGeom>
-          <a:solidFill>
-            <a:srgbClr val="DAE3F5"/>
-          </a:solidFill>
-          <a:ln>
-            <a:solidFill>
-              <a:schemeClr val="tx1"/>
-            </a:solidFill>
-          </a:ln>
+          <p:nvPr/>
+        </p:nvSpPr>
+        <p:spPr>
+          <a:xfrm>
+            <a:off x="5294157" y="2752413"/>
+            <a:ext cx="824947" cy="307845"/>
+          </a:xfrm>
+          <a:prstGeom prst="rect">
+            <a:avLst/>
+          </a:prstGeom>
         </p:spPr>
         <p:style>
           <a:lnRef idx="2">
-            <a:schemeClr val="accent1"/>
+            <a:schemeClr val="accent1">
+              <a:shade val="15000"/>
+            </a:schemeClr>
           </a:lnRef>
-          <a:fillRef idx="0">
-            <a:srgbClr val="FFFFFF"/>
+          <a:fillRef idx="1">
+            <a:schemeClr val="accent1"/>
           </a:fillRef>
           <a:effectRef idx="0">
-            <a:srgbClr val="FFFFFF"/>
+            <a:schemeClr val="accent1"/>
           </a:effectRef>
           <a:fontRef idx="minor">
-            <a:schemeClr val="tx1"/>
+            <a:schemeClr val="lt1"/>
           </a:fontRef>
         </p:style>
         <p:txBody>
@@ -9490,59 +9337,53 @@
             <a:pPr algn="ctr"/>
             <a:r>
               <a:rPr lang="en-US" altLang="zh-CN" sz="1200">
+                <a:solidFill>
+                  <a:schemeClr val="tx1"/>
+                </a:solidFill>
                 <a:latin typeface="Arial" panose="020B0604020202020204" pitchFamily="34" charset="0"/>
                 <a:cs typeface="Arial" panose="020B0604020202020204" pitchFamily="34" charset="0"/>
-                <a:sym typeface="+mn-ea"/>
               </a:rPr>
-              <a:t>“Find {} in the image.”</a:t>
-            </a:r>
-            <a:endParaRPr lang="en-US" altLang="zh-CN" sz="1200">
+              <a:t>Chunk 2</a:t>
+            </a:r>
+            <a:endParaRPr lang="zh-CN" altLang="en-US" sz="1200">
+              <a:solidFill>
+                <a:schemeClr val="tx1"/>
+              </a:solidFill>
               <a:latin typeface="Arial" panose="020B0604020202020204" pitchFamily="34" charset="0"/>
               <a:cs typeface="Arial" panose="020B0604020202020204" pitchFamily="34" charset="0"/>
-              <a:sym typeface="+mn-ea"/>
             </a:endParaRPr>
           </a:p>
         </p:txBody>
       </p:sp>
       <p:sp>
         <p:nvSpPr>
-          <p:cNvPr id="5" name="圆角矩形 54"/>
+          <p:cNvPr id="10" name="矩形 9"/>
           <p:cNvSpPr/>
-          <p:nvPr>
-            <p:custDataLst>
-              <p:tags r:id="rId4"/>
-            </p:custDataLst>
-          </p:nvPr>
-        </p:nvSpPr>
-        <p:spPr>
-          <a:xfrm>
-            <a:off x="4865701" y="3990743"/>
-            <a:ext cx="2437744" cy="409264"/>
-          </a:xfrm>
-          <a:prstGeom prst="roundRect">
-            <a:avLst/>
-          </a:prstGeom>
-          <a:solidFill>
-            <a:srgbClr val="DAE3F5"/>
-          </a:solidFill>
-          <a:ln>
-            <a:solidFill>
-              <a:schemeClr val="tx1"/>
-            </a:solidFill>
-          </a:ln>
+          <p:nvPr/>
+        </p:nvSpPr>
+        <p:spPr>
+          <a:xfrm>
+            <a:off x="5294155" y="3348623"/>
+            <a:ext cx="824947" cy="307845"/>
+          </a:xfrm>
+          <a:prstGeom prst="rect">
+            <a:avLst/>
+          </a:prstGeom>
         </p:spPr>
         <p:style>
           <a:lnRef idx="2">
-            <a:schemeClr val="accent1"/>
+            <a:schemeClr val="accent1">
+              <a:shade val="15000"/>
+            </a:schemeClr>
           </a:lnRef>
-          <a:fillRef idx="0">
-            <a:srgbClr val="FFFFFF"/>
+          <a:fillRef idx="1">
+            <a:schemeClr val="accent1"/>
           </a:fillRef>
           <a:effectRef idx="0">
-            <a:srgbClr val="FFFFFF"/>
+            <a:schemeClr val="accent1"/>
           </a:effectRef>
           <a:fontRef idx="minor">
-            <a:schemeClr val="tx1"/>
+            <a:schemeClr val="lt1"/>
           </a:fontRef>
         </p:style>
         <p:txBody>
@@ -9552,36 +9393,36 @@
             <a:pPr algn="ctr"/>
             <a:r>
               <a:rPr lang="en-US" altLang="zh-CN" sz="1200">
+                <a:solidFill>
+                  <a:schemeClr val="tx1"/>
+                </a:solidFill>
                 <a:latin typeface="Arial" panose="020B0604020202020204" pitchFamily="34" charset="0"/>
                 <a:cs typeface="Arial" panose="020B0604020202020204" pitchFamily="34" charset="0"/>
-                <a:sym typeface="+mn-ea"/>
               </a:rPr>
-              <a:t>“The image includes {}.”</a:t>
-            </a:r>
-            <a:endParaRPr lang="en-US" altLang="zh-CN" sz="1200">
+              <a:t>Chunk_n</a:t>
+            </a:r>
+            <a:endParaRPr lang="zh-CN" altLang="en-US" sz="1200">
+              <a:solidFill>
+                <a:schemeClr val="tx1"/>
+              </a:solidFill>
               <a:latin typeface="Arial" panose="020B0604020202020204" pitchFamily="34" charset="0"/>
               <a:cs typeface="Arial" panose="020B0604020202020204" pitchFamily="34" charset="0"/>
-              <a:sym typeface="+mn-ea"/>
             </a:endParaRPr>
           </a:p>
         </p:txBody>
       </p:sp>
       <p:sp>
         <p:nvSpPr>
-          <p:cNvPr id="6" name="圆角矩形 54"/>
+          <p:cNvPr id="11" name="矩形 10"/>
           <p:cNvSpPr/>
-          <p:nvPr>
-            <p:custDataLst>
-              <p:tags r:id="rId5"/>
-            </p:custDataLst>
-          </p:nvPr>
-        </p:nvSpPr>
-        <p:spPr>
-          <a:xfrm>
-            <a:off x="4876641" y="4387376"/>
-            <a:ext cx="2437744" cy="409264"/>
-          </a:xfrm>
-          <a:prstGeom prst="roundRect">
+          <p:nvPr/>
+        </p:nvSpPr>
+        <p:spPr>
+          <a:xfrm>
+            <a:off x="5294155" y="3013540"/>
+            <a:ext cx="824947" cy="307845"/>
+          </a:xfrm>
+          <a:prstGeom prst="rect">
             <a:avLst/>
           </a:prstGeom>
           <a:noFill/>
@@ -9591,16 +9432,18 @@
         </p:spPr>
         <p:style>
           <a:lnRef idx="2">
-            <a:schemeClr val="accent1"/>
+            <a:schemeClr val="accent1">
+              <a:shade val="15000"/>
+            </a:schemeClr>
           </a:lnRef>
-          <a:fillRef idx="0">
-            <a:srgbClr val="FFFFFF"/>
+          <a:fillRef idx="1">
+            <a:schemeClr val="accent1"/>
           </a:fillRef>
           <a:effectRef idx="0">
-            <a:srgbClr val="FFFFFF"/>
+            <a:schemeClr val="accent1"/>
           </a:effectRef>
           <a:fontRef idx="minor">
-            <a:schemeClr val="tx1"/>
+            <a:schemeClr val="lt1"/>
           </a:fontRef>
         </p:style>
         <p:txBody>
@@ -9609,31 +9452,35 @@
           <a:p>
             <a:pPr algn="ctr"/>
             <a:r>
-              <a:rPr lang="en-US" altLang="zh-CN" sz="1200" b="1">
+              <a:rPr lang="en-US" altLang="zh-CN" sz="1200">
+                <a:solidFill>
+                  <a:schemeClr val="tx1"/>
+                </a:solidFill>
                 <a:latin typeface="Arial" panose="020B0604020202020204" pitchFamily="34" charset="0"/>
                 <a:cs typeface="Arial" panose="020B0604020202020204" pitchFamily="34" charset="0"/>
-                <a:sym typeface="+mn-ea"/>
               </a:rPr>
               <a:t>…</a:t>
             </a:r>
-            <a:endParaRPr lang="en-US" altLang="zh-CN" sz="1200" b="1">
+            <a:endParaRPr lang="zh-CN" altLang="en-US" sz="1200">
+              <a:solidFill>
+                <a:schemeClr val="tx1"/>
+              </a:solidFill>
               <a:latin typeface="Arial" panose="020B0604020202020204" pitchFamily="34" charset="0"/>
               <a:cs typeface="Arial" panose="020B0604020202020204" pitchFamily="34" charset="0"/>
-              <a:sym typeface="+mn-ea"/>
             </a:endParaRPr>
           </a:p>
         </p:txBody>
       </p:sp>
       <p:sp>
         <p:nvSpPr>
-          <p:cNvPr id="7" name="圆角矩形 59"/>
+          <p:cNvPr id="12" name="圆角矩形 59"/>
           <p:cNvSpPr/>
           <p:nvPr/>
         </p:nvSpPr>
         <p:spPr>
           <a:xfrm>
-            <a:off x="4768437" y="2902564"/>
-            <a:ext cx="2644746" cy="1819914"/>
+            <a:off x="5184396" y="2279015"/>
+            <a:ext cx="1050352" cy="1474470"/>
           </a:xfrm>
           <a:prstGeom prst="roundRect">
             <a:avLst/>
@@ -9674,19 +9521,192 @@
           </a:p>
         </p:txBody>
       </p:sp>
+      <p:sp>
+        <p:nvSpPr>
+          <p:cNvPr id="13" name="矩形 12"/>
+          <p:cNvSpPr/>
+          <p:nvPr/>
+        </p:nvSpPr>
+        <p:spPr>
+          <a:xfrm>
+            <a:off x="5294156" y="2370551"/>
+            <a:ext cx="824947" cy="307845"/>
+          </a:xfrm>
+          <a:prstGeom prst="rect">
+            <a:avLst/>
+          </a:prstGeom>
+        </p:spPr>
+        <p:style>
+          <a:lnRef idx="2">
+            <a:schemeClr val="accent1">
+              <a:shade val="15000"/>
+            </a:schemeClr>
+          </a:lnRef>
+          <a:fillRef idx="1">
+            <a:schemeClr val="accent1"/>
+          </a:fillRef>
+          <a:effectRef idx="0">
+            <a:schemeClr val="accent1"/>
+          </a:effectRef>
+          <a:fontRef idx="minor">
+            <a:schemeClr val="lt1"/>
+          </a:fontRef>
+        </p:style>
+        <p:txBody>
+          <a:bodyPr rtlCol="0" anchor="ctr"/>
+          <a:lstStyle/>
+          <a:p>
+            <a:pPr algn="ctr"/>
+            <a:r>
+              <a:rPr lang="en-US" altLang="zh-CN" sz="1200">
+                <a:solidFill>
+                  <a:schemeClr val="tx1"/>
+                </a:solidFill>
+                <a:latin typeface="Arial" panose="020B0604020202020204" pitchFamily="34" charset="0"/>
+                <a:cs typeface="Arial" panose="020B0604020202020204" pitchFamily="34" charset="0"/>
+              </a:rPr>
+              <a:t>Chunk_1</a:t>
+            </a:r>
+            <a:endParaRPr lang="zh-CN" altLang="en-US" sz="1200">
+              <a:solidFill>
+                <a:schemeClr val="tx1"/>
+              </a:solidFill>
+              <a:latin typeface="Arial" panose="020B0604020202020204" pitchFamily="34" charset="0"/>
+              <a:cs typeface="Arial" panose="020B0604020202020204" pitchFamily="34" charset="0"/>
+            </a:endParaRPr>
+          </a:p>
+        </p:txBody>
+      </p:sp>
+      <p:sp>
+        <p:nvSpPr>
+          <p:cNvPr id="14" name="矩形 13"/>
+          <p:cNvSpPr/>
+          <p:nvPr/>
+        </p:nvSpPr>
+        <p:spPr>
+          <a:xfrm>
+            <a:off x="5294156" y="2752413"/>
+            <a:ext cx="824947" cy="307845"/>
+          </a:xfrm>
+          <a:prstGeom prst="rect">
+            <a:avLst/>
+          </a:prstGeom>
+        </p:spPr>
+        <p:style>
+          <a:lnRef idx="2">
+            <a:schemeClr val="accent1">
+              <a:shade val="15000"/>
+            </a:schemeClr>
+          </a:lnRef>
+          <a:fillRef idx="1">
+            <a:schemeClr val="accent1"/>
+          </a:fillRef>
+          <a:effectRef idx="0">
+            <a:schemeClr val="accent1"/>
+          </a:effectRef>
+          <a:fontRef idx="minor">
+            <a:schemeClr val="lt1"/>
+          </a:fontRef>
+        </p:style>
+        <p:txBody>
+          <a:bodyPr rtlCol="0" anchor="ctr"/>
+          <a:lstStyle/>
+          <a:p>
+            <a:pPr algn="ctr"/>
+            <a:r>
+              <a:rPr lang="en-US" altLang="zh-CN" sz="1200">
+                <a:solidFill>
+                  <a:schemeClr val="tx1"/>
+                </a:solidFill>
+                <a:latin typeface="Arial" panose="020B0604020202020204" pitchFamily="34" charset="0"/>
+                <a:cs typeface="Arial" panose="020B0604020202020204" pitchFamily="34" charset="0"/>
+              </a:rPr>
+              <a:t>Chunk_2</a:t>
+            </a:r>
+            <a:endParaRPr lang="zh-CN" altLang="en-US" sz="1200">
+              <a:solidFill>
+                <a:schemeClr val="tx1"/>
+              </a:solidFill>
+              <a:latin typeface="Arial" panose="020B0604020202020204" pitchFamily="34" charset="0"/>
+              <a:cs typeface="Arial" panose="020B0604020202020204" pitchFamily="34" charset="0"/>
+            </a:endParaRPr>
+          </a:p>
+        </p:txBody>
+      </p:sp>
+      <p:sp>
+        <p:nvSpPr>
+          <p:cNvPr id="15" name="矩形: 圆角 14"/>
+          <p:cNvSpPr/>
+          <p:nvPr/>
+        </p:nvSpPr>
+        <p:spPr>
+          <a:xfrm>
+            <a:off x="6326440" y="2604622"/>
+            <a:ext cx="889552" cy="355284"/>
+          </a:xfrm>
+          <a:prstGeom prst="roundRect">
+            <a:avLst/>
+          </a:prstGeom>
+          <a:solidFill>
+            <a:schemeClr val="accent3">
+              <a:lumMod val="20000"/>
+              <a:lumOff val="80000"/>
+            </a:schemeClr>
+          </a:solidFill>
+        </p:spPr>
+        <p:style>
+          <a:lnRef idx="2">
+            <a:schemeClr val="accent1">
+              <a:shade val="15000"/>
+            </a:schemeClr>
+          </a:lnRef>
+          <a:fillRef idx="1">
+            <a:schemeClr val="accent1"/>
+          </a:fillRef>
+          <a:effectRef idx="0">
+            <a:schemeClr val="accent1"/>
+          </a:effectRef>
+          <a:fontRef idx="minor">
+            <a:schemeClr val="lt1"/>
+          </a:fontRef>
+        </p:style>
+        <p:txBody>
+          <a:bodyPr rtlCol="0" anchor="ctr"/>
+          <a:lstStyle/>
+          <a:p>
+            <a:pPr algn="ctr"/>
+            <a:r>
+              <a:rPr lang="en-US" altLang="zh-CN" sz="1200">
+                <a:solidFill>
+                  <a:schemeClr val="tx1"/>
+                </a:solidFill>
+                <a:latin typeface="Arial" panose="020B0604020202020204" pitchFamily="34" charset="0"/>
+                <a:cs typeface="Arial" panose="020B0604020202020204" pitchFamily="34" charset="0"/>
+              </a:rPr>
+              <a:t>Splitter_2</a:t>
+            </a:r>
+            <a:endParaRPr lang="zh-CN" altLang="en-US" sz="1200">
+              <a:solidFill>
+                <a:schemeClr val="tx1"/>
+              </a:solidFill>
+              <a:latin typeface="Arial" panose="020B0604020202020204" pitchFamily="34" charset="0"/>
+              <a:cs typeface="Arial" panose="020B0604020202020204" pitchFamily="34" charset="0"/>
+            </a:endParaRPr>
+          </a:p>
+        </p:txBody>
+      </p:sp>
       <p:cxnSp>
         <p:nvCxnSpPr>
-          <p:cNvPr id="9" name="直接箭头连接符 8"/>
+          <p:cNvPr id="16" name="直接箭头连接符 15"/>
           <p:cNvCxnSpPr>
-            <a:stCxn id="2" idx="3"/>
-            <a:endCxn id="17" idx="1"/>
+            <a:stCxn id="12" idx="3"/>
           </p:cNvCxnSpPr>
           <p:nvPr/>
         </p:nvCxnSpPr>
         <p:spPr>
-          <a:xfrm flipV="1">
-            <a:off x="5390571" y="2360094"/>
-            <a:ext cx="1409885" cy="6742"/>
+          <a:xfrm>
+            <a:off x="6234748" y="3016250"/>
+            <a:ext cx="1072936" cy="0"/>
           </a:xfrm>
           <a:prstGeom prst="straightConnector1">
             <a:avLst/>
@@ -9715,22 +9735,22 @@
       </p:cxnSp>
       <p:sp>
         <p:nvSpPr>
-          <p:cNvPr id="11" name="流程图: 或者 10"/>
+          <p:cNvPr id="25" name="矩形 24"/>
           <p:cNvSpPr/>
           <p:nvPr/>
         </p:nvSpPr>
         <p:spPr>
           <a:xfrm>
-            <a:off x="5961335" y="2222665"/>
-            <a:ext cx="268357" cy="283266"/>
-          </a:xfrm>
-          <a:prstGeom prst="flowChartOr">
+            <a:off x="7443164" y="2175015"/>
+            <a:ext cx="991672" cy="204617"/>
+          </a:xfrm>
+          <a:prstGeom prst="rect">
             <a:avLst/>
           </a:prstGeom>
           <a:solidFill>
             <a:schemeClr val="accent1">
-              <a:lumMod val="20000"/>
-              <a:lumOff val="80000"/>
+              <a:lumMod val="40000"/>
+              <a:lumOff val="60000"/>
             </a:schemeClr>
           </a:solidFill>
         </p:spPr>
@@ -9755,76 +9775,405 @@
           <a:lstStyle/>
           <a:p>
             <a:pPr algn="ctr"/>
-            <a:endParaRPr lang="zh-CN" altLang="en-US">
+            <a:r>
+              <a:rPr lang="en-US" altLang="zh-CN" sz="1200">
+                <a:solidFill>
+                  <a:schemeClr val="tx1"/>
+                </a:solidFill>
+                <a:latin typeface="Arial" panose="020B0604020202020204" pitchFamily="34" charset="0"/>
+                <a:cs typeface="Arial" panose="020B0604020202020204" pitchFamily="34" charset="0"/>
+              </a:rPr>
+              <a:t>Chunk_1_1</a:t>
+            </a:r>
+            <a:endParaRPr lang="zh-CN" altLang="en-US" sz="1200">
               <a:solidFill>
-                <a:schemeClr val="accent1">
-                  <a:lumMod val="60000"/>
-                  <a:lumOff val="40000"/>
-                </a:schemeClr>
+                <a:schemeClr val="tx1"/>
               </a:solidFill>
+              <a:latin typeface="Arial" panose="020B0604020202020204" pitchFamily="34" charset="0"/>
+              <a:cs typeface="Arial" panose="020B0604020202020204" pitchFamily="34" charset="0"/>
             </a:endParaRPr>
           </a:p>
         </p:txBody>
       </p:sp>
-      <p:cxnSp>
-        <p:nvCxnSpPr>
-          <p:cNvPr id="13" name="直接箭头连接符 12"/>
-          <p:cNvCxnSpPr>
-            <a:stCxn id="7" idx="0"/>
-            <a:endCxn id="11" idx="4"/>
-          </p:cNvCxnSpPr>
+      <p:sp>
+        <p:nvSpPr>
+          <p:cNvPr id="26" name="矩形 25"/>
+          <p:cNvSpPr/>
           <p:nvPr/>
-        </p:nvCxnSpPr>
-        <p:spPr>
-          <a:xfrm flipV="1">
-            <a:off x="6090810" y="2505931"/>
-            <a:ext cx="4704" cy="396633"/>
-          </a:xfrm>
-          <a:prstGeom prst="straightConnector1">
-            <a:avLst/>
-          </a:prstGeom>
-          <a:ln>
-            <a:solidFill>
-              <a:srgbClr val="91ACE0"/>
-            </a:solidFill>
-            <a:tailEnd type="triangle"/>
-          </a:ln>
+        </p:nvSpPr>
+        <p:spPr>
+          <a:xfrm>
+            <a:off x="7443164" y="2866634"/>
+            <a:ext cx="991672" cy="216684"/>
+          </a:xfrm>
+          <a:prstGeom prst="rect">
+            <a:avLst/>
+          </a:prstGeom>
+          <a:solidFill>
+            <a:schemeClr val="accent1">
+              <a:lumMod val="40000"/>
+              <a:lumOff val="60000"/>
+            </a:schemeClr>
+          </a:solidFill>
         </p:spPr>
         <p:style>
-          <a:lnRef idx="1">
-            <a:schemeClr val="accent1"/>
+          <a:lnRef idx="2">
+            <a:schemeClr val="accent1">
+              <a:shade val="15000"/>
+            </a:schemeClr>
           </a:lnRef>
-          <a:fillRef idx="0">
+          <a:fillRef idx="1">
             <a:schemeClr val="accent1"/>
           </a:fillRef>
           <a:effectRef idx="0">
             <a:schemeClr val="accent1"/>
           </a:effectRef>
           <a:fontRef idx="minor">
-            <a:schemeClr val="tx1"/>
+            <a:schemeClr val="lt1"/>
           </a:fontRef>
         </p:style>
-      </p:cxnSp>
-      <p:sp>
-        <p:nvSpPr>
-          <p:cNvPr id="17" name="圆角矩形 54"/>
+        <p:txBody>
+          <a:bodyPr rtlCol="0" anchor="ctr"/>
+          <a:lstStyle/>
+          <a:p>
+            <a:pPr algn="ctr"/>
+            <a:r>
+              <a:rPr lang="en-US" altLang="zh-CN" sz="1200">
+                <a:solidFill>
+                  <a:schemeClr val="tx1"/>
+                </a:solidFill>
+                <a:latin typeface="Arial" panose="020B0604020202020204" pitchFamily="34" charset="0"/>
+                <a:cs typeface="Arial" panose="020B0604020202020204" pitchFamily="34" charset="0"/>
+              </a:rPr>
+              <a:t>Chunk_1_k </a:t>
+            </a:r>
+            <a:endParaRPr lang="zh-CN" altLang="en-US" sz="1200">
+              <a:solidFill>
+                <a:schemeClr val="tx1"/>
+              </a:solidFill>
+              <a:latin typeface="Arial" panose="020B0604020202020204" pitchFamily="34" charset="0"/>
+              <a:cs typeface="Arial" panose="020B0604020202020204" pitchFamily="34" charset="0"/>
+            </a:endParaRPr>
+          </a:p>
+        </p:txBody>
+      </p:sp>
+      <p:sp>
+        <p:nvSpPr>
+          <p:cNvPr id="27" name="矩形 26"/>
+          <p:cNvSpPr/>
+          <p:nvPr/>
+        </p:nvSpPr>
+        <p:spPr>
+          <a:xfrm>
+            <a:off x="7443164" y="3414811"/>
+            <a:ext cx="991672" cy="216684"/>
+          </a:xfrm>
+          <a:prstGeom prst="rect">
+            <a:avLst/>
+          </a:prstGeom>
+          <a:solidFill>
+            <a:schemeClr val="accent1">
+              <a:lumMod val="40000"/>
+              <a:lumOff val="60000"/>
+            </a:schemeClr>
+          </a:solidFill>
+        </p:spPr>
+        <p:style>
+          <a:lnRef idx="2">
+            <a:schemeClr val="accent1">
+              <a:shade val="15000"/>
+            </a:schemeClr>
+          </a:lnRef>
+          <a:fillRef idx="1">
+            <a:schemeClr val="accent1"/>
+          </a:fillRef>
+          <a:effectRef idx="0">
+            <a:schemeClr val="accent1"/>
+          </a:effectRef>
+          <a:fontRef idx="minor">
+            <a:schemeClr val="lt1"/>
+          </a:fontRef>
+        </p:style>
+        <p:txBody>
+          <a:bodyPr rtlCol="0" anchor="ctr"/>
+          <a:lstStyle/>
+          <a:p>
+            <a:pPr algn="ctr"/>
+            <a:r>
+              <a:rPr lang="en-US" altLang="zh-CN" sz="1200">
+                <a:solidFill>
+                  <a:schemeClr val="tx1"/>
+                </a:solidFill>
+                <a:latin typeface="Arial" panose="020B0604020202020204" pitchFamily="34" charset="0"/>
+                <a:cs typeface="Arial" panose="020B0604020202020204" pitchFamily="34" charset="0"/>
+              </a:rPr>
+              <a:t>Chunk_n_k</a:t>
+            </a:r>
+            <a:endParaRPr lang="zh-CN" altLang="en-US" sz="1200">
+              <a:solidFill>
+                <a:schemeClr val="tx1"/>
+              </a:solidFill>
+              <a:latin typeface="Arial" panose="020B0604020202020204" pitchFamily="34" charset="0"/>
+              <a:cs typeface="Arial" panose="020B0604020202020204" pitchFamily="34" charset="0"/>
+            </a:endParaRPr>
+          </a:p>
+        </p:txBody>
+      </p:sp>
+      <p:sp>
+        <p:nvSpPr>
+          <p:cNvPr id="28" name="矩形 27"/>
+          <p:cNvSpPr/>
+          <p:nvPr/>
+        </p:nvSpPr>
+        <p:spPr>
+          <a:xfrm>
+            <a:off x="7443164" y="3095710"/>
+            <a:ext cx="991672" cy="151253"/>
+          </a:xfrm>
+          <a:prstGeom prst="rect">
+            <a:avLst/>
+          </a:prstGeom>
+          <a:noFill/>
+          <a:ln>
+            <a:noFill/>
+          </a:ln>
+        </p:spPr>
+        <p:style>
+          <a:lnRef idx="2">
+            <a:schemeClr val="accent1">
+              <a:shade val="15000"/>
+            </a:schemeClr>
+          </a:lnRef>
+          <a:fillRef idx="1">
+            <a:schemeClr val="accent1"/>
+          </a:fillRef>
+          <a:effectRef idx="0">
+            <a:schemeClr val="accent1"/>
+          </a:effectRef>
+          <a:fontRef idx="minor">
+            <a:schemeClr val="lt1"/>
+          </a:fontRef>
+        </p:style>
+        <p:txBody>
+          <a:bodyPr rtlCol="0" anchor="ctr"/>
+          <a:lstStyle/>
+          <a:p>
+            <a:pPr algn="ctr"/>
+            <a:r>
+              <a:rPr lang="en-US" altLang="zh-CN" sz="1200">
+                <a:solidFill>
+                  <a:schemeClr val="tx1"/>
+                </a:solidFill>
+                <a:latin typeface="Arial" panose="020B0604020202020204" pitchFamily="34" charset="0"/>
+                <a:cs typeface="Arial" panose="020B0604020202020204" pitchFamily="34" charset="0"/>
+              </a:rPr>
+              <a:t>…</a:t>
+            </a:r>
+            <a:endParaRPr lang="zh-CN" altLang="en-US" sz="1200">
+              <a:solidFill>
+                <a:schemeClr val="tx1"/>
+              </a:solidFill>
+              <a:latin typeface="Arial" panose="020B0604020202020204" pitchFamily="34" charset="0"/>
+              <a:cs typeface="Arial" panose="020B0604020202020204" pitchFamily="34" charset="0"/>
+            </a:endParaRPr>
+          </a:p>
+        </p:txBody>
+      </p:sp>
+      <p:sp>
+        <p:nvSpPr>
+          <p:cNvPr id="29" name="圆角矩形 59"/>
+          <p:cNvSpPr/>
+          <p:nvPr/>
+        </p:nvSpPr>
+        <p:spPr>
+          <a:xfrm>
+            <a:off x="7307684" y="2043955"/>
+            <a:ext cx="1262632" cy="1709530"/>
+          </a:xfrm>
+          <a:prstGeom prst="roundRect">
+            <a:avLst/>
+          </a:prstGeom>
+          <a:noFill/>
+          <a:ln w="25400" cmpd="sng">
+            <a:solidFill>
+              <a:schemeClr val="accent1">
+                <a:lumMod val="60000"/>
+                <a:lumOff val="40000"/>
+              </a:schemeClr>
+            </a:solidFill>
+            <a:prstDash val="dash"/>
+          </a:ln>
+        </p:spPr>
+        <p:style>
+          <a:lnRef idx="2">
+            <a:schemeClr val="accent1">
+              <a:lumMod val="75000"/>
+            </a:schemeClr>
+          </a:lnRef>
+          <a:fillRef idx="1">
+            <a:schemeClr val="accent1"/>
+          </a:fillRef>
+          <a:effectRef idx="0">
+            <a:srgbClr val="FFFFFF"/>
+          </a:effectRef>
+          <a:fontRef idx="minor">
+            <a:schemeClr val="lt1"/>
+          </a:fontRef>
+        </p:style>
+        <p:txBody>
+          <a:bodyPr rtlCol="0" anchor="ctr"/>
+          <a:lstStyle/>
+          <a:p>
+            <a:pPr algn="ctr"/>
+            <a:endParaRPr lang="zh-CN" altLang="en-US"/>
+          </a:p>
+        </p:txBody>
+      </p:sp>
+      <p:sp>
+        <p:nvSpPr>
+          <p:cNvPr id="35" name="矩形 34"/>
+          <p:cNvSpPr/>
+          <p:nvPr/>
+        </p:nvSpPr>
+        <p:spPr>
+          <a:xfrm>
+            <a:off x="7443164" y="2654676"/>
+            <a:ext cx="991672" cy="151253"/>
+          </a:xfrm>
+          <a:prstGeom prst="rect">
+            <a:avLst/>
+          </a:prstGeom>
+          <a:noFill/>
+          <a:ln>
+            <a:noFill/>
+          </a:ln>
+        </p:spPr>
+        <p:style>
+          <a:lnRef idx="2">
+            <a:schemeClr val="accent1">
+              <a:shade val="15000"/>
+            </a:schemeClr>
+          </a:lnRef>
+          <a:fillRef idx="1">
+            <a:schemeClr val="accent1"/>
+          </a:fillRef>
+          <a:effectRef idx="0">
+            <a:schemeClr val="accent1"/>
+          </a:effectRef>
+          <a:fontRef idx="minor">
+            <a:schemeClr val="lt1"/>
+          </a:fontRef>
+        </p:style>
+        <p:txBody>
+          <a:bodyPr rtlCol="0" anchor="ctr"/>
+          <a:lstStyle/>
+          <a:p>
+            <a:pPr algn="ctr"/>
+            <a:r>
+              <a:rPr lang="en-US" altLang="zh-CN" sz="1200">
+                <a:solidFill>
+                  <a:schemeClr val="tx1"/>
+                </a:solidFill>
+                <a:latin typeface="Arial" panose="020B0604020202020204" pitchFamily="34" charset="0"/>
+                <a:cs typeface="Arial" panose="020B0604020202020204" pitchFamily="34" charset="0"/>
+              </a:rPr>
+              <a:t>…</a:t>
+            </a:r>
+            <a:endParaRPr lang="zh-CN" altLang="en-US" sz="1200">
+              <a:solidFill>
+                <a:schemeClr val="tx1"/>
+              </a:solidFill>
+              <a:latin typeface="Arial" panose="020B0604020202020204" pitchFamily="34" charset="0"/>
+              <a:cs typeface="Arial" panose="020B0604020202020204" pitchFamily="34" charset="0"/>
+            </a:endParaRPr>
+          </a:p>
+        </p:txBody>
+      </p:sp>
+      <p:sp>
+        <p:nvSpPr>
+          <p:cNvPr id="36" name="矩形 35"/>
+          <p:cNvSpPr/>
+          <p:nvPr/>
+        </p:nvSpPr>
+        <p:spPr>
+          <a:xfrm>
+            <a:off x="7443164" y="2490472"/>
+            <a:ext cx="991672" cy="204617"/>
+          </a:xfrm>
+          <a:prstGeom prst="rect">
+            <a:avLst/>
+          </a:prstGeom>
+          <a:solidFill>
+            <a:schemeClr val="accent1">
+              <a:lumMod val="40000"/>
+              <a:lumOff val="60000"/>
+            </a:schemeClr>
+          </a:solidFill>
+        </p:spPr>
+        <p:style>
+          <a:lnRef idx="2">
+            <a:schemeClr val="accent1">
+              <a:shade val="15000"/>
+            </a:schemeClr>
+          </a:lnRef>
+          <a:fillRef idx="1">
+            <a:schemeClr val="accent1"/>
+          </a:fillRef>
+          <a:effectRef idx="0">
+            <a:schemeClr val="accent1"/>
+          </a:effectRef>
+          <a:fontRef idx="minor">
+            <a:schemeClr val="lt1"/>
+          </a:fontRef>
+        </p:style>
+        <p:txBody>
+          <a:bodyPr rtlCol="0" anchor="ctr"/>
+          <a:lstStyle/>
+          <a:p>
+            <a:pPr algn="ctr"/>
+            <a:r>
+              <a:rPr lang="en-US" altLang="zh-CN" sz="1200">
+                <a:solidFill>
+                  <a:schemeClr val="tx1"/>
+                </a:solidFill>
+                <a:latin typeface="Arial" panose="020B0604020202020204" pitchFamily="34" charset="0"/>
+                <a:cs typeface="Arial" panose="020B0604020202020204" pitchFamily="34" charset="0"/>
+              </a:rPr>
+              <a:t>Chunk_1_2</a:t>
+            </a:r>
+            <a:endParaRPr lang="zh-CN" altLang="en-US" sz="1200">
+              <a:solidFill>
+                <a:schemeClr val="tx1"/>
+              </a:solidFill>
+              <a:latin typeface="Arial" panose="020B0604020202020204" pitchFamily="34" charset="0"/>
+              <a:cs typeface="Arial" panose="020B0604020202020204" pitchFamily="34" charset="0"/>
+            </a:endParaRPr>
+          </a:p>
+        </p:txBody>
+      </p:sp>
+      <p:sp>
+        <p:nvSpPr>
+          <p:cNvPr id="48" name="下箭头 22"/>
           <p:cNvSpPr/>
           <p:nvPr>
             <p:custDataLst>
-              <p:tags r:id="rId6"/>
+              <p:tags r:id="rId2"/>
             </p:custDataLst>
           </p:nvPr>
         </p:nvSpPr>
         <p:spPr>
           <a:xfrm>
-            <a:off x="6800456" y="2155462"/>
-            <a:ext cx="1302555" cy="409264"/>
-          </a:xfrm>
-          <a:prstGeom prst="roundRect">
+            <a:off x="5544703" y="3842385"/>
+            <a:ext cx="323850" cy="307340"/>
+          </a:xfrm>
+          <a:prstGeom prst="downArrow">
             <a:avLst/>
           </a:prstGeom>
           <a:solidFill>
-            <a:srgbClr val="DAE3F5"/>
+            <a:schemeClr val="accent1">
+              <a:lumMod val="60000"/>
+              <a:lumOff val="40000"/>
+            </a:schemeClr>
           </a:solidFill>
           <a:ln>
             <a:solidFill>
@@ -9834,16 +10183,18 @@
         </p:spPr>
         <p:style>
           <a:lnRef idx="2">
-            <a:schemeClr val="accent1"/>
+            <a:schemeClr val="accent1">
+              <a:lumMod val="75000"/>
+            </a:schemeClr>
           </a:lnRef>
-          <a:fillRef idx="0">
-            <a:srgbClr val="FFFFFF"/>
+          <a:fillRef idx="1">
+            <a:schemeClr val="accent1"/>
           </a:fillRef>
           <a:effectRef idx="0">
             <a:srgbClr val="FFFFFF"/>
           </a:effectRef>
           <a:fontRef idx="minor">
-            <a:schemeClr val="tx1"/>
+            <a:schemeClr val="lt1"/>
           </a:fontRef>
         </p:style>
         <p:txBody>
@@ -9851,52 +10202,323 @@
           <a:lstStyle/>
           <a:p>
             <a:pPr algn="ctr"/>
-            <a:r>
-              <a:rPr lang="en-US" altLang="zh-CN" sz="1200">
-                <a:latin typeface="Arial" panose="020B0604020202020204" pitchFamily="34" charset="0"/>
-                <a:cs typeface="Arial" panose="020B0604020202020204" pitchFamily="34" charset="0"/>
-                <a:sym typeface="+mn-ea"/>
-              </a:rPr>
-              <a:t>“Find {detection} in the image.”</a:t>
-            </a:r>
-            <a:endParaRPr lang="en-US" altLang="zh-CN" sz="1200">
+            <a:endParaRPr lang="zh-CN" altLang="en-US">
               <a:latin typeface="Arial" panose="020B0604020202020204" pitchFamily="34" charset="0"/>
               <a:cs typeface="Arial" panose="020B0604020202020204" pitchFamily="34" charset="0"/>
-              <a:sym typeface="+mn-ea"/>
             </a:endParaRPr>
           </a:p>
         </p:txBody>
       </p:sp>
       <p:sp>
         <p:nvSpPr>
-          <p:cNvPr id="25" name="文本框 24"/>
-          <p:cNvSpPr txBox="1"/>
+          <p:cNvPr id="49" name="流程图: 磁盘 48"/>
+          <p:cNvSpPr/>
           <p:nvPr/>
         </p:nvSpPr>
         <p:spPr>
           <a:xfrm>
-            <a:off x="6084575" y="2623377"/>
-            <a:ext cx="1441174" cy="276999"/>
-          </a:xfrm>
-          <a:prstGeom prst="rect">
-            <a:avLst/>
-          </a:prstGeom>
-          <a:noFill/>
-        </p:spPr>
-        <p:txBody>
-          <a:bodyPr wrap="square" rtlCol="0">
-            <a:spAutoFit/>
-          </a:bodyPr>
-          <a:lstStyle/>
-          <a:p>
-            <a:r>
-              <a:rPr lang="en-US" altLang="zh-CN" sz="1200">
+            <a:off x="7367977" y="4459129"/>
+            <a:ext cx="1142044" cy="593034"/>
+          </a:xfrm>
+          <a:prstGeom prst="flowChartMagneticDisk">
+            <a:avLst/>
+          </a:prstGeom>
+          <a:gradFill>
+            <a:gsLst>
+              <a:gs pos="100000">
+                <a:srgbClr val="F9F8CA"/>
+              </a:gs>
+              <a:gs pos="6000">
+                <a:srgbClr val="4EAADD"/>
+              </a:gs>
+            </a:gsLst>
+            <a:lin ang="18900000" scaled="1"/>
+          </a:gradFill>
+          <a:ln>
+            <a:solidFill>
+              <a:schemeClr val="tx1"/>
+            </a:solidFill>
+          </a:ln>
+        </p:spPr>
+        <p:style>
+          <a:lnRef idx="2">
+            <a:schemeClr val="accent1">
+              <a:lumMod val="75000"/>
+            </a:schemeClr>
+          </a:lnRef>
+          <a:fillRef idx="1">
+            <a:schemeClr val="accent1"/>
+          </a:fillRef>
+          <a:effectRef idx="0">
+            <a:srgbClr val="FFFFFF"/>
+          </a:effectRef>
+          <a:fontRef idx="minor">
+            <a:schemeClr val="lt1"/>
+          </a:fontRef>
+        </p:style>
+        <p:txBody>
+          <a:bodyPr rtlCol="0" anchor="ctr"/>
+          <a:lstStyle/>
+          <a:p>
+            <a:pPr algn="ctr"/>
+            <a:r>
+              <a:rPr lang="en-US" altLang="zh-CN" sz="1200" b="1">
+                <a:solidFill>
+                  <a:schemeClr val="tx1"/>
+                </a:solidFill>
                 <a:latin typeface="Arial" panose="020B0604020202020204" pitchFamily="34" charset="0"/>
                 <a:cs typeface="Arial" panose="020B0604020202020204" pitchFamily="34" charset="0"/>
               </a:rPr>
-              <a:t>Random selection</a:t>
-            </a:r>
-            <a:endParaRPr lang="zh-CN" altLang="en-US" sz="1200">
+              <a:t>Vector Store</a:t>
+            </a:r>
+          </a:p>
+        </p:txBody>
+      </p:sp>
+      <p:sp>
+        <p:nvSpPr>
+          <p:cNvPr id="50" name="流程图: 磁盘 49"/>
+          <p:cNvSpPr/>
+          <p:nvPr/>
+        </p:nvSpPr>
+        <p:spPr>
+          <a:xfrm>
+            <a:off x="5184396" y="4236140"/>
+            <a:ext cx="1050352" cy="633675"/>
+          </a:xfrm>
+          <a:prstGeom prst="flowChartMagneticDisk">
+            <a:avLst/>
+          </a:prstGeom>
+          <a:solidFill>
+            <a:schemeClr val="accent3">
+              <a:lumMod val="60000"/>
+              <a:lumOff val="40000"/>
+            </a:schemeClr>
+          </a:solidFill>
+          <a:ln>
+            <a:solidFill>
+              <a:schemeClr val="tx1"/>
+            </a:solidFill>
+          </a:ln>
+        </p:spPr>
+        <p:style>
+          <a:lnRef idx="2">
+            <a:schemeClr val="accent1">
+              <a:lumMod val="75000"/>
+            </a:schemeClr>
+          </a:lnRef>
+          <a:fillRef idx="1">
+            <a:schemeClr val="accent1"/>
+          </a:fillRef>
+          <a:effectRef idx="0">
+            <a:srgbClr val="FFFFFF"/>
+          </a:effectRef>
+          <a:fontRef idx="minor">
+            <a:schemeClr val="lt1"/>
+          </a:fontRef>
+        </p:style>
+        <p:txBody>
+          <a:bodyPr rtlCol="0" anchor="ctr"/>
+          <a:lstStyle/>
+          <a:p>
+            <a:pPr algn="ctr"/>
+            <a:r>
+              <a:rPr lang="en-US" altLang="zh-CN" sz="1200" b="1">
+                <a:solidFill>
+                  <a:schemeClr val="tx1"/>
+                </a:solidFill>
+                <a:latin typeface="Arial" panose="020B0604020202020204" pitchFamily="34" charset="0"/>
+                <a:cs typeface="Arial" panose="020B0604020202020204" pitchFamily="34" charset="0"/>
+              </a:rPr>
+              <a:t>Documents Store</a:t>
+            </a:r>
+          </a:p>
+        </p:txBody>
+      </p:sp>
+      <p:sp>
+        <p:nvSpPr>
+          <p:cNvPr id="51" name="下箭头 22"/>
+          <p:cNvSpPr/>
+          <p:nvPr>
+            <p:custDataLst>
+              <p:tags r:id="rId3"/>
+            </p:custDataLst>
+          </p:nvPr>
+        </p:nvSpPr>
+        <p:spPr>
+          <a:xfrm>
+            <a:off x="7777075" y="3854477"/>
+            <a:ext cx="323850" cy="134207"/>
+          </a:xfrm>
+          <a:prstGeom prst="downArrow">
+            <a:avLst/>
+          </a:prstGeom>
+          <a:solidFill>
+            <a:schemeClr val="accent1">
+              <a:lumMod val="60000"/>
+              <a:lumOff val="40000"/>
+            </a:schemeClr>
+          </a:solidFill>
+          <a:ln>
+            <a:solidFill>
+              <a:schemeClr val="tx1"/>
+            </a:solidFill>
+          </a:ln>
+        </p:spPr>
+        <p:style>
+          <a:lnRef idx="2">
+            <a:schemeClr val="accent1">
+              <a:lumMod val="75000"/>
+            </a:schemeClr>
+          </a:lnRef>
+          <a:fillRef idx="1">
+            <a:schemeClr val="accent1"/>
+          </a:fillRef>
+          <a:effectRef idx="0">
+            <a:srgbClr val="FFFFFF"/>
+          </a:effectRef>
+          <a:fontRef idx="minor">
+            <a:schemeClr val="lt1"/>
+          </a:fontRef>
+        </p:style>
+        <p:txBody>
+          <a:bodyPr rtlCol="0" anchor="ctr"/>
+          <a:lstStyle/>
+          <a:p>
+            <a:pPr algn="ctr"/>
+            <a:endParaRPr lang="zh-CN" altLang="en-US">
+              <a:latin typeface="Arial" panose="020B0604020202020204" pitchFamily="34" charset="0"/>
+              <a:cs typeface="Arial" panose="020B0604020202020204" pitchFamily="34" charset="0"/>
+            </a:endParaRPr>
+          </a:p>
+        </p:txBody>
+      </p:sp>
+      <p:sp>
+        <p:nvSpPr>
+          <p:cNvPr id="55" name="流程图: 可选过程 54"/>
+          <p:cNvSpPr/>
+          <p:nvPr/>
+        </p:nvSpPr>
+        <p:spPr>
+          <a:xfrm>
+            <a:off x="7349502" y="4028913"/>
+            <a:ext cx="1178995" cy="205835"/>
+          </a:xfrm>
+          <a:prstGeom prst="flowChartAlternateProcess">
+            <a:avLst/>
+          </a:prstGeom>
+          <a:gradFill>
+            <a:gsLst>
+              <a:gs pos="0">
+                <a:schemeClr val="bg1"/>
+              </a:gs>
+              <a:gs pos="42000">
+                <a:srgbClr val="6ACCF2"/>
+              </a:gs>
+              <a:gs pos="100000">
+                <a:srgbClr val="2497EA"/>
+              </a:gs>
+            </a:gsLst>
+            <a:lin ang="8100000" scaled="1"/>
+          </a:gradFill>
+          <a:ln>
+            <a:solidFill>
+              <a:schemeClr val="tx1"/>
+            </a:solidFill>
+          </a:ln>
+        </p:spPr>
+        <p:style>
+          <a:lnRef idx="2">
+            <a:schemeClr val="accent1">
+              <a:lumMod val="75000"/>
+            </a:schemeClr>
+          </a:lnRef>
+          <a:fillRef idx="1">
+            <a:schemeClr val="accent1"/>
+          </a:fillRef>
+          <a:effectRef idx="0">
+            <a:srgbClr val="FFFFFF"/>
+          </a:effectRef>
+          <a:fontRef idx="minor">
+            <a:schemeClr val="lt1"/>
+          </a:fontRef>
+        </p:style>
+        <p:txBody>
+          <a:bodyPr rtlCol="0" anchor="ctr"/>
+          <a:lstStyle/>
+          <a:p>
+            <a:pPr algn="ctr"/>
+            <a:r>
+              <a:rPr lang="en-US" altLang="zh-CN" sz="1200" b="1">
+                <a:solidFill>
+                  <a:schemeClr val="tx1"/>
+                </a:solidFill>
+                <a:latin typeface="Arial" panose="020B0604020202020204" pitchFamily="34" charset="0"/>
+                <a:cs typeface="Arial" panose="020B0604020202020204" pitchFamily="34" charset="0"/>
+              </a:rPr>
+              <a:t>Embedding</a:t>
+            </a:r>
+            <a:endParaRPr lang="zh-CN" altLang="en-US" sz="1200" b="1">
+              <a:solidFill>
+                <a:schemeClr val="tx1"/>
+              </a:solidFill>
+              <a:latin typeface="Arial" panose="020B0604020202020204" pitchFamily="34" charset="0"/>
+              <a:cs typeface="Arial" panose="020B0604020202020204" pitchFamily="34" charset="0"/>
+            </a:endParaRPr>
+          </a:p>
+        </p:txBody>
+      </p:sp>
+      <p:sp>
+        <p:nvSpPr>
+          <p:cNvPr id="56" name="下箭头 22"/>
+          <p:cNvSpPr/>
+          <p:nvPr>
+            <p:custDataLst>
+              <p:tags r:id="rId4"/>
+            </p:custDataLst>
+          </p:nvPr>
+        </p:nvSpPr>
+        <p:spPr>
+          <a:xfrm>
+            <a:off x="7777074" y="4279835"/>
+            <a:ext cx="323850" cy="134207"/>
+          </a:xfrm>
+          <a:prstGeom prst="downArrow">
+            <a:avLst/>
+          </a:prstGeom>
+          <a:solidFill>
+            <a:schemeClr val="accent1">
+              <a:lumMod val="60000"/>
+              <a:lumOff val="40000"/>
+            </a:schemeClr>
+          </a:solidFill>
+          <a:ln>
+            <a:solidFill>
+              <a:schemeClr val="tx1"/>
+            </a:solidFill>
+          </a:ln>
+        </p:spPr>
+        <p:style>
+          <a:lnRef idx="2">
+            <a:schemeClr val="accent1">
+              <a:lumMod val="75000"/>
+            </a:schemeClr>
+          </a:lnRef>
+          <a:fillRef idx="1">
+            <a:schemeClr val="accent1"/>
+          </a:fillRef>
+          <a:effectRef idx="0">
+            <a:srgbClr val="FFFFFF"/>
+          </a:effectRef>
+          <a:fontRef idx="minor">
+            <a:schemeClr val="lt1"/>
+          </a:fontRef>
+        </p:style>
+        <p:txBody>
+          <a:bodyPr rtlCol="0" anchor="ctr"/>
+          <a:lstStyle/>
+          <a:p>
+            <a:pPr algn="ctr"/>
+            <a:endParaRPr lang="zh-CN" altLang="en-US">
               <a:latin typeface="Arial" panose="020B0604020202020204" pitchFamily="34" charset="0"/>
               <a:cs typeface="Arial" panose="020B0604020202020204" pitchFamily="34" charset="0"/>
             </a:endParaRPr>
@@ -9930,27 +10552,303 @@
       </p:grpSpPr>
       <p:sp>
         <p:nvSpPr>
-          <p:cNvPr id="3" name="圆角矩形 59"/>
+          <p:cNvPr id="2" name="圆角矩形 54"/>
+          <p:cNvSpPr/>
+          <p:nvPr>
+            <p:custDataLst>
+              <p:tags r:id="rId1"/>
+            </p:custDataLst>
+          </p:nvPr>
+        </p:nvSpPr>
+        <p:spPr>
+          <a:xfrm>
+            <a:off x="4367034" y="2162204"/>
+            <a:ext cx="1023537" cy="409264"/>
+          </a:xfrm>
+          <a:prstGeom prst="roundRect">
+            <a:avLst/>
+          </a:prstGeom>
+          <a:solidFill>
+            <a:srgbClr val="DAE3F5"/>
+          </a:solidFill>
+          <a:ln>
+            <a:solidFill>
+              <a:schemeClr val="tx1"/>
+            </a:solidFill>
+          </a:ln>
+        </p:spPr>
+        <p:style>
+          <a:lnRef idx="2">
+            <a:schemeClr val="accent1"/>
+          </a:lnRef>
+          <a:fillRef idx="0">
+            <a:srgbClr val="FFFFFF"/>
+          </a:fillRef>
+          <a:effectRef idx="0">
+            <a:srgbClr val="FFFFFF"/>
+          </a:effectRef>
+          <a:fontRef idx="minor">
+            <a:schemeClr val="tx1"/>
+          </a:fontRef>
+        </p:style>
+        <p:txBody>
+          <a:bodyPr rtlCol="0" anchor="ctr"/>
+          <a:lstStyle/>
+          <a:p>
+            <a:pPr algn="ctr"/>
+            <a:r>
+              <a:rPr lang="en-US" altLang="zh-CN" sz="1200">
+                <a:latin typeface="Arial" panose="020B0604020202020204" pitchFamily="34" charset="0"/>
+                <a:cs typeface="Arial" panose="020B0604020202020204" pitchFamily="34" charset="0"/>
+                <a:sym typeface="+mn-ea"/>
+              </a:rPr>
+              <a:t>{detection}</a:t>
+            </a:r>
+          </a:p>
+        </p:txBody>
+      </p:sp>
+      <p:sp>
+        <p:nvSpPr>
+          <p:cNvPr id="3" name="圆角矩形 54"/>
+          <p:cNvSpPr/>
+          <p:nvPr>
+            <p:custDataLst>
+              <p:tags r:id="rId2"/>
+            </p:custDataLst>
+          </p:nvPr>
+        </p:nvSpPr>
+        <p:spPr>
+          <a:xfrm>
+            <a:off x="4865703" y="3041659"/>
+            <a:ext cx="2437744" cy="409264"/>
+          </a:xfrm>
+          <a:prstGeom prst="roundRect">
+            <a:avLst/>
+          </a:prstGeom>
+          <a:solidFill>
+            <a:srgbClr val="DAE3F5"/>
+          </a:solidFill>
+          <a:ln>
+            <a:solidFill>
+              <a:schemeClr val="tx1"/>
+            </a:solidFill>
+          </a:ln>
+        </p:spPr>
+        <p:style>
+          <a:lnRef idx="2">
+            <a:schemeClr val="accent1"/>
+          </a:lnRef>
+          <a:fillRef idx="0">
+            <a:srgbClr val="FFFFFF"/>
+          </a:fillRef>
+          <a:effectRef idx="0">
+            <a:srgbClr val="FFFFFF"/>
+          </a:effectRef>
+          <a:fontRef idx="minor">
+            <a:schemeClr val="tx1"/>
+          </a:fontRef>
+        </p:style>
+        <p:txBody>
+          <a:bodyPr rtlCol="0" anchor="ctr"/>
+          <a:lstStyle/>
+          <a:p>
+            <a:pPr algn="ctr"/>
+            <a:r>
+              <a:rPr lang="en-US" altLang="zh-CN" sz="1200">
+                <a:latin typeface="Arial" panose="020B0604020202020204" pitchFamily="34" charset="0"/>
+                <a:cs typeface="Arial" panose="020B0604020202020204" pitchFamily="34" charset="0"/>
+                <a:sym typeface="+mn-ea"/>
+              </a:rPr>
+              <a:t>“Help me detect {} in the image.”</a:t>
+            </a:r>
+          </a:p>
+        </p:txBody>
+      </p:sp>
+      <p:sp>
+        <p:nvSpPr>
+          <p:cNvPr id="4" name="圆角矩形 54"/>
+          <p:cNvSpPr/>
+          <p:nvPr>
+            <p:custDataLst>
+              <p:tags r:id="rId3"/>
+            </p:custDataLst>
+          </p:nvPr>
+        </p:nvSpPr>
+        <p:spPr>
+          <a:xfrm>
+            <a:off x="4865702" y="3516201"/>
+            <a:ext cx="2437744" cy="409264"/>
+          </a:xfrm>
+          <a:prstGeom prst="roundRect">
+            <a:avLst/>
+          </a:prstGeom>
+          <a:solidFill>
+            <a:srgbClr val="DAE3F5"/>
+          </a:solidFill>
+          <a:ln>
+            <a:solidFill>
+              <a:schemeClr val="tx1"/>
+            </a:solidFill>
+          </a:ln>
+        </p:spPr>
+        <p:style>
+          <a:lnRef idx="2">
+            <a:schemeClr val="accent1"/>
+          </a:lnRef>
+          <a:fillRef idx="0">
+            <a:srgbClr val="FFFFFF"/>
+          </a:fillRef>
+          <a:effectRef idx="0">
+            <a:srgbClr val="FFFFFF"/>
+          </a:effectRef>
+          <a:fontRef idx="minor">
+            <a:schemeClr val="tx1"/>
+          </a:fontRef>
+        </p:style>
+        <p:txBody>
+          <a:bodyPr rtlCol="0" anchor="ctr"/>
+          <a:lstStyle/>
+          <a:p>
+            <a:pPr algn="ctr"/>
+            <a:r>
+              <a:rPr lang="en-US" altLang="zh-CN" sz="1200">
+                <a:latin typeface="Arial" panose="020B0604020202020204" pitchFamily="34" charset="0"/>
+                <a:cs typeface="Arial" panose="020B0604020202020204" pitchFamily="34" charset="0"/>
+                <a:sym typeface="+mn-ea"/>
+              </a:rPr>
+              <a:t>“Find {} in the image.”</a:t>
+            </a:r>
+          </a:p>
+        </p:txBody>
+      </p:sp>
+      <p:sp>
+        <p:nvSpPr>
+          <p:cNvPr id="5" name="圆角矩形 54"/>
+          <p:cNvSpPr/>
+          <p:nvPr>
+            <p:custDataLst>
+              <p:tags r:id="rId4"/>
+            </p:custDataLst>
+          </p:nvPr>
+        </p:nvSpPr>
+        <p:spPr>
+          <a:xfrm>
+            <a:off x="4865701" y="3990743"/>
+            <a:ext cx="2437744" cy="409264"/>
+          </a:xfrm>
+          <a:prstGeom prst="roundRect">
+            <a:avLst/>
+          </a:prstGeom>
+          <a:solidFill>
+            <a:srgbClr val="DAE3F5"/>
+          </a:solidFill>
+          <a:ln>
+            <a:solidFill>
+              <a:schemeClr val="tx1"/>
+            </a:solidFill>
+          </a:ln>
+        </p:spPr>
+        <p:style>
+          <a:lnRef idx="2">
+            <a:schemeClr val="accent1"/>
+          </a:lnRef>
+          <a:fillRef idx="0">
+            <a:srgbClr val="FFFFFF"/>
+          </a:fillRef>
+          <a:effectRef idx="0">
+            <a:srgbClr val="FFFFFF"/>
+          </a:effectRef>
+          <a:fontRef idx="minor">
+            <a:schemeClr val="tx1"/>
+          </a:fontRef>
+        </p:style>
+        <p:txBody>
+          <a:bodyPr rtlCol="0" anchor="ctr"/>
+          <a:lstStyle/>
+          <a:p>
+            <a:pPr algn="ctr"/>
+            <a:r>
+              <a:rPr lang="en-US" altLang="zh-CN" sz="1200">
+                <a:latin typeface="Arial" panose="020B0604020202020204" pitchFamily="34" charset="0"/>
+                <a:cs typeface="Arial" panose="020B0604020202020204" pitchFamily="34" charset="0"/>
+                <a:sym typeface="+mn-ea"/>
+              </a:rPr>
+              <a:t>“The image includes {}.”</a:t>
+            </a:r>
+          </a:p>
+        </p:txBody>
+      </p:sp>
+      <p:sp>
+        <p:nvSpPr>
+          <p:cNvPr id="6" name="圆角矩形 54"/>
+          <p:cNvSpPr/>
+          <p:nvPr>
+            <p:custDataLst>
+              <p:tags r:id="rId5"/>
+            </p:custDataLst>
+          </p:nvPr>
+        </p:nvSpPr>
+        <p:spPr>
+          <a:xfrm>
+            <a:off x="4876641" y="4387376"/>
+            <a:ext cx="2437744" cy="409264"/>
+          </a:xfrm>
+          <a:prstGeom prst="roundRect">
+            <a:avLst/>
+          </a:prstGeom>
+          <a:noFill/>
+          <a:ln>
+            <a:noFill/>
+          </a:ln>
+        </p:spPr>
+        <p:style>
+          <a:lnRef idx="2">
+            <a:schemeClr val="accent1"/>
+          </a:lnRef>
+          <a:fillRef idx="0">
+            <a:srgbClr val="FFFFFF"/>
+          </a:fillRef>
+          <a:effectRef idx="0">
+            <a:srgbClr val="FFFFFF"/>
+          </a:effectRef>
+          <a:fontRef idx="minor">
+            <a:schemeClr val="tx1"/>
+          </a:fontRef>
+        </p:style>
+        <p:txBody>
+          <a:bodyPr rtlCol="0" anchor="ctr"/>
+          <a:lstStyle/>
+          <a:p>
+            <a:pPr algn="ctr"/>
+            <a:r>
+              <a:rPr lang="en-US" altLang="zh-CN" sz="1200" b="1">
+                <a:latin typeface="Arial" panose="020B0604020202020204" pitchFamily="34" charset="0"/>
+                <a:cs typeface="Arial" panose="020B0604020202020204" pitchFamily="34" charset="0"/>
+                <a:sym typeface="+mn-ea"/>
+              </a:rPr>
+              <a:t>…</a:t>
+            </a:r>
+          </a:p>
+        </p:txBody>
+      </p:sp>
+      <p:sp>
+        <p:nvSpPr>
+          <p:cNvPr id="7" name="圆角矩形 59"/>
           <p:cNvSpPr/>
           <p:nvPr/>
         </p:nvSpPr>
         <p:spPr>
           <a:xfrm>
-            <a:off x="4008681" y="2198908"/>
-            <a:ext cx="3862281" cy="431820"/>
+            <a:off x="4768437" y="2902564"/>
+            <a:ext cx="2644746" cy="1819914"/>
           </a:xfrm>
           <a:prstGeom prst="roundRect">
             <a:avLst/>
           </a:prstGeom>
-          <a:solidFill>
-            <a:schemeClr val="accent3">
-              <a:lumMod val="20000"/>
-              <a:lumOff val="80000"/>
-            </a:schemeClr>
-          </a:solidFill>
+          <a:noFill/>
           <a:ln w="25400" cmpd="sng">
             <a:solidFill>
-              <a:schemeClr val="accent3">
+              <a:schemeClr val="accent1">
                 <a:lumMod val="60000"/>
                 <a:lumOff val="40000"/>
               </a:schemeClr>
@@ -9979,124 +10877,61 @@
           <a:lstStyle/>
           <a:p>
             <a:pPr algn="ctr"/>
-            <a:r>
-              <a:rPr lang="en-US" altLang="zh-CN" sz="1200" kern="100">
-                <a:solidFill>
-                  <a:schemeClr val="tx1"/>
-                </a:solidFill>
-                <a:effectLst/>
-                <a:latin typeface="Arial" panose="020B0604020202020204" pitchFamily="34" charset="0"/>
-                <a:ea typeface="宋体" panose="02010600030101010101" pitchFamily="2" charset="-122"/>
-                <a:cs typeface="Arial" panose="020B0604020202020204" pitchFamily="34" charset="0"/>
-              </a:rPr>
-              <a:t>Yes, there is trash scattered around the sidewalk area.</a:t>
-            </a:r>
-            <a:endParaRPr lang="en-US" altLang="zh-CN" sz="1200" kern="100">
-              <a:solidFill>
-                <a:schemeClr val="tx1"/>
-              </a:solidFill>
-              <a:effectLst/>
-              <a:latin typeface="Arial" panose="020B0604020202020204" pitchFamily="34" charset="0"/>
-              <a:ea typeface="宋体" panose="02010600030101010101" pitchFamily="2" charset="-122"/>
-              <a:cs typeface="Arial" panose="020B0604020202020204" pitchFamily="34" charset="0"/>
-            </a:endParaRPr>
-          </a:p>
-        </p:txBody>
-      </p:sp>
-      <p:pic>
-        <p:nvPicPr>
-          <p:cNvPr id="1026" name="Picture 2"/>
-          <p:cNvPicPr>
-            <a:picLocks noChangeAspect="1" noChangeArrowheads="1"/>
-          </p:cNvPicPr>
+            <a:endParaRPr lang="zh-CN" altLang="en-US"/>
+          </a:p>
+        </p:txBody>
+      </p:sp>
+      <p:cxnSp>
+        <p:nvCxnSpPr>
+          <p:cNvPr id="9" name="直接箭头连接符 8"/>
+          <p:cNvCxnSpPr>
+            <a:stCxn id="2" idx="3"/>
+            <a:endCxn id="17" idx="1"/>
+          </p:cNvCxnSpPr>
           <p:nvPr/>
-        </p:nvPicPr>
-        <p:blipFill>
-          <a:blip r:embed="rId1" cstate="print">
-            <a:extLst>
-              <a:ext uri="{28A0092B-C50C-407E-A947-70E740481C1C}">
-                <a14:useLocalDpi xmlns:a14="http://schemas.microsoft.com/office/drawing/2010/main" val="0"/>
-              </a:ext>
-            </a:extLst>
-          </a:blip>
-          <a:srcRect/>
-          <a:stretch>
-            <a:fillRect/>
-          </a:stretch>
-        </p:blipFill>
-        <p:spPr bwMode="auto">
-          <a:xfrm>
-            <a:off x="6919913" y="355180"/>
-            <a:ext cx="985837" cy="1316170"/>
-          </a:xfrm>
-          <a:prstGeom prst="rect">
-            <a:avLst/>
-          </a:prstGeom>
-          <a:noFill/>
-          <a:extLst>
-            <a:ext uri="{909E8E84-426E-40DD-AFC4-6F175D3DCCD1}">
-              <a14:hiddenFill xmlns:a14="http://schemas.microsoft.com/office/drawing/2010/main">
-                <a:solidFill>
-                  <a:srgbClr val="FFFFFF"/>
-                </a:solidFill>
-              </a14:hiddenFill>
-            </a:ext>
-          </a:extLst>
-        </p:spPr>
-      </p:pic>
-      <p:pic>
-        <p:nvPicPr>
-          <p:cNvPr id="1028" name="Picture 4"/>
-          <p:cNvPicPr>
-            <a:picLocks noChangeAspect="1" noChangeArrowheads="1"/>
-          </p:cNvPicPr>
-          <p:nvPr/>
-        </p:nvPicPr>
-        <p:blipFill>
-          <a:blip r:embed="rId2" cstate="print">
-            <a:extLst>
-              <a:ext uri="{28A0092B-C50C-407E-A947-70E740481C1C}">
-                <a14:useLocalDpi xmlns:a14="http://schemas.microsoft.com/office/drawing/2010/main" val="0"/>
-              </a:ext>
-            </a:extLst>
-          </a:blip>
-          <a:srcRect/>
-          <a:stretch>
-            <a:fillRect/>
-          </a:stretch>
-        </p:blipFill>
-        <p:spPr bwMode="auto">
-          <a:xfrm>
-            <a:off x="4008681" y="3154016"/>
-            <a:ext cx="985836" cy="1312797"/>
-          </a:xfrm>
-          <a:prstGeom prst="rect">
-            <a:avLst/>
-          </a:prstGeom>
-          <a:noFill/>
-          <a:extLst>
-            <a:ext uri="{909E8E84-426E-40DD-AFC4-6F175D3DCCD1}">
-              <a14:hiddenFill xmlns:a14="http://schemas.microsoft.com/office/drawing/2010/main">
-                <a:solidFill>
-                  <a:srgbClr val="FFFFFF"/>
-                </a:solidFill>
-              </a14:hiddenFill>
-            </a:ext>
-          </a:extLst>
-        </p:spPr>
-      </p:pic>
-      <p:sp>
-        <p:nvSpPr>
-          <p:cNvPr id="6" name="圆角矩形 4"/>
+        </p:nvCxnSpPr>
+        <p:spPr>
+          <a:xfrm flipV="1">
+            <a:off x="5390571" y="2360094"/>
+            <a:ext cx="1409885" cy="6742"/>
+          </a:xfrm>
+          <a:prstGeom prst="straightConnector1">
+            <a:avLst/>
+          </a:prstGeom>
+          <a:ln>
+            <a:solidFill>
+              <a:schemeClr val="tx1"/>
+            </a:solidFill>
+            <a:tailEnd type="triangle"/>
+          </a:ln>
+        </p:spPr>
+        <p:style>
+          <a:lnRef idx="1">
+            <a:schemeClr val="accent1"/>
+          </a:lnRef>
+          <a:fillRef idx="0">
+            <a:schemeClr val="accent1"/>
+          </a:fillRef>
+          <a:effectRef idx="0">
+            <a:schemeClr val="accent1"/>
+          </a:effectRef>
+          <a:fontRef idx="minor">
+            <a:schemeClr val="tx1"/>
+          </a:fontRef>
+        </p:style>
+      </p:cxnSp>
+      <p:sp>
+        <p:nvSpPr>
+          <p:cNvPr id="11" name="流程图: 或者 10"/>
           <p:cNvSpPr/>
           <p:nvPr/>
         </p:nvSpPr>
         <p:spPr>
           <a:xfrm>
-            <a:off x="5506984" y="1739273"/>
-            <a:ext cx="2363978" cy="393608"/>
-          </a:xfrm>
-          <a:prstGeom prst="roundRect">
+            <a:off x="5961335" y="2222665"/>
+            <a:ext cx="268357" cy="283266"/>
+          </a:xfrm>
+          <a:prstGeom prst="flowChartOr">
             <a:avLst/>
           </a:prstGeom>
           <a:solidFill>
@@ -10105,504 +10940,171 @@
               <a:lumOff val="80000"/>
             </a:schemeClr>
           </a:solidFill>
-          <a:ln w="12700" cmpd="sng">
+        </p:spPr>
+        <p:style>
+          <a:lnRef idx="2">
+            <a:schemeClr val="accent1">
+              <a:shade val="15000"/>
+            </a:schemeClr>
+          </a:lnRef>
+          <a:fillRef idx="1">
+            <a:schemeClr val="accent1"/>
+          </a:fillRef>
+          <a:effectRef idx="0">
+            <a:schemeClr val="accent1"/>
+          </a:effectRef>
+          <a:fontRef idx="minor">
+            <a:schemeClr val="lt1"/>
+          </a:fontRef>
+        </p:style>
+        <p:txBody>
+          <a:bodyPr rtlCol="0" anchor="ctr"/>
+          <a:lstStyle/>
+          <a:p>
+            <a:pPr algn="ctr"/>
+            <a:endParaRPr lang="zh-CN" altLang="en-US">
+              <a:solidFill>
+                <a:schemeClr val="accent1">
+                  <a:lumMod val="60000"/>
+                  <a:lumOff val="40000"/>
+                </a:schemeClr>
+              </a:solidFill>
+            </a:endParaRPr>
+          </a:p>
+        </p:txBody>
+      </p:sp>
+      <p:cxnSp>
+        <p:nvCxnSpPr>
+          <p:cNvPr id="13" name="直接箭头连接符 12"/>
+          <p:cNvCxnSpPr>
+            <a:stCxn id="7" idx="0"/>
+            <a:endCxn id="11" idx="4"/>
+          </p:cNvCxnSpPr>
+          <p:nvPr/>
+        </p:nvCxnSpPr>
+        <p:spPr>
+          <a:xfrm flipV="1">
+            <a:off x="6090810" y="2505931"/>
+            <a:ext cx="4704" cy="396633"/>
+          </a:xfrm>
+          <a:prstGeom prst="straightConnector1">
+            <a:avLst/>
+          </a:prstGeom>
+          <a:ln>
+            <a:solidFill>
+              <a:srgbClr val="91ACE0"/>
+            </a:solidFill>
+            <a:tailEnd type="triangle"/>
+          </a:ln>
+        </p:spPr>
+        <p:style>
+          <a:lnRef idx="1">
+            <a:schemeClr val="accent1"/>
+          </a:lnRef>
+          <a:fillRef idx="0">
+            <a:schemeClr val="accent1"/>
+          </a:fillRef>
+          <a:effectRef idx="0">
+            <a:schemeClr val="accent1"/>
+          </a:effectRef>
+          <a:fontRef idx="minor">
+            <a:schemeClr val="tx1"/>
+          </a:fontRef>
+        </p:style>
+      </p:cxnSp>
+      <p:sp>
+        <p:nvSpPr>
+          <p:cNvPr id="17" name="圆角矩形 54"/>
+          <p:cNvSpPr/>
+          <p:nvPr>
+            <p:custDataLst>
+              <p:tags r:id="rId6"/>
+            </p:custDataLst>
+          </p:nvPr>
+        </p:nvSpPr>
+        <p:spPr>
+          <a:xfrm>
+            <a:off x="6800456" y="2155462"/>
+            <a:ext cx="1302555" cy="409264"/>
+          </a:xfrm>
+          <a:prstGeom prst="roundRect">
+            <a:avLst/>
+          </a:prstGeom>
+          <a:solidFill>
+            <a:srgbClr val="DAE3F5"/>
+          </a:solidFill>
+          <a:ln>
             <a:solidFill>
               <a:schemeClr val="tx1"/>
             </a:solidFill>
-            <a:prstDash val="solid"/>
           </a:ln>
         </p:spPr>
         <p:style>
           <a:lnRef idx="2">
-            <a:schemeClr val="accent1">
-              <a:lumMod val="75000"/>
-            </a:schemeClr>
+            <a:schemeClr val="accent1"/>
           </a:lnRef>
-          <a:fillRef idx="1">
-            <a:schemeClr val="accent1"/>
+          <a:fillRef idx="0">
+            <a:srgbClr val="FFFFFF"/>
           </a:fillRef>
           <a:effectRef idx="0">
             <a:srgbClr val="FFFFFF"/>
           </a:effectRef>
           <a:fontRef idx="minor">
-            <a:schemeClr val="lt1"/>
+            <a:schemeClr val="tx1"/>
           </a:fontRef>
         </p:style>
         <p:txBody>
           <a:bodyPr rtlCol="0" anchor="ctr"/>
           <a:lstStyle/>
           <a:p>
-            <a:pPr algn="l"/>
-            <a:r>
-              <a:rPr lang="en-US" sz="1200" i="1">
-                <a:solidFill>
-                  <a:schemeClr val="tx1"/>
-                </a:solidFill>
+            <a:pPr algn="ctr"/>
+            <a:r>
+              <a:rPr lang="en-US" altLang="zh-CN" sz="1200">
+                <a:latin typeface="Arial" panose="020B0604020202020204" pitchFamily="34" charset="0"/>
+                <a:cs typeface="Arial" panose="020B0604020202020204" pitchFamily="34" charset="0"/>
+                <a:sym typeface="+mn-ea"/>
+              </a:rPr>
+              <a:t>“Find {detection} in the image.”</a:t>
+            </a:r>
+          </a:p>
+        </p:txBody>
+      </p:sp>
+      <p:sp>
+        <p:nvSpPr>
+          <p:cNvPr id="25" name="文本框 24"/>
+          <p:cNvSpPr txBox="1"/>
+          <p:nvPr/>
+        </p:nvSpPr>
+        <p:spPr>
+          <a:xfrm>
+            <a:off x="6084575" y="2623377"/>
+            <a:ext cx="1441174" cy="276999"/>
+          </a:xfrm>
+          <a:prstGeom prst="rect">
+            <a:avLst/>
+          </a:prstGeom>
+          <a:noFill/>
+        </p:spPr>
+        <p:txBody>
+          <a:bodyPr wrap="square" rtlCol="0">
+            <a:spAutoFit/>
+          </a:bodyPr>
+          <a:lstStyle/>
+          <a:p>
+            <a:r>
+              <a:rPr lang="en-US" altLang="zh-CN" sz="1200">
                 <a:latin typeface="Arial" panose="020B0604020202020204" pitchFamily="34" charset="0"/>
                 <a:cs typeface="Arial" panose="020B0604020202020204" pitchFamily="34" charset="0"/>
               </a:rPr>
-              <a:t>I</a:t>
-            </a:r>
-            <a:r>
-              <a:rPr lang="en-US" altLang="zh-CN" sz="1200" i="1">
-                <a:solidFill>
-                  <a:schemeClr val="tx1"/>
-                </a:solidFill>
-                <a:latin typeface="Arial" panose="020B0604020202020204" pitchFamily="34" charset="0"/>
-                <a:cs typeface="Arial" panose="020B0604020202020204" pitchFamily="34" charset="0"/>
-              </a:rPr>
-              <a:t>s there any trash in the image?</a:t>
-            </a:r>
-            <a:endParaRPr lang="en-US" sz="1200" i="1">
-              <a:solidFill>
-                <a:schemeClr val="tx1"/>
-              </a:solidFill>
+              <a:t>Random selection</a:t>
+            </a:r>
+            <a:endParaRPr lang="zh-CN" altLang="en-US" sz="1200">
               <a:latin typeface="Arial" panose="020B0604020202020204" pitchFamily="34" charset="0"/>
               <a:cs typeface="Arial" panose="020B0604020202020204" pitchFamily="34" charset="0"/>
             </a:endParaRPr>
           </a:p>
         </p:txBody>
       </p:sp>
-      <p:pic>
-        <p:nvPicPr>
-          <p:cNvPr id="8" name="图片 40" descr="3b343132373631313bc8cbceef"/>
-          <p:cNvPicPr>
-            <a:picLocks noChangeAspect="1"/>
-          </p:cNvPicPr>
-          <p:nvPr/>
-        </p:nvPicPr>
-        <p:blipFill>
-          <a:blip r:embed="rId3">
-            <a:extLst>
-              <a:ext uri="{96DAC541-7B7A-43D3-8B79-37D633B846F1}">
-                <asvg:svgBlip xmlns:asvg="http://schemas.microsoft.com/office/drawing/2016/SVG/main" r:embed="rId4"/>
-              </a:ext>
-            </a:extLst>
-          </a:blip>
-          <a:stretch>
-            <a:fillRect/>
-          </a:stretch>
-        </p:blipFill>
-        <p:spPr>
-          <a:xfrm>
-            <a:off x="8010110" y="1792077"/>
-            <a:ext cx="288000" cy="288000"/>
-          </a:xfrm>
-          <a:prstGeom prst="rect">
-            <a:avLst/>
-          </a:prstGeom>
-        </p:spPr>
-      </p:pic>
-      <p:pic>
-        <p:nvPicPr>
-          <p:cNvPr id="10" name="图形 9" descr="机器人"/>
-          <p:cNvPicPr>
-            <a:picLocks noChangeAspect="1"/>
-          </p:cNvPicPr>
-          <p:nvPr/>
-        </p:nvPicPr>
-        <p:blipFill>
-          <a:blip r:embed="rId5" cstate="print">
-            <a:extLst>
-              <a:ext uri="{28A0092B-C50C-407E-A947-70E740481C1C}">
-                <a14:useLocalDpi xmlns:a14="http://schemas.microsoft.com/office/drawing/2010/main" val="0"/>
-              </a:ext>
-              <a:ext uri="{96DAC541-7B7A-43D3-8B79-37D633B846F1}">
-                <asvg:svgBlip xmlns:asvg="http://schemas.microsoft.com/office/drawing/2016/SVG/main" r:embed="rId6"/>
-              </a:ext>
-            </a:extLst>
-          </a:blip>
-          <a:stretch>
-            <a:fillRect/>
-          </a:stretch>
-        </p:blipFill>
-        <p:spPr>
-          <a:xfrm>
-            <a:off x="3668970" y="2281705"/>
-            <a:ext cx="288000" cy="288000"/>
-          </a:xfrm>
-          <a:prstGeom prst="rect">
-            <a:avLst/>
-          </a:prstGeom>
-        </p:spPr>
-      </p:pic>
-      <p:sp>
-        <p:nvSpPr>
-          <p:cNvPr id="11" name="圆角矩形 4"/>
-          <p:cNvSpPr/>
-          <p:nvPr/>
-        </p:nvSpPr>
-        <p:spPr>
-          <a:xfrm>
-            <a:off x="6131614" y="2698651"/>
-            <a:ext cx="1739348" cy="393608"/>
-          </a:xfrm>
-          <a:prstGeom prst="roundRect">
-            <a:avLst/>
-          </a:prstGeom>
-          <a:solidFill>
-            <a:schemeClr val="accent1">
-              <a:lumMod val="20000"/>
-              <a:lumOff val="80000"/>
-            </a:schemeClr>
-          </a:solidFill>
-          <a:ln w="12700" cmpd="sng">
-            <a:solidFill>
-              <a:schemeClr val="tx1"/>
-            </a:solidFill>
-            <a:prstDash val="solid"/>
-          </a:ln>
-        </p:spPr>
-        <p:style>
-          <a:lnRef idx="2">
-            <a:schemeClr val="accent1">
-              <a:lumMod val="75000"/>
-            </a:schemeClr>
-          </a:lnRef>
-          <a:fillRef idx="1">
-            <a:schemeClr val="accent1"/>
-          </a:fillRef>
-          <a:effectRef idx="0">
-            <a:srgbClr val="FFFFFF"/>
-          </a:effectRef>
-          <a:fontRef idx="minor">
-            <a:schemeClr val="lt1"/>
-          </a:fontRef>
-        </p:style>
-        <p:txBody>
-          <a:bodyPr rtlCol="0" anchor="ctr"/>
-          <a:lstStyle/>
-          <a:p>
-            <a:pPr algn="l"/>
-            <a:r>
-              <a:rPr lang="en-US" sz="1200" i="1">
-                <a:solidFill>
-                  <a:schemeClr val="tx1"/>
-                </a:solidFill>
-                <a:latin typeface="Arial" panose="020B0604020202020204" pitchFamily="34" charset="0"/>
-                <a:cs typeface="Arial" panose="020B0604020202020204" pitchFamily="34" charset="0"/>
-              </a:rPr>
-              <a:t>H</a:t>
-            </a:r>
-            <a:r>
-              <a:rPr lang="en-US" altLang="zh-CN" sz="1200" i="1">
-                <a:solidFill>
-                  <a:schemeClr val="tx1"/>
-                </a:solidFill>
-                <a:latin typeface="Arial" panose="020B0604020202020204" pitchFamily="34" charset="0"/>
-                <a:cs typeface="Arial" panose="020B0604020202020204" pitchFamily="34" charset="0"/>
-              </a:rPr>
-              <a:t>elp me find the trash.</a:t>
-            </a:r>
-            <a:endParaRPr lang="en-US" sz="1200" i="1">
-              <a:solidFill>
-                <a:schemeClr val="tx1"/>
-              </a:solidFill>
-              <a:latin typeface="Arial" panose="020B0604020202020204" pitchFamily="34" charset="0"/>
-              <a:cs typeface="Arial" panose="020B0604020202020204" pitchFamily="34" charset="0"/>
-            </a:endParaRPr>
-          </a:p>
-        </p:txBody>
-      </p:sp>
-      <p:pic>
-        <p:nvPicPr>
-          <p:cNvPr id="12" name="图片 40" descr="3b343132373631313bc8cbceef"/>
-          <p:cNvPicPr>
-            <a:picLocks noChangeAspect="1"/>
-          </p:cNvPicPr>
-          <p:nvPr/>
-        </p:nvPicPr>
-        <p:blipFill>
-          <a:blip r:embed="rId3">
-            <a:extLst>
-              <a:ext uri="{96DAC541-7B7A-43D3-8B79-37D633B846F1}">
-                <asvg:svgBlip xmlns:asvg="http://schemas.microsoft.com/office/drawing/2016/SVG/main" r:embed="rId4"/>
-              </a:ext>
-            </a:extLst>
-          </a:blip>
-          <a:stretch>
-            <a:fillRect/>
-          </a:stretch>
-        </p:blipFill>
-        <p:spPr>
-          <a:xfrm>
-            <a:off x="8010110" y="2751455"/>
-            <a:ext cx="288000" cy="288000"/>
-          </a:xfrm>
-          <a:prstGeom prst="rect">
-            <a:avLst/>
-          </a:prstGeom>
-        </p:spPr>
-      </p:pic>
-      <p:pic>
-        <p:nvPicPr>
-          <p:cNvPr id="13" name="图形 12" descr="机器人"/>
-          <p:cNvPicPr>
-            <a:picLocks noChangeAspect="1"/>
-          </p:cNvPicPr>
-          <p:nvPr/>
-        </p:nvPicPr>
-        <p:blipFill>
-          <a:blip r:embed="rId5" cstate="print">
-            <a:extLst>
-              <a:ext uri="{28A0092B-C50C-407E-A947-70E740481C1C}">
-                <a14:useLocalDpi xmlns:a14="http://schemas.microsoft.com/office/drawing/2010/main" val="0"/>
-              </a:ext>
-              <a:ext uri="{96DAC541-7B7A-43D3-8B79-37D633B846F1}">
-                <asvg:svgBlip xmlns:asvg="http://schemas.microsoft.com/office/drawing/2016/SVG/main" r:embed="rId6"/>
-              </a:ext>
-            </a:extLst>
-          </a:blip>
-          <a:stretch>
-            <a:fillRect/>
-          </a:stretch>
-        </p:blipFill>
-        <p:spPr>
-          <a:xfrm>
-            <a:off x="3668970" y="4178813"/>
-            <a:ext cx="288000" cy="288000"/>
-          </a:xfrm>
-          <a:prstGeom prst="rect">
-            <a:avLst/>
-          </a:prstGeom>
-        </p:spPr>
-      </p:pic>
-      <p:sp>
-        <p:nvSpPr>
-          <p:cNvPr id="14" name="圆角矩形 4"/>
-          <p:cNvSpPr/>
-          <p:nvPr/>
-        </p:nvSpPr>
-        <p:spPr>
-          <a:xfrm>
-            <a:off x="4008680" y="4524512"/>
-            <a:ext cx="3862281" cy="580011"/>
-          </a:xfrm>
-          <a:prstGeom prst="roundRect">
-            <a:avLst/>
-          </a:prstGeom>
-          <a:solidFill>
-            <a:schemeClr val="accent1">
-              <a:lumMod val="20000"/>
-              <a:lumOff val="80000"/>
-            </a:schemeClr>
-          </a:solidFill>
-          <a:ln w="12700" cmpd="sng">
-            <a:solidFill>
-              <a:schemeClr val="tx1"/>
-            </a:solidFill>
-            <a:prstDash val="solid"/>
-          </a:ln>
-        </p:spPr>
-        <p:style>
-          <a:lnRef idx="2">
-            <a:schemeClr val="accent1">
-              <a:lumMod val="75000"/>
-            </a:schemeClr>
-          </a:lnRef>
-          <a:fillRef idx="1">
-            <a:schemeClr val="accent1"/>
-          </a:fillRef>
-          <a:effectRef idx="0">
-            <a:srgbClr val="FFFFFF"/>
-          </a:effectRef>
-          <a:fontRef idx="minor">
-            <a:schemeClr val="lt1"/>
-          </a:fontRef>
-        </p:style>
-        <p:txBody>
-          <a:bodyPr rtlCol="0" anchor="ctr"/>
-          <a:lstStyle/>
-          <a:p>
-            <a:pPr algn="l"/>
-            <a:r>
-              <a:rPr lang="en-US" sz="1200" i="1">
-                <a:solidFill>
-                  <a:schemeClr val="tx1"/>
-                </a:solidFill>
-                <a:latin typeface="Arial" panose="020B0604020202020204" pitchFamily="34" charset="0"/>
-                <a:cs typeface="Arial" panose="020B0604020202020204" pitchFamily="34" charset="0"/>
-              </a:rPr>
-              <a:t>How to deal with illegal dumping of </a:t>
-            </a:r>
-            <a:r>
-              <a:rPr lang="en-US" altLang="zh-CN" sz="1200" i="1">
-                <a:solidFill>
-                  <a:schemeClr val="tx1"/>
-                </a:solidFill>
-                <a:latin typeface="Arial" panose="020B0604020202020204" pitchFamily="34" charset="0"/>
-                <a:cs typeface="Arial" panose="020B0604020202020204" pitchFamily="34" charset="0"/>
-              </a:rPr>
-              <a:t>trash</a:t>
-            </a:r>
-            <a:r>
-              <a:rPr lang="en-US" sz="1200" i="1">
-                <a:solidFill>
-                  <a:schemeClr val="tx1"/>
-                </a:solidFill>
-                <a:latin typeface="Arial" panose="020B0604020202020204" pitchFamily="34" charset="0"/>
-                <a:cs typeface="Arial" panose="020B0604020202020204" pitchFamily="34" charset="0"/>
-              </a:rPr>
-              <a:t> according to regulations? *</a:t>
-            </a:r>
-            <a:endParaRPr lang="en-US" sz="1200" i="1">
-              <a:solidFill>
-                <a:schemeClr val="tx1"/>
-              </a:solidFill>
-              <a:latin typeface="Arial" panose="020B0604020202020204" pitchFamily="34" charset="0"/>
-              <a:cs typeface="Arial" panose="020B0604020202020204" pitchFamily="34" charset="0"/>
-            </a:endParaRPr>
-          </a:p>
-        </p:txBody>
-      </p:sp>
-      <p:pic>
-        <p:nvPicPr>
-          <p:cNvPr id="15" name="图片 40" descr="3b343132373631313bc8cbceef"/>
-          <p:cNvPicPr>
-            <a:picLocks noChangeAspect="1"/>
-          </p:cNvPicPr>
-          <p:nvPr/>
-        </p:nvPicPr>
-        <p:blipFill>
-          <a:blip r:embed="rId3">
-            <a:extLst>
-              <a:ext uri="{96DAC541-7B7A-43D3-8B79-37D633B846F1}">
-                <asvg:svgBlip xmlns:asvg="http://schemas.microsoft.com/office/drawing/2016/SVG/main" r:embed="rId4"/>
-              </a:ext>
-            </a:extLst>
-          </a:blip>
-          <a:stretch>
-            <a:fillRect/>
-          </a:stretch>
-        </p:blipFill>
-        <p:spPr>
-          <a:xfrm>
-            <a:off x="8010109" y="4670517"/>
-            <a:ext cx="288000" cy="288000"/>
-          </a:xfrm>
-          <a:prstGeom prst="rect">
-            <a:avLst/>
-          </a:prstGeom>
-        </p:spPr>
-      </p:pic>
-      <p:sp>
-        <p:nvSpPr>
-          <p:cNvPr id="16" name="圆角矩形 59"/>
-          <p:cNvSpPr/>
-          <p:nvPr/>
-        </p:nvSpPr>
-        <p:spPr>
-          <a:xfrm>
-            <a:off x="4008680" y="5162222"/>
-            <a:ext cx="3862281" cy="1312797"/>
-          </a:xfrm>
-          <a:prstGeom prst="roundRect">
-            <a:avLst/>
-          </a:prstGeom>
-          <a:solidFill>
-            <a:schemeClr val="accent3">
-              <a:lumMod val="20000"/>
-              <a:lumOff val="80000"/>
-            </a:schemeClr>
-          </a:solidFill>
-          <a:ln w="25400" cmpd="sng">
-            <a:solidFill>
-              <a:schemeClr val="accent3">
-                <a:lumMod val="60000"/>
-                <a:lumOff val="40000"/>
-              </a:schemeClr>
-            </a:solidFill>
-            <a:prstDash val="dash"/>
-          </a:ln>
-        </p:spPr>
-        <p:style>
-          <a:lnRef idx="2">
-            <a:schemeClr val="accent1">
-              <a:lumMod val="75000"/>
-            </a:schemeClr>
-          </a:lnRef>
-          <a:fillRef idx="1">
-            <a:schemeClr val="accent1"/>
-          </a:fillRef>
-          <a:effectRef idx="0">
-            <a:srgbClr val="FFFFFF"/>
-          </a:effectRef>
-          <a:fontRef idx="minor">
-            <a:schemeClr val="lt1"/>
-          </a:fontRef>
-        </p:style>
-        <p:txBody>
-          <a:bodyPr rtlCol="0" anchor="ctr"/>
-          <a:lstStyle/>
-          <a:p>
-            <a:r>
-              <a:rPr lang="en-US" altLang="zh-CN" sz="1200" b="0" i="0">
-                <a:solidFill>
-                  <a:schemeClr val="tx1"/>
-                </a:solidFill>
-                <a:effectLst/>
-                <a:latin typeface="Arial" panose="020B0604020202020204" pitchFamily="34" charset="0"/>
-                <a:cs typeface="Arial" panose="020B0604020202020204" pitchFamily="34" charset="0"/>
-              </a:rPr>
-              <a:t>Upon order to rectify by the Department of Household Waste Management, a fine of not less than five thousand yuan and not more than fifty thousand yuan may be imposed; for serious cases, a fine of not less than fifty thousand yuan and not more than five hundred thousand yuan shall be imposed.</a:t>
-            </a:r>
-            <a:r>
-              <a:rPr lang="en-US" altLang="zh-CN" sz="1200" kern="100">
-                <a:solidFill>
-                  <a:schemeClr val="tx1"/>
-                </a:solidFill>
-                <a:effectLst/>
-                <a:latin typeface="Arial" panose="020B0604020202020204" pitchFamily="34" charset="0"/>
-                <a:ea typeface="宋体" panose="02010600030101010101" pitchFamily="2" charset="-122"/>
-                <a:cs typeface="Arial" panose="020B0604020202020204" pitchFamily="34" charset="0"/>
-              </a:rPr>
-              <a:t> *</a:t>
-            </a:r>
-            <a:endParaRPr lang="en-US" altLang="zh-CN" sz="1200" kern="100">
-              <a:solidFill>
-                <a:schemeClr val="tx1"/>
-              </a:solidFill>
-              <a:effectLst/>
-              <a:latin typeface="Arial" panose="020B0604020202020204" pitchFamily="34" charset="0"/>
-              <a:ea typeface="宋体" panose="02010600030101010101" pitchFamily="2" charset="-122"/>
-              <a:cs typeface="Arial" panose="020B0604020202020204" pitchFamily="34" charset="0"/>
-            </a:endParaRPr>
-          </a:p>
-        </p:txBody>
-      </p:sp>
-      <p:pic>
-        <p:nvPicPr>
-          <p:cNvPr id="17" name="图形 16" descr="机器人"/>
-          <p:cNvPicPr>
-            <a:picLocks noChangeAspect="1"/>
-          </p:cNvPicPr>
-          <p:nvPr/>
-        </p:nvPicPr>
-        <p:blipFill>
-          <a:blip r:embed="rId5" cstate="print">
-            <a:extLst>
-              <a:ext uri="{28A0092B-C50C-407E-A947-70E740481C1C}">
-                <a14:useLocalDpi xmlns:a14="http://schemas.microsoft.com/office/drawing/2010/main" val="0"/>
-              </a:ext>
-              <a:ext uri="{96DAC541-7B7A-43D3-8B79-37D633B846F1}">
-                <asvg:svgBlip xmlns:asvg="http://schemas.microsoft.com/office/drawing/2016/SVG/main" r:embed="rId6"/>
-              </a:ext>
-            </a:extLst>
-          </a:blip>
-          <a:stretch>
-            <a:fillRect/>
-          </a:stretch>
-        </p:blipFill>
-        <p:spPr>
-          <a:xfrm>
-            <a:off x="3692887" y="6187019"/>
-            <a:ext cx="288000" cy="288000"/>
-          </a:xfrm>
-          <a:prstGeom prst="rect">
-            <a:avLst/>
-          </a:prstGeom>
-        </p:spPr>
-      </p:pic>
     </p:spTree>
   </p:cSld>
   <p:clrMapOvr>
@@ -10678,14 +11180,7 @@
           <a:bodyPr rtlCol="0" anchor="ctr"/>
           <a:lstStyle/>
           <a:p>
-            <a:pPr marL="0" marR="0" algn="just">
-              <a:spcBef>
-                <a:spcPts val="0"/>
-              </a:spcBef>
-              <a:spcAft>
-                <a:spcPts val="0"/>
-              </a:spcAft>
-            </a:pPr>
+            <a:pPr algn="ctr"/>
             <a:r>
               <a:rPr lang="en-US" altLang="zh-CN" sz="1200" kern="100">
                 <a:solidFill>
@@ -10696,517 +11191,21 @@
                 <a:ea typeface="宋体" panose="02010600030101010101" pitchFamily="2" charset="-122"/>
                 <a:cs typeface="Arial" panose="020B0604020202020204" pitchFamily="34" charset="0"/>
               </a:rPr>
-              <a:t>Yes, there is clothing hanging on a clothesline in the image.</a:t>
-            </a:r>
-            <a:endParaRPr lang="en-US" altLang="zh-CN" sz="1200" kern="100">
-              <a:solidFill>
-                <a:schemeClr val="tx1"/>
-              </a:solidFill>
-              <a:effectLst/>
-              <a:latin typeface="Arial" panose="020B0604020202020204" pitchFamily="34" charset="0"/>
-              <a:ea typeface="宋体" panose="02010600030101010101" pitchFamily="2" charset="-122"/>
-              <a:cs typeface="Arial" panose="020B0604020202020204" pitchFamily="34" charset="0"/>
-            </a:endParaRPr>
-          </a:p>
-        </p:txBody>
-      </p:sp>
-      <p:sp>
-        <p:nvSpPr>
-          <p:cNvPr id="6" name="圆角矩形 4"/>
-          <p:cNvSpPr/>
-          <p:nvPr/>
-        </p:nvSpPr>
-        <p:spPr>
-          <a:xfrm>
-            <a:off x="4686300" y="1739273"/>
-            <a:ext cx="3184662" cy="393608"/>
-          </a:xfrm>
-          <a:prstGeom prst="roundRect">
-            <a:avLst/>
-          </a:prstGeom>
-          <a:solidFill>
-            <a:schemeClr val="accent1">
-              <a:lumMod val="20000"/>
-              <a:lumOff val="80000"/>
-            </a:schemeClr>
-          </a:solidFill>
-          <a:ln w="12700" cmpd="sng">
-            <a:solidFill>
-              <a:schemeClr val="tx1"/>
-            </a:solidFill>
-            <a:prstDash val="solid"/>
-          </a:ln>
-        </p:spPr>
-        <p:style>
-          <a:lnRef idx="2">
-            <a:schemeClr val="accent1">
-              <a:lumMod val="75000"/>
-            </a:schemeClr>
-          </a:lnRef>
-          <a:fillRef idx="1">
-            <a:schemeClr val="accent1"/>
-          </a:fillRef>
-          <a:effectRef idx="0">
-            <a:srgbClr val="FFFFFF"/>
-          </a:effectRef>
-          <a:fontRef idx="minor">
-            <a:schemeClr val="lt1"/>
-          </a:fontRef>
-        </p:style>
-        <p:txBody>
-          <a:bodyPr rtlCol="0" anchor="ctr"/>
-          <a:lstStyle/>
-          <a:p>
-            <a:pPr marL="0" marR="0" algn="just">
-              <a:spcBef>
-                <a:spcPts val="0"/>
-              </a:spcBef>
-              <a:spcAft>
-                <a:spcPts val="0"/>
-              </a:spcAft>
-            </a:pPr>
-            <a:r>
-              <a:rPr lang="en-US" altLang="zh-CN" sz="1200" i="1" kern="100">
-                <a:solidFill>
-                  <a:schemeClr val="tx1"/>
-                </a:solidFill>
-                <a:effectLst/>
-                <a:latin typeface="Arial" panose="020B0604020202020204" pitchFamily="34" charset="0"/>
-                <a:ea typeface="宋体" panose="02010600030101010101" pitchFamily="2" charset="-122"/>
-                <a:cs typeface="Arial" panose="020B0604020202020204" pitchFamily="34" charset="0"/>
-              </a:rPr>
-              <a:t>Is there any clothing hanging in the picture?</a:t>
-            </a:r>
-            <a:endParaRPr lang="en-US" altLang="zh-CN" sz="1200" i="1" kern="100">
-              <a:solidFill>
-                <a:schemeClr val="tx1"/>
-              </a:solidFill>
-              <a:effectLst/>
-              <a:latin typeface="Arial" panose="020B0604020202020204" pitchFamily="34" charset="0"/>
-              <a:ea typeface="宋体" panose="02010600030101010101" pitchFamily="2" charset="-122"/>
-              <a:cs typeface="Arial" panose="020B0604020202020204" pitchFamily="34" charset="0"/>
-            </a:endParaRPr>
+              <a:t>Yes, there is trash scattered around the sidewalk area.</a:t>
+            </a:r>
           </a:p>
         </p:txBody>
       </p:sp>
       <p:pic>
         <p:nvPicPr>
-          <p:cNvPr id="8" name="图片 40" descr="3b343132373631313bc8cbceef"/>
-          <p:cNvPicPr>
-            <a:picLocks noChangeAspect="1"/>
-          </p:cNvPicPr>
-          <p:nvPr/>
-        </p:nvPicPr>
-        <p:blipFill>
-          <a:blip r:embed="rId1">
-            <a:extLst>
-              <a:ext uri="{96DAC541-7B7A-43D3-8B79-37D633B846F1}">
-                <asvg:svgBlip xmlns:asvg="http://schemas.microsoft.com/office/drawing/2016/SVG/main" r:embed="rId2"/>
-              </a:ext>
-            </a:extLst>
-          </a:blip>
-          <a:stretch>
-            <a:fillRect/>
-          </a:stretch>
-        </p:blipFill>
-        <p:spPr>
-          <a:xfrm>
-            <a:off x="8010110" y="1792077"/>
-            <a:ext cx="288000" cy="288000"/>
-          </a:xfrm>
-          <a:prstGeom prst="rect">
-            <a:avLst/>
-          </a:prstGeom>
-        </p:spPr>
-      </p:pic>
-      <p:pic>
-        <p:nvPicPr>
-          <p:cNvPr id="10" name="图形 9" descr="机器人"/>
-          <p:cNvPicPr>
-            <a:picLocks noChangeAspect="1"/>
-          </p:cNvPicPr>
-          <p:nvPr/>
-        </p:nvPicPr>
-        <p:blipFill>
-          <a:blip r:embed="rId3" cstate="print">
-            <a:extLst>
-              <a:ext uri="{28A0092B-C50C-407E-A947-70E740481C1C}">
-                <a14:useLocalDpi xmlns:a14="http://schemas.microsoft.com/office/drawing/2010/main" val="0"/>
-              </a:ext>
-              <a:ext uri="{96DAC541-7B7A-43D3-8B79-37D633B846F1}">
-                <asvg:svgBlip xmlns:asvg="http://schemas.microsoft.com/office/drawing/2016/SVG/main" r:embed="rId4"/>
-              </a:ext>
-            </a:extLst>
-          </a:blip>
-          <a:stretch>
-            <a:fillRect/>
-          </a:stretch>
-        </p:blipFill>
-        <p:spPr>
-          <a:xfrm>
-            <a:off x="3668970" y="2281705"/>
-            <a:ext cx="288000" cy="288000"/>
-          </a:xfrm>
-          <a:prstGeom prst="rect">
-            <a:avLst/>
-          </a:prstGeom>
-        </p:spPr>
-      </p:pic>
-      <p:sp>
-        <p:nvSpPr>
-          <p:cNvPr id="11" name="圆角矩形 4"/>
-          <p:cNvSpPr/>
-          <p:nvPr/>
-        </p:nvSpPr>
-        <p:spPr>
-          <a:xfrm>
-            <a:off x="5630517" y="2696755"/>
-            <a:ext cx="2240445" cy="393608"/>
-          </a:xfrm>
-          <a:prstGeom prst="roundRect">
-            <a:avLst/>
-          </a:prstGeom>
-          <a:solidFill>
-            <a:schemeClr val="accent1">
-              <a:lumMod val="20000"/>
-              <a:lumOff val="80000"/>
-            </a:schemeClr>
-          </a:solidFill>
-          <a:ln w="12700" cmpd="sng">
-            <a:solidFill>
-              <a:schemeClr val="tx1"/>
-            </a:solidFill>
-            <a:prstDash val="solid"/>
-          </a:ln>
-        </p:spPr>
-        <p:style>
-          <a:lnRef idx="2">
-            <a:schemeClr val="accent1">
-              <a:lumMod val="75000"/>
-            </a:schemeClr>
-          </a:lnRef>
-          <a:fillRef idx="1">
-            <a:schemeClr val="accent1"/>
-          </a:fillRef>
-          <a:effectRef idx="0">
-            <a:srgbClr val="FFFFFF"/>
-          </a:effectRef>
-          <a:fontRef idx="minor">
-            <a:schemeClr val="lt1"/>
-          </a:fontRef>
-        </p:style>
-        <p:txBody>
-          <a:bodyPr rtlCol="0" anchor="ctr"/>
-          <a:lstStyle/>
-          <a:p>
-            <a:pPr algn="l"/>
-            <a:r>
-              <a:rPr lang="en-US" sz="1200" i="1">
-                <a:solidFill>
-                  <a:schemeClr val="tx1"/>
-                </a:solidFill>
-                <a:latin typeface="Arial" panose="020B0604020202020204" pitchFamily="34" charset="0"/>
-                <a:cs typeface="Arial" panose="020B0604020202020204" pitchFamily="34" charset="0"/>
-              </a:rPr>
-              <a:t>H</a:t>
-            </a:r>
-            <a:r>
-              <a:rPr lang="en-US" altLang="zh-CN" sz="1200" i="1">
-                <a:solidFill>
-                  <a:schemeClr val="tx1"/>
-                </a:solidFill>
-                <a:latin typeface="Arial" panose="020B0604020202020204" pitchFamily="34" charset="0"/>
-                <a:cs typeface="Arial" panose="020B0604020202020204" pitchFamily="34" charset="0"/>
-              </a:rPr>
-              <a:t>elp me detect cloth hanging.</a:t>
-            </a:r>
-            <a:endParaRPr lang="en-US" sz="1200" i="1">
-              <a:solidFill>
-                <a:schemeClr val="tx1"/>
-              </a:solidFill>
-              <a:latin typeface="Arial" panose="020B0604020202020204" pitchFamily="34" charset="0"/>
-              <a:cs typeface="Arial" panose="020B0604020202020204" pitchFamily="34" charset="0"/>
-            </a:endParaRPr>
-          </a:p>
-        </p:txBody>
-      </p:sp>
-      <p:pic>
-        <p:nvPicPr>
-          <p:cNvPr id="12" name="图片 40" descr="3b343132373631313bc8cbceef"/>
-          <p:cNvPicPr>
-            <a:picLocks noChangeAspect="1"/>
-          </p:cNvPicPr>
-          <p:nvPr/>
-        </p:nvPicPr>
-        <p:blipFill>
-          <a:blip r:embed="rId1">
-            <a:extLst>
-              <a:ext uri="{96DAC541-7B7A-43D3-8B79-37D633B846F1}">
-                <asvg:svgBlip xmlns:asvg="http://schemas.microsoft.com/office/drawing/2016/SVG/main" r:embed="rId2"/>
-              </a:ext>
-            </a:extLst>
-          </a:blip>
-          <a:stretch>
-            <a:fillRect/>
-          </a:stretch>
-        </p:blipFill>
-        <p:spPr>
-          <a:xfrm>
-            <a:off x="8010110" y="2749559"/>
-            <a:ext cx="288000" cy="288000"/>
-          </a:xfrm>
-          <a:prstGeom prst="rect">
-            <a:avLst/>
-          </a:prstGeom>
-        </p:spPr>
-      </p:pic>
-      <p:pic>
-        <p:nvPicPr>
-          <p:cNvPr id="13" name="图形 12" descr="机器人"/>
-          <p:cNvPicPr>
-            <a:picLocks noChangeAspect="1"/>
-          </p:cNvPicPr>
-          <p:nvPr/>
-        </p:nvPicPr>
-        <p:blipFill>
-          <a:blip r:embed="rId3" cstate="print">
-            <a:extLst>
-              <a:ext uri="{28A0092B-C50C-407E-A947-70E740481C1C}">
-                <a14:useLocalDpi xmlns:a14="http://schemas.microsoft.com/office/drawing/2010/main" val="0"/>
-              </a:ext>
-              <a:ext uri="{96DAC541-7B7A-43D3-8B79-37D633B846F1}">
-                <asvg:svgBlip xmlns:asvg="http://schemas.microsoft.com/office/drawing/2016/SVG/main" r:embed="rId4"/>
-              </a:ext>
-            </a:extLst>
-          </a:blip>
-          <a:stretch>
-            <a:fillRect/>
-          </a:stretch>
-        </p:blipFill>
-        <p:spPr>
-          <a:xfrm>
-            <a:off x="3668970" y="3958099"/>
-            <a:ext cx="288000" cy="288000"/>
-          </a:xfrm>
-          <a:prstGeom prst="rect">
-            <a:avLst/>
-          </a:prstGeom>
-        </p:spPr>
-      </p:pic>
-      <p:sp>
-        <p:nvSpPr>
-          <p:cNvPr id="14" name="圆角矩形 4"/>
-          <p:cNvSpPr/>
-          <p:nvPr/>
-        </p:nvSpPr>
-        <p:spPr>
-          <a:xfrm>
-            <a:off x="4487516" y="4288296"/>
-            <a:ext cx="3383445" cy="580011"/>
-          </a:xfrm>
-          <a:prstGeom prst="roundRect">
-            <a:avLst/>
-          </a:prstGeom>
-          <a:solidFill>
-            <a:schemeClr val="accent1">
-              <a:lumMod val="20000"/>
-              <a:lumOff val="80000"/>
-            </a:schemeClr>
-          </a:solidFill>
-          <a:ln w="12700" cmpd="sng">
-            <a:solidFill>
-              <a:schemeClr val="tx1"/>
-            </a:solidFill>
-            <a:prstDash val="solid"/>
-          </a:ln>
-        </p:spPr>
-        <p:style>
-          <a:lnRef idx="2">
-            <a:schemeClr val="accent1">
-              <a:lumMod val="75000"/>
-            </a:schemeClr>
-          </a:lnRef>
-          <a:fillRef idx="1">
-            <a:schemeClr val="accent1"/>
-          </a:fillRef>
-          <a:effectRef idx="0">
-            <a:srgbClr val="FFFFFF"/>
-          </a:effectRef>
-          <a:fontRef idx="minor">
-            <a:schemeClr val="lt1"/>
-          </a:fontRef>
-        </p:style>
-        <p:txBody>
-          <a:bodyPr rtlCol="0" anchor="ctr"/>
-          <a:lstStyle/>
-          <a:p>
-            <a:pPr algn="l"/>
-            <a:r>
-              <a:rPr lang="en-US" sz="1200" i="1">
-                <a:solidFill>
-                  <a:schemeClr val="tx1"/>
-                </a:solidFill>
-                <a:latin typeface="Arial" panose="020B0604020202020204" pitchFamily="34" charset="0"/>
-                <a:cs typeface="Arial" panose="020B0604020202020204" pitchFamily="34" charset="0"/>
-              </a:rPr>
-              <a:t>How to deal with illegal cloth hanging or drying according to regulations? *</a:t>
-            </a:r>
-            <a:endParaRPr lang="en-US" sz="1200" i="1">
-              <a:solidFill>
-                <a:schemeClr val="tx1"/>
-              </a:solidFill>
-              <a:latin typeface="Arial" panose="020B0604020202020204" pitchFamily="34" charset="0"/>
-              <a:cs typeface="Arial" panose="020B0604020202020204" pitchFamily="34" charset="0"/>
-            </a:endParaRPr>
-          </a:p>
-        </p:txBody>
-      </p:sp>
-      <p:pic>
-        <p:nvPicPr>
-          <p:cNvPr id="15" name="图片 40" descr="3b343132373631313bc8cbceef"/>
-          <p:cNvPicPr>
-            <a:picLocks noChangeAspect="1"/>
-          </p:cNvPicPr>
-          <p:nvPr/>
-        </p:nvPicPr>
-        <p:blipFill>
-          <a:blip r:embed="rId1">
-            <a:extLst>
-              <a:ext uri="{96DAC541-7B7A-43D3-8B79-37D633B846F1}">
-                <asvg:svgBlip xmlns:asvg="http://schemas.microsoft.com/office/drawing/2016/SVG/main" r:embed="rId2"/>
-              </a:ext>
-            </a:extLst>
-          </a:blip>
-          <a:stretch>
-            <a:fillRect/>
-          </a:stretch>
-        </p:blipFill>
-        <p:spPr>
-          <a:xfrm>
-            <a:off x="8010110" y="4434301"/>
-            <a:ext cx="288000" cy="288000"/>
-          </a:xfrm>
-          <a:prstGeom prst="rect">
-            <a:avLst/>
-          </a:prstGeom>
-        </p:spPr>
-      </p:pic>
-      <p:sp>
-        <p:nvSpPr>
-          <p:cNvPr id="16" name="圆角矩形 59"/>
-          <p:cNvSpPr/>
-          <p:nvPr/>
-        </p:nvSpPr>
-        <p:spPr>
-          <a:xfrm>
-            <a:off x="4008680" y="4938995"/>
-            <a:ext cx="3862281" cy="1024797"/>
-          </a:xfrm>
-          <a:prstGeom prst="roundRect">
-            <a:avLst/>
-          </a:prstGeom>
-          <a:solidFill>
-            <a:schemeClr val="accent3">
-              <a:lumMod val="20000"/>
-              <a:lumOff val="80000"/>
-            </a:schemeClr>
-          </a:solidFill>
-          <a:ln w="25400" cmpd="sng">
-            <a:solidFill>
-              <a:schemeClr val="accent3">
-                <a:lumMod val="60000"/>
-                <a:lumOff val="40000"/>
-              </a:schemeClr>
-            </a:solidFill>
-            <a:prstDash val="dash"/>
-          </a:ln>
-        </p:spPr>
-        <p:style>
-          <a:lnRef idx="2">
-            <a:schemeClr val="accent1">
-              <a:lumMod val="75000"/>
-            </a:schemeClr>
-          </a:lnRef>
-          <a:fillRef idx="1">
-            <a:schemeClr val="accent1"/>
-          </a:fillRef>
-          <a:effectRef idx="0">
-            <a:srgbClr val="FFFFFF"/>
-          </a:effectRef>
-          <a:fontRef idx="minor">
-            <a:schemeClr val="lt1"/>
-          </a:fontRef>
-        </p:style>
-        <p:txBody>
-          <a:bodyPr rtlCol="0" anchor="ctr"/>
-          <a:lstStyle/>
-          <a:p>
-            <a:r>
-              <a:rPr lang="en-US" altLang="zh-CN" sz="1200" b="0" i="0">
-                <a:solidFill>
-                  <a:schemeClr val="tx1"/>
-                </a:solidFill>
-                <a:effectLst/>
-                <a:latin typeface="Arial" panose="020B0604020202020204" pitchFamily="34" charset="0"/>
-                <a:cs typeface="Arial" panose="020B0604020202020204" pitchFamily="34" charset="0"/>
-              </a:rPr>
-              <a:t>In violation of the provisions stated in the first clause herein, failure to rectify shall result in a fine of no less than five hundred yuan and no more than three thousand yuan imposed on the establishment or managing entity. *</a:t>
-            </a:r>
-            <a:endParaRPr lang="en-US" altLang="zh-CN" sz="1200" kern="100">
-              <a:solidFill>
-                <a:schemeClr val="tx1"/>
-              </a:solidFill>
-              <a:effectLst/>
-              <a:latin typeface="Arial" panose="020B0604020202020204" pitchFamily="34" charset="0"/>
-              <a:ea typeface="宋体" panose="02010600030101010101" pitchFamily="2" charset="-122"/>
-              <a:cs typeface="Arial" panose="020B0604020202020204" pitchFamily="34" charset="0"/>
-            </a:endParaRPr>
-          </a:p>
-        </p:txBody>
-      </p:sp>
-      <p:pic>
-        <p:nvPicPr>
-          <p:cNvPr id="17" name="图形 16" descr="机器人"/>
-          <p:cNvPicPr>
-            <a:picLocks noChangeAspect="1"/>
-          </p:cNvPicPr>
-          <p:nvPr/>
-        </p:nvPicPr>
-        <p:blipFill>
-          <a:blip r:embed="rId3" cstate="print">
-            <a:extLst>
-              <a:ext uri="{28A0092B-C50C-407E-A947-70E740481C1C}">
-                <a14:useLocalDpi xmlns:a14="http://schemas.microsoft.com/office/drawing/2010/main" val="0"/>
-              </a:ext>
-              <a:ext uri="{96DAC541-7B7A-43D3-8B79-37D633B846F1}">
-                <asvg:svgBlip xmlns:asvg="http://schemas.microsoft.com/office/drawing/2016/SVG/main" r:embed="rId4"/>
-              </a:ext>
-            </a:extLst>
-          </a:blip>
-          <a:stretch>
-            <a:fillRect/>
-          </a:stretch>
-        </p:blipFill>
-        <p:spPr>
-          <a:xfrm>
-            <a:off x="3668970" y="5675792"/>
-            <a:ext cx="288000" cy="288000"/>
-          </a:xfrm>
-          <a:prstGeom prst="rect">
-            <a:avLst/>
-          </a:prstGeom>
-        </p:spPr>
-      </p:pic>
-      <p:pic>
-        <p:nvPicPr>
-          <p:cNvPr id="3074" name="Picture 2"/>
+          <p:cNvPr id="1026" name="Picture 2"/>
           <p:cNvPicPr>
             <a:picLocks noChangeAspect="1" noChangeArrowheads="1"/>
           </p:cNvPicPr>
           <p:nvPr/>
         </p:nvPicPr>
         <p:blipFill>
-          <a:blip r:embed="rId5" cstate="print">
+          <a:blip r:embed="rId2" cstate="print">
             <a:extLst>
               <a:ext uri="{28A0092B-C50C-407E-A947-70E740481C1C}">
                 <a14:useLocalDpi xmlns:a14="http://schemas.microsoft.com/office/drawing/2010/main" val="0"/>
@@ -11220,8 +11219,8 @@
         </p:blipFill>
         <p:spPr bwMode="auto">
           <a:xfrm>
-            <a:off x="6742870" y="585444"/>
-            <a:ext cx="1128091" cy="1087802"/>
+            <a:off x="6919913" y="355180"/>
+            <a:ext cx="985837" cy="1316170"/>
           </a:xfrm>
           <a:prstGeom prst="rect">
             <a:avLst/>
@@ -11240,14 +11239,14 @@
       </p:pic>
       <p:pic>
         <p:nvPicPr>
-          <p:cNvPr id="3078" name="Picture 6"/>
+          <p:cNvPr id="1028" name="Picture 4"/>
           <p:cNvPicPr>
             <a:picLocks noChangeAspect="1" noChangeArrowheads="1"/>
           </p:cNvPicPr>
           <p:nvPr/>
         </p:nvPicPr>
         <p:blipFill>
-          <a:blip r:embed="rId6" cstate="print">
+          <a:blip r:embed="rId3" cstate="print">
             <a:extLst>
               <a:ext uri="{28A0092B-C50C-407E-A947-70E740481C1C}">
                 <a14:useLocalDpi xmlns:a14="http://schemas.microsoft.com/office/drawing/2010/main" val="0"/>
@@ -11261,8 +11260,8 @@
         </p:blipFill>
         <p:spPr bwMode="auto">
           <a:xfrm>
-            <a:off x="4008680" y="3158297"/>
-            <a:ext cx="1128091" cy="1087802"/>
+            <a:off x="4008681" y="3154016"/>
+            <a:ext cx="985836" cy="1312797"/>
           </a:xfrm>
           <a:prstGeom prst="rect">
             <a:avLst/>
@@ -11277,6 +11276,508 @@
               </a14:hiddenFill>
             </a:ext>
           </a:extLst>
+        </p:spPr>
+      </p:pic>
+      <p:sp>
+        <p:nvSpPr>
+          <p:cNvPr id="6" name="圆角矩形 4"/>
+          <p:cNvSpPr/>
+          <p:nvPr/>
+        </p:nvSpPr>
+        <p:spPr>
+          <a:xfrm>
+            <a:off x="5506984" y="1739273"/>
+            <a:ext cx="2363978" cy="393608"/>
+          </a:xfrm>
+          <a:prstGeom prst="roundRect">
+            <a:avLst/>
+          </a:prstGeom>
+          <a:solidFill>
+            <a:schemeClr val="accent1">
+              <a:lumMod val="20000"/>
+              <a:lumOff val="80000"/>
+            </a:schemeClr>
+          </a:solidFill>
+          <a:ln w="12700" cmpd="sng">
+            <a:solidFill>
+              <a:schemeClr val="tx1"/>
+            </a:solidFill>
+            <a:prstDash val="solid"/>
+          </a:ln>
+        </p:spPr>
+        <p:style>
+          <a:lnRef idx="2">
+            <a:schemeClr val="accent1">
+              <a:lumMod val="75000"/>
+            </a:schemeClr>
+          </a:lnRef>
+          <a:fillRef idx="1">
+            <a:schemeClr val="accent1"/>
+          </a:fillRef>
+          <a:effectRef idx="0">
+            <a:srgbClr val="FFFFFF"/>
+          </a:effectRef>
+          <a:fontRef idx="minor">
+            <a:schemeClr val="lt1"/>
+          </a:fontRef>
+        </p:style>
+        <p:txBody>
+          <a:bodyPr rtlCol="0" anchor="ctr"/>
+          <a:lstStyle/>
+          <a:p>
+            <a:pPr algn="l"/>
+            <a:r>
+              <a:rPr lang="en-US" sz="1200" i="1">
+                <a:solidFill>
+                  <a:schemeClr val="tx1"/>
+                </a:solidFill>
+                <a:latin typeface="Arial" panose="020B0604020202020204" pitchFamily="34" charset="0"/>
+                <a:cs typeface="Arial" panose="020B0604020202020204" pitchFamily="34" charset="0"/>
+              </a:rPr>
+              <a:t>I</a:t>
+            </a:r>
+            <a:r>
+              <a:rPr lang="en-US" altLang="zh-CN" sz="1200" i="1">
+                <a:solidFill>
+                  <a:schemeClr val="tx1"/>
+                </a:solidFill>
+                <a:latin typeface="Arial" panose="020B0604020202020204" pitchFamily="34" charset="0"/>
+                <a:cs typeface="Arial" panose="020B0604020202020204" pitchFamily="34" charset="0"/>
+              </a:rPr>
+              <a:t>s there any trash in the image?</a:t>
+            </a:r>
+            <a:endParaRPr lang="en-US" sz="1200" i="1">
+              <a:solidFill>
+                <a:schemeClr val="tx1"/>
+              </a:solidFill>
+              <a:latin typeface="Arial" panose="020B0604020202020204" pitchFamily="34" charset="0"/>
+              <a:cs typeface="Arial" panose="020B0604020202020204" pitchFamily="34" charset="0"/>
+            </a:endParaRPr>
+          </a:p>
+        </p:txBody>
+      </p:sp>
+      <p:pic>
+        <p:nvPicPr>
+          <p:cNvPr id="8" name="图片 40" descr="3b343132373631313bc8cbceef"/>
+          <p:cNvPicPr>
+            <a:picLocks noChangeAspect="1"/>
+          </p:cNvPicPr>
+          <p:nvPr/>
+        </p:nvPicPr>
+        <p:blipFill>
+          <a:blip r:embed="rId4">
+            <a:extLst>
+              <a:ext uri="{96DAC541-7B7A-43D3-8B79-37D633B846F1}">
+                <asvg:svgBlip xmlns:asvg="http://schemas.microsoft.com/office/drawing/2016/SVG/main" r:embed="rId5"/>
+              </a:ext>
+            </a:extLst>
+          </a:blip>
+          <a:stretch>
+            <a:fillRect/>
+          </a:stretch>
+        </p:blipFill>
+        <p:spPr>
+          <a:xfrm>
+            <a:off x="8010110" y="1792077"/>
+            <a:ext cx="288000" cy="288000"/>
+          </a:xfrm>
+          <a:prstGeom prst="rect">
+            <a:avLst/>
+          </a:prstGeom>
+        </p:spPr>
+      </p:pic>
+      <p:pic>
+        <p:nvPicPr>
+          <p:cNvPr id="10" name="图形 9" descr="机器人"/>
+          <p:cNvPicPr>
+            <a:picLocks noChangeAspect="1"/>
+          </p:cNvPicPr>
+          <p:nvPr/>
+        </p:nvPicPr>
+        <p:blipFill>
+          <a:blip r:embed="rId6" cstate="print">
+            <a:extLst>
+              <a:ext uri="{28A0092B-C50C-407E-A947-70E740481C1C}">
+                <a14:useLocalDpi xmlns:a14="http://schemas.microsoft.com/office/drawing/2010/main" val="0"/>
+              </a:ext>
+              <a:ext uri="{96DAC541-7B7A-43D3-8B79-37D633B846F1}">
+                <asvg:svgBlip xmlns:asvg="http://schemas.microsoft.com/office/drawing/2016/SVG/main" r:embed="rId7"/>
+              </a:ext>
+            </a:extLst>
+          </a:blip>
+          <a:stretch>
+            <a:fillRect/>
+          </a:stretch>
+        </p:blipFill>
+        <p:spPr>
+          <a:xfrm>
+            <a:off x="3668970" y="2281705"/>
+            <a:ext cx="288000" cy="288000"/>
+          </a:xfrm>
+          <a:prstGeom prst="rect">
+            <a:avLst/>
+          </a:prstGeom>
+        </p:spPr>
+      </p:pic>
+      <p:sp>
+        <p:nvSpPr>
+          <p:cNvPr id="11" name="圆角矩形 4"/>
+          <p:cNvSpPr/>
+          <p:nvPr/>
+        </p:nvSpPr>
+        <p:spPr>
+          <a:xfrm>
+            <a:off x="6131614" y="2698651"/>
+            <a:ext cx="1739348" cy="393608"/>
+          </a:xfrm>
+          <a:prstGeom prst="roundRect">
+            <a:avLst/>
+          </a:prstGeom>
+          <a:solidFill>
+            <a:schemeClr val="accent1">
+              <a:lumMod val="20000"/>
+              <a:lumOff val="80000"/>
+            </a:schemeClr>
+          </a:solidFill>
+          <a:ln w="12700" cmpd="sng">
+            <a:solidFill>
+              <a:schemeClr val="tx1"/>
+            </a:solidFill>
+            <a:prstDash val="solid"/>
+          </a:ln>
+        </p:spPr>
+        <p:style>
+          <a:lnRef idx="2">
+            <a:schemeClr val="accent1">
+              <a:lumMod val="75000"/>
+            </a:schemeClr>
+          </a:lnRef>
+          <a:fillRef idx="1">
+            <a:schemeClr val="accent1"/>
+          </a:fillRef>
+          <a:effectRef idx="0">
+            <a:srgbClr val="FFFFFF"/>
+          </a:effectRef>
+          <a:fontRef idx="minor">
+            <a:schemeClr val="lt1"/>
+          </a:fontRef>
+        </p:style>
+        <p:txBody>
+          <a:bodyPr rtlCol="0" anchor="ctr"/>
+          <a:lstStyle/>
+          <a:p>
+            <a:pPr algn="l"/>
+            <a:r>
+              <a:rPr lang="en-US" sz="1200" i="1">
+                <a:solidFill>
+                  <a:schemeClr val="tx1"/>
+                </a:solidFill>
+                <a:latin typeface="Arial" panose="020B0604020202020204" pitchFamily="34" charset="0"/>
+                <a:cs typeface="Arial" panose="020B0604020202020204" pitchFamily="34" charset="0"/>
+              </a:rPr>
+              <a:t>H</a:t>
+            </a:r>
+            <a:r>
+              <a:rPr lang="en-US" altLang="zh-CN" sz="1200" i="1">
+                <a:solidFill>
+                  <a:schemeClr val="tx1"/>
+                </a:solidFill>
+                <a:latin typeface="Arial" panose="020B0604020202020204" pitchFamily="34" charset="0"/>
+                <a:cs typeface="Arial" panose="020B0604020202020204" pitchFamily="34" charset="0"/>
+              </a:rPr>
+              <a:t>elp me find the trash.</a:t>
+            </a:r>
+            <a:endParaRPr lang="en-US" sz="1200" i="1">
+              <a:solidFill>
+                <a:schemeClr val="tx1"/>
+              </a:solidFill>
+              <a:latin typeface="Arial" panose="020B0604020202020204" pitchFamily="34" charset="0"/>
+              <a:cs typeface="Arial" panose="020B0604020202020204" pitchFamily="34" charset="0"/>
+            </a:endParaRPr>
+          </a:p>
+        </p:txBody>
+      </p:sp>
+      <p:pic>
+        <p:nvPicPr>
+          <p:cNvPr id="12" name="图片 40" descr="3b343132373631313bc8cbceef"/>
+          <p:cNvPicPr>
+            <a:picLocks noChangeAspect="1"/>
+          </p:cNvPicPr>
+          <p:nvPr/>
+        </p:nvPicPr>
+        <p:blipFill>
+          <a:blip r:embed="rId4">
+            <a:extLst>
+              <a:ext uri="{96DAC541-7B7A-43D3-8B79-37D633B846F1}">
+                <asvg:svgBlip xmlns:asvg="http://schemas.microsoft.com/office/drawing/2016/SVG/main" r:embed="rId5"/>
+              </a:ext>
+            </a:extLst>
+          </a:blip>
+          <a:stretch>
+            <a:fillRect/>
+          </a:stretch>
+        </p:blipFill>
+        <p:spPr>
+          <a:xfrm>
+            <a:off x="8010110" y="2751455"/>
+            <a:ext cx="288000" cy="288000"/>
+          </a:xfrm>
+          <a:prstGeom prst="rect">
+            <a:avLst/>
+          </a:prstGeom>
+        </p:spPr>
+      </p:pic>
+      <p:pic>
+        <p:nvPicPr>
+          <p:cNvPr id="13" name="图形 12" descr="机器人"/>
+          <p:cNvPicPr>
+            <a:picLocks noChangeAspect="1"/>
+          </p:cNvPicPr>
+          <p:nvPr/>
+        </p:nvPicPr>
+        <p:blipFill>
+          <a:blip r:embed="rId6" cstate="print">
+            <a:extLst>
+              <a:ext uri="{28A0092B-C50C-407E-A947-70E740481C1C}">
+                <a14:useLocalDpi xmlns:a14="http://schemas.microsoft.com/office/drawing/2010/main" val="0"/>
+              </a:ext>
+              <a:ext uri="{96DAC541-7B7A-43D3-8B79-37D633B846F1}">
+                <asvg:svgBlip xmlns:asvg="http://schemas.microsoft.com/office/drawing/2016/SVG/main" r:embed="rId7"/>
+              </a:ext>
+            </a:extLst>
+          </a:blip>
+          <a:stretch>
+            <a:fillRect/>
+          </a:stretch>
+        </p:blipFill>
+        <p:spPr>
+          <a:xfrm>
+            <a:off x="3668970" y="4178813"/>
+            <a:ext cx="288000" cy="288000"/>
+          </a:xfrm>
+          <a:prstGeom prst="rect">
+            <a:avLst/>
+          </a:prstGeom>
+        </p:spPr>
+      </p:pic>
+      <p:sp>
+        <p:nvSpPr>
+          <p:cNvPr id="14" name="圆角矩形 4"/>
+          <p:cNvSpPr/>
+          <p:nvPr/>
+        </p:nvSpPr>
+        <p:spPr>
+          <a:xfrm>
+            <a:off x="4008680" y="4524512"/>
+            <a:ext cx="3862281" cy="580011"/>
+          </a:xfrm>
+          <a:prstGeom prst="roundRect">
+            <a:avLst/>
+          </a:prstGeom>
+          <a:solidFill>
+            <a:schemeClr val="accent1">
+              <a:lumMod val="20000"/>
+              <a:lumOff val="80000"/>
+            </a:schemeClr>
+          </a:solidFill>
+          <a:ln w="12700" cmpd="sng">
+            <a:solidFill>
+              <a:schemeClr val="tx1"/>
+            </a:solidFill>
+            <a:prstDash val="solid"/>
+          </a:ln>
+        </p:spPr>
+        <p:style>
+          <a:lnRef idx="2">
+            <a:schemeClr val="accent1">
+              <a:lumMod val="75000"/>
+            </a:schemeClr>
+          </a:lnRef>
+          <a:fillRef idx="1">
+            <a:schemeClr val="accent1"/>
+          </a:fillRef>
+          <a:effectRef idx="0">
+            <a:srgbClr val="FFFFFF"/>
+          </a:effectRef>
+          <a:fontRef idx="minor">
+            <a:schemeClr val="lt1"/>
+          </a:fontRef>
+        </p:style>
+        <p:txBody>
+          <a:bodyPr rtlCol="0" anchor="ctr"/>
+          <a:lstStyle/>
+          <a:p>
+            <a:pPr algn="l"/>
+            <a:r>
+              <a:rPr lang="en-US" sz="1200" i="1">
+                <a:solidFill>
+                  <a:schemeClr val="tx1"/>
+                </a:solidFill>
+                <a:latin typeface="Arial" panose="020B0604020202020204" pitchFamily="34" charset="0"/>
+                <a:cs typeface="Arial" panose="020B0604020202020204" pitchFamily="34" charset="0"/>
+              </a:rPr>
+              <a:t>How to deal with illegal dumping of </a:t>
+            </a:r>
+            <a:r>
+              <a:rPr lang="en-US" altLang="zh-CN" sz="1200" i="1">
+                <a:solidFill>
+                  <a:schemeClr val="tx1"/>
+                </a:solidFill>
+                <a:latin typeface="Arial" panose="020B0604020202020204" pitchFamily="34" charset="0"/>
+                <a:cs typeface="Arial" panose="020B0604020202020204" pitchFamily="34" charset="0"/>
+              </a:rPr>
+              <a:t>trash</a:t>
+            </a:r>
+            <a:r>
+              <a:rPr lang="en-US" sz="1200" i="1">
+                <a:solidFill>
+                  <a:schemeClr val="tx1"/>
+                </a:solidFill>
+                <a:latin typeface="Arial" panose="020B0604020202020204" pitchFamily="34" charset="0"/>
+                <a:cs typeface="Arial" panose="020B0604020202020204" pitchFamily="34" charset="0"/>
+              </a:rPr>
+              <a:t> according to regulations? *</a:t>
+            </a:r>
+          </a:p>
+        </p:txBody>
+      </p:sp>
+      <p:pic>
+        <p:nvPicPr>
+          <p:cNvPr id="15" name="图片 40" descr="3b343132373631313bc8cbceef"/>
+          <p:cNvPicPr>
+            <a:picLocks noChangeAspect="1"/>
+          </p:cNvPicPr>
+          <p:nvPr/>
+        </p:nvPicPr>
+        <p:blipFill>
+          <a:blip r:embed="rId4">
+            <a:extLst>
+              <a:ext uri="{96DAC541-7B7A-43D3-8B79-37D633B846F1}">
+                <asvg:svgBlip xmlns:asvg="http://schemas.microsoft.com/office/drawing/2016/SVG/main" r:embed="rId5"/>
+              </a:ext>
+            </a:extLst>
+          </a:blip>
+          <a:stretch>
+            <a:fillRect/>
+          </a:stretch>
+        </p:blipFill>
+        <p:spPr>
+          <a:xfrm>
+            <a:off x="8010109" y="4670517"/>
+            <a:ext cx="288000" cy="288000"/>
+          </a:xfrm>
+          <a:prstGeom prst="rect">
+            <a:avLst/>
+          </a:prstGeom>
+        </p:spPr>
+      </p:pic>
+      <p:sp>
+        <p:nvSpPr>
+          <p:cNvPr id="16" name="圆角矩形 59"/>
+          <p:cNvSpPr/>
+          <p:nvPr/>
+        </p:nvSpPr>
+        <p:spPr>
+          <a:xfrm>
+            <a:off x="4008680" y="5162222"/>
+            <a:ext cx="3862281" cy="1312797"/>
+          </a:xfrm>
+          <a:prstGeom prst="roundRect">
+            <a:avLst/>
+          </a:prstGeom>
+          <a:solidFill>
+            <a:schemeClr val="accent3">
+              <a:lumMod val="20000"/>
+              <a:lumOff val="80000"/>
+            </a:schemeClr>
+          </a:solidFill>
+          <a:ln w="25400" cmpd="sng">
+            <a:solidFill>
+              <a:schemeClr val="accent3">
+                <a:lumMod val="60000"/>
+                <a:lumOff val="40000"/>
+              </a:schemeClr>
+            </a:solidFill>
+            <a:prstDash val="dash"/>
+          </a:ln>
+        </p:spPr>
+        <p:style>
+          <a:lnRef idx="2">
+            <a:schemeClr val="accent1">
+              <a:lumMod val="75000"/>
+            </a:schemeClr>
+          </a:lnRef>
+          <a:fillRef idx="1">
+            <a:schemeClr val="accent1"/>
+          </a:fillRef>
+          <a:effectRef idx="0">
+            <a:srgbClr val="FFFFFF"/>
+          </a:effectRef>
+          <a:fontRef idx="minor">
+            <a:schemeClr val="lt1"/>
+          </a:fontRef>
+        </p:style>
+        <p:txBody>
+          <a:bodyPr rtlCol="0" anchor="ctr"/>
+          <a:lstStyle/>
+          <a:p>
+            <a:r>
+              <a:rPr lang="en-US" altLang="zh-CN" sz="1200" b="0" i="0">
+                <a:solidFill>
+                  <a:schemeClr val="tx1"/>
+                </a:solidFill>
+                <a:effectLst/>
+                <a:latin typeface="Arial" panose="020B0604020202020204" pitchFamily="34" charset="0"/>
+                <a:cs typeface="Arial" panose="020B0604020202020204" pitchFamily="34" charset="0"/>
+              </a:rPr>
+              <a:t>Upon order to rectify by the Department of Household Waste Management, a fine of not less than five thousand yuan and not more than fifty thousand yuan may be imposed; for serious cases, a fine of not less than fifty thousand yuan and not more than five hundred thousand yuan shall be imposed.</a:t>
+            </a:r>
+            <a:r>
+              <a:rPr lang="en-US" altLang="zh-CN" sz="1200" kern="100">
+                <a:solidFill>
+                  <a:schemeClr val="tx1"/>
+                </a:solidFill>
+                <a:effectLst/>
+                <a:latin typeface="Arial" panose="020B0604020202020204" pitchFamily="34" charset="0"/>
+                <a:ea typeface="宋体" panose="02010600030101010101" pitchFamily="2" charset="-122"/>
+                <a:cs typeface="Arial" panose="020B0604020202020204" pitchFamily="34" charset="0"/>
+              </a:rPr>
+              <a:t> *</a:t>
+            </a:r>
+          </a:p>
+        </p:txBody>
+      </p:sp>
+      <p:pic>
+        <p:nvPicPr>
+          <p:cNvPr id="17" name="图形 16" descr="机器人"/>
+          <p:cNvPicPr>
+            <a:picLocks noChangeAspect="1"/>
+          </p:cNvPicPr>
+          <p:nvPr/>
+        </p:nvPicPr>
+        <p:blipFill>
+          <a:blip r:embed="rId6" cstate="print">
+            <a:extLst>
+              <a:ext uri="{28A0092B-C50C-407E-A947-70E740481C1C}">
+                <a14:useLocalDpi xmlns:a14="http://schemas.microsoft.com/office/drawing/2010/main" val="0"/>
+              </a:ext>
+              <a:ext uri="{96DAC541-7B7A-43D3-8B79-37D633B846F1}">
+                <asvg:svgBlip xmlns:asvg="http://schemas.microsoft.com/office/drawing/2016/SVG/main" r:embed="rId7"/>
+              </a:ext>
+            </a:extLst>
+          </a:blip>
+          <a:stretch>
+            <a:fillRect/>
+          </a:stretch>
+        </p:blipFill>
+        <p:spPr>
+          <a:xfrm>
+            <a:off x="3692887" y="6187019"/>
+            <a:ext cx="288000" cy="288000"/>
+          </a:xfrm>
+          <a:prstGeom prst="rect">
+            <a:avLst/>
+          </a:prstGeom>
         </p:spPr>
       </p:pic>
     </p:spTree>
@@ -11312,8 +11813,8 @@
         </p:nvSpPr>
         <p:spPr>
           <a:xfrm>
-            <a:off x="4013650" y="1764952"/>
-            <a:ext cx="3624571" cy="431820"/>
+            <a:off x="4008681" y="2198908"/>
+            <a:ext cx="3862281" cy="431820"/>
           </a:xfrm>
           <a:prstGeom prst="roundRect">
             <a:avLst/>
@@ -11372,17 +11873,8 @@
                 <a:ea typeface="宋体" panose="02010600030101010101" pitchFamily="2" charset="-122"/>
                 <a:cs typeface="Arial" panose="020B0604020202020204" pitchFamily="34" charset="0"/>
               </a:rPr>
-              <a:t>Yes, there are several street vendors in the image.</a:t>
-            </a:r>
-            <a:endParaRPr lang="en-US" altLang="zh-CN" sz="1200" kern="100">
-              <a:solidFill>
-                <a:schemeClr val="tx1"/>
-              </a:solidFill>
-              <a:effectLst/>
-              <a:latin typeface="Arial" panose="020B0604020202020204" pitchFamily="34" charset="0"/>
-              <a:ea typeface="宋体" panose="02010600030101010101" pitchFamily="2" charset="-122"/>
-              <a:cs typeface="Arial" panose="020B0604020202020204" pitchFamily="34" charset="0"/>
-            </a:endParaRPr>
+              <a:t>Yes, there is clothing hanging on a clothesline in the image.</a:t>
+            </a:r>
           </a:p>
         </p:txBody>
       </p:sp>
@@ -11394,8 +11886,8 @@
         </p:nvSpPr>
         <p:spPr>
           <a:xfrm>
-            <a:off x="4840355" y="1305317"/>
-            <a:ext cx="3035575" cy="393608"/>
+            <a:off x="4686300" y="1739273"/>
+            <a:ext cx="3184662" cy="393608"/>
           </a:xfrm>
           <a:prstGeom prst="roundRect">
             <a:avLst/>
@@ -11451,17 +11943,8 @@
                 <a:ea typeface="宋体" panose="02010600030101010101" pitchFamily="2" charset="-122"/>
                 <a:cs typeface="Arial" panose="020B0604020202020204" pitchFamily="34" charset="0"/>
               </a:rPr>
-              <a:t>Is there any street vendors in the picture?</a:t>
-            </a:r>
-            <a:endParaRPr lang="en-US" altLang="zh-CN" sz="1200" i="1" kern="100">
-              <a:solidFill>
-                <a:schemeClr val="tx1"/>
-              </a:solidFill>
-              <a:effectLst/>
-              <a:latin typeface="Arial" panose="020B0604020202020204" pitchFamily="34" charset="0"/>
-              <a:ea typeface="宋体" panose="02010600030101010101" pitchFamily="2" charset="-122"/>
-              <a:cs typeface="Arial" panose="020B0604020202020204" pitchFamily="34" charset="0"/>
-            </a:endParaRPr>
+              <a:t>Is there any clothing hanging in the picture?</a:t>
+            </a:r>
           </a:p>
         </p:txBody>
       </p:sp>
@@ -11474,10 +11957,10 @@
           <p:nvPr/>
         </p:nvPicPr>
         <p:blipFill>
-          <a:blip r:embed="rId1">
+          <a:blip r:embed="rId2">
             <a:extLst>
               <a:ext uri="{96DAC541-7B7A-43D3-8B79-37D633B846F1}">
-                <asvg:svgBlip xmlns:asvg="http://schemas.microsoft.com/office/drawing/2016/SVG/main" r:embed="rId2"/>
+                <asvg:svgBlip xmlns:asvg="http://schemas.microsoft.com/office/drawing/2016/SVG/main" r:embed="rId3"/>
               </a:ext>
             </a:extLst>
           </a:blip>
@@ -11487,7 +11970,7 @@
         </p:blipFill>
         <p:spPr>
           <a:xfrm>
-            <a:off x="8015079" y="1358121"/>
+            <a:off x="8010110" y="1792077"/>
             <a:ext cx="288000" cy="288000"/>
           </a:xfrm>
           <a:prstGeom prst="rect">
@@ -11504,13 +11987,13 @@
           <p:nvPr/>
         </p:nvPicPr>
         <p:blipFill>
-          <a:blip r:embed="rId3" cstate="print">
+          <a:blip r:embed="rId4" cstate="print">
             <a:extLst>
               <a:ext uri="{28A0092B-C50C-407E-A947-70E740481C1C}">
                 <a14:useLocalDpi xmlns:a14="http://schemas.microsoft.com/office/drawing/2010/main" val="0"/>
               </a:ext>
               <a:ext uri="{96DAC541-7B7A-43D3-8B79-37D633B846F1}">
-                <asvg:svgBlip xmlns:asvg="http://schemas.microsoft.com/office/drawing/2016/SVG/main" r:embed="rId4"/>
+                <asvg:svgBlip xmlns:asvg="http://schemas.microsoft.com/office/drawing/2016/SVG/main" r:embed="rId5"/>
               </a:ext>
             </a:extLst>
           </a:blip>
@@ -11520,7 +12003,7 @@
         </p:blipFill>
         <p:spPr>
           <a:xfrm>
-            <a:off x="3673939" y="1847749"/>
+            <a:off x="3668970" y="2281705"/>
             <a:ext cx="288000" cy="288000"/>
           </a:xfrm>
           <a:prstGeom prst="rect">
@@ -11536,8 +12019,8 @@
         </p:nvSpPr>
         <p:spPr>
           <a:xfrm>
-            <a:off x="5759726" y="2262799"/>
-            <a:ext cx="2116205" cy="393608"/>
+            <a:off x="5630517" y="2696755"/>
+            <a:ext cx="2240445" cy="393608"/>
           </a:xfrm>
           <a:prstGeom prst="roundRect">
             <a:avLst/>
@@ -11594,7 +12077,7 @@
                 <a:latin typeface="Arial" panose="020B0604020202020204" pitchFamily="34" charset="0"/>
                 <a:cs typeface="Arial" panose="020B0604020202020204" pitchFamily="34" charset="0"/>
               </a:rPr>
-              <a:t>elp me find street vendors.</a:t>
+              <a:t>elp me detect cloth hanging.</a:t>
             </a:r>
             <a:endParaRPr lang="en-US" sz="1200" i="1">
               <a:solidFill>
@@ -11615,10 +12098,10 @@
           <p:nvPr/>
         </p:nvPicPr>
         <p:blipFill>
-          <a:blip r:embed="rId1">
+          <a:blip r:embed="rId2">
             <a:extLst>
               <a:ext uri="{96DAC541-7B7A-43D3-8B79-37D633B846F1}">
-                <asvg:svgBlip xmlns:asvg="http://schemas.microsoft.com/office/drawing/2016/SVG/main" r:embed="rId2"/>
+                <asvg:svgBlip xmlns:asvg="http://schemas.microsoft.com/office/drawing/2016/SVG/main" r:embed="rId3"/>
               </a:ext>
             </a:extLst>
           </a:blip>
@@ -11628,7 +12111,7 @@
         </p:blipFill>
         <p:spPr>
           <a:xfrm>
-            <a:off x="8015079" y="2315603"/>
+            <a:off x="8010110" y="2749559"/>
             <a:ext cx="288000" cy="288000"/>
           </a:xfrm>
           <a:prstGeom prst="rect">
@@ -11645,13 +12128,13 @@
           <p:nvPr/>
         </p:nvPicPr>
         <p:blipFill>
-          <a:blip r:embed="rId3" cstate="print">
+          <a:blip r:embed="rId4" cstate="print">
             <a:extLst>
               <a:ext uri="{28A0092B-C50C-407E-A947-70E740481C1C}">
                 <a14:useLocalDpi xmlns:a14="http://schemas.microsoft.com/office/drawing/2010/main" val="0"/>
               </a:ext>
               <a:ext uri="{96DAC541-7B7A-43D3-8B79-37D633B846F1}">
-                <asvg:svgBlip xmlns:asvg="http://schemas.microsoft.com/office/drawing/2016/SVG/main" r:embed="rId4"/>
+                <asvg:svgBlip xmlns:asvg="http://schemas.microsoft.com/office/drawing/2016/SVG/main" r:embed="rId5"/>
               </a:ext>
             </a:extLst>
           </a:blip>
@@ -11661,7 +12144,7 @@
         </p:blipFill>
         <p:spPr>
           <a:xfrm>
-            <a:off x="3671812" y="3415037"/>
+            <a:off x="3668970" y="3958099"/>
             <a:ext cx="288000" cy="288000"/>
           </a:xfrm>
           <a:prstGeom prst="rect">
@@ -11677,7 +12160,7 @@
         </p:nvSpPr>
         <p:spPr>
           <a:xfrm>
-            <a:off x="4492485" y="3755398"/>
+            <a:off x="4487516" y="4288296"/>
             <a:ext cx="3383445" cy="580011"/>
           </a:xfrm>
           <a:prstGeom prst="roundRect">
@@ -11725,15 +12208,8 @@
                 <a:latin typeface="Arial" panose="020B0604020202020204" pitchFamily="34" charset="0"/>
                 <a:cs typeface="Arial" panose="020B0604020202020204" pitchFamily="34" charset="0"/>
               </a:rPr>
-              <a:t>How to deal with street vendors according to regulations? *</a:t>
-            </a:r>
-            <a:endParaRPr lang="en-US" sz="1200" i="1">
-              <a:solidFill>
-                <a:schemeClr val="tx1"/>
-              </a:solidFill>
-              <a:latin typeface="Arial" panose="020B0604020202020204" pitchFamily="34" charset="0"/>
-              <a:cs typeface="Arial" panose="020B0604020202020204" pitchFamily="34" charset="0"/>
-            </a:endParaRPr>
+              <a:t>How to deal with illegal cloth hanging or drying according to regulations? *</a:t>
+            </a:r>
           </a:p>
         </p:txBody>
       </p:sp>
@@ -11746,10 +12222,10 @@
           <p:nvPr/>
         </p:nvPicPr>
         <p:blipFill>
-          <a:blip r:embed="rId1">
+          <a:blip r:embed="rId2">
             <a:extLst>
               <a:ext uri="{96DAC541-7B7A-43D3-8B79-37D633B846F1}">
-                <asvg:svgBlip xmlns:asvg="http://schemas.microsoft.com/office/drawing/2016/SVG/main" r:embed="rId2"/>
+                <asvg:svgBlip xmlns:asvg="http://schemas.microsoft.com/office/drawing/2016/SVG/main" r:embed="rId3"/>
               </a:ext>
             </a:extLst>
           </a:blip>
@@ -11759,7 +12235,7 @@
         </p:blipFill>
         <p:spPr>
           <a:xfrm>
-            <a:off x="8015079" y="3901403"/>
+            <a:off x="8010110" y="4434301"/>
             <a:ext cx="288000" cy="288000"/>
           </a:xfrm>
           <a:prstGeom prst="rect">
@@ -11775,8 +12251,8 @@
         </p:nvSpPr>
         <p:spPr>
           <a:xfrm>
-            <a:off x="4013649" y="4416261"/>
-            <a:ext cx="3862281" cy="2003488"/>
+            <a:off x="4008680" y="4938995"/>
+            <a:ext cx="3862281" cy="1024797"/>
           </a:xfrm>
           <a:prstGeom prst="roundRect">
             <a:avLst/>
@@ -11826,7 +12302,7 @@
                 <a:latin typeface="Arial" panose="020B0604020202020204" pitchFamily="34" charset="0"/>
                 <a:cs typeface="Arial" panose="020B0604020202020204" pitchFamily="34" charset="0"/>
               </a:rPr>
-              <a:t>If it is found that a vendor violates the provisions of Article 15, Paragraph 1, Item 1 of these regulations, operating outside of the designated locations, areas, places, or times, shall be punished by comprehensive administrative law enforcement and other relevant departments in accordance with relevant laws and regulations. If it is found that a vendor violates the provisions of Article 15, Paragraph 1, Items 2 to 8 of these regulations, it shall be handled by food safety supervision. *</a:t>
+              <a:t>In violation of the provisions stated in the first clause herein, failure to rectify shall result in a fine of no less than five hundred yuan and no more than three thousand yuan imposed on the establishment or managing entity. *</a:t>
             </a:r>
             <a:endParaRPr lang="en-US" altLang="zh-CN" sz="1200" kern="100">
               <a:solidFill>
@@ -11849,13 +12325,13 @@
           <p:nvPr/>
         </p:nvPicPr>
         <p:blipFill>
-          <a:blip r:embed="rId3" cstate="print">
+          <a:blip r:embed="rId4" cstate="print">
             <a:extLst>
               <a:ext uri="{28A0092B-C50C-407E-A947-70E740481C1C}">
                 <a14:useLocalDpi xmlns:a14="http://schemas.microsoft.com/office/drawing/2010/main" val="0"/>
               </a:ext>
               <a:ext uri="{96DAC541-7B7A-43D3-8B79-37D633B846F1}">
-                <asvg:svgBlip xmlns:asvg="http://schemas.microsoft.com/office/drawing/2016/SVG/main" r:embed="rId4"/>
+                <asvg:svgBlip xmlns:asvg="http://schemas.microsoft.com/office/drawing/2016/SVG/main" r:embed="rId5"/>
               </a:ext>
             </a:extLst>
           </a:blip>
@@ -11865,7 +12341,7 @@
         </p:blipFill>
         <p:spPr>
           <a:xfrm>
-            <a:off x="3673939" y="5153057"/>
+            <a:off x="3668970" y="5675792"/>
             <a:ext cx="288000" cy="288000"/>
           </a:xfrm>
           <a:prstGeom prst="rect">
@@ -11875,48 +12351,7 @@
       </p:pic>
       <p:pic>
         <p:nvPicPr>
-          <p:cNvPr id="4098" name="Picture 2"/>
-          <p:cNvPicPr>
-            <a:picLocks noChangeAspect="1" noChangeArrowheads="1"/>
-          </p:cNvPicPr>
-          <p:nvPr/>
-        </p:nvPicPr>
-        <p:blipFill>
-          <a:blip r:embed="rId5" cstate="print">
-            <a:extLst>
-              <a:ext uri="{28A0092B-C50C-407E-A947-70E740481C1C}">
-                <a14:useLocalDpi xmlns:a14="http://schemas.microsoft.com/office/drawing/2010/main" val="0"/>
-              </a:ext>
-            </a:extLst>
-          </a:blip>
-          <a:srcRect/>
-          <a:stretch>
-            <a:fillRect/>
-          </a:stretch>
-        </p:blipFill>
-        <p:spPr bwMode="auto">
-          <a:xfrm>
-            <a:off x="6470146" y="300148"/>
-            <a:ext cx="1405784" cy="934481"/>
-          </a:xfrm>
-          <a:prstGeom prst="rect">
-            <a:avLst/>
-          </a:prstGeom>
-          <a:noFill/>
-          <a:extLst>
-            <a:ext uri="{909E8E84-426E-40DD-AFC4-6F175D3DCCD1}">
-              <a14:hiddenFill xmlns:a14="http://schemas.microsoft.com/office/drawing/2010/main">
-                <a:solidFill>
-                  <a:srgbClr val="FFFFFF"/>
-                </a:solidFill>
-              </a14:hiddenFill>
-            </a:ext>
-          </a:extLst>
-        </p:spPr>
-      </p:pic>
-      <p:pic>
-        <p:nvPicPr>
-          <p:cNvPr id="4100" name="Picture 4"/>
+          <p:cNvPr id="3074" name="Picture 2"/>
           <p:cNvPicPr>
             <a:picLocks noChangeAspect="1" noChangeArrowheads="1"/>
           </p:cNvPicPr>
@@ -11937,8 +12372,8 @@
         </p:blipFill>
         <p:spPr bwMode="auto">
           <a:xfrm>
-            <a:off x="4011522" y="2740065"/>
-            <a:ext cx="1405784" cy="934481"/>
+            <a:off x="6742870" y="585444"/>
+            <a:ext cx="1128091" cy="1087802"/>
           </a:xfrm>
           <a:prstGeom prst="rect">
             <a:avLst/>
@@ -11955,6 +12390,698 @@
           </a:extLst>
         </p:spPr>
       </p:pic>
+      <p:pic>
+        <p:nvPicPr>
+          <p:cNvPr id="3078" name="Picture 6"/>
+          <p:cNvPicPr>
+            <a:picLocks noChangeAspect="1" noChangeArrowheads="1"/>
+          </p:cNvPicPr>
+          <p:nvPr/>
+        </p:nvPicPr>
+        <p:blipFill>
+          <a:blip r:embed="rId7" cstate="print">
+            <a:extLst>
+              <a:ext uri="{28A0092B-C50C-407E-A947-70E740481C1C}">
+                <a14:useLocalDpi xmlns:a14="http://schemas.microsoft.com/office/drawing/2010/main" val="0"/>
+              </a:ext>
+            </a:extLst>
+          </a:blip>
+          <a:srcRect/>
+          <a:stretch>
+            <a:fillRect/>
+          </a:stretch>
+        </p:blipFill>
+        <p:spPr bwMode="auto">
+          <a:xfrm>
+            <a:off x="4008680" y="3158297"/>
+            <a:ext cx="1128091" cy="1087802"/>
+          </a:xfrm>
+          <a:prstGeom prst="rect">
+            <a:avLst/>
+          </a:prstGeom>
+          <a:noFill/>
+          <a:extLst>
+            <a:ext uri="{909E8E84-426E-40DD-AFC4-6F175D3DCCD1}">
+              <a14:hiddenFill xmlns:a14="http://schemas.microsoft.com/office/drawing/2010/main">
+                <a:solidFill>
+                  <a:srgbClr val="FFFFFF"/>
+                </a:solidFill>
+              </a14:hiddenFill>
+            </a:ext>
+          </a:extLst>
+        </p:spPr>
+      </p:pic>
+    </p:spTree>
+  </p:cSld>
+  <p:clrMapOvr>
+    <a:masterClrMapping/>
+  </p:clrMapOvr>
+</p:sld>
+</file>
+
+<file path=ppt/slides/slide9.xml><?xml version="1.0" encoding="utf-8"?>
+<p:sld xmlns:a="http://schemas.openxmlformats.org/drawingml/2006/main" xmlns:r="http://schemas.openxmlformats.org/officeDocument/2006/relationships" xmlns:p="http://schemas.openxmlformats.org/presentationml/2006/main">
+  <p:cSld>
+    <p:spTree>
+      <p:nvGrpSpPr>
+        <p:cNvPr id="1" name=""/>
+        <p:cNvGrpSpPr/>
+        <p:nvPr/>
+      </p:nvGrpSpPr>
+      <p:grpSpPr>
+        <a:xfrm>
+          <a:off x="0" y="0"/>
+          <a:ext cx="0" cy="0"/>
+          <a:chOff x="0" y="0"/>
+          <a:chExt cx="0" cy="0"/>
+        </a:xfrm>
+      </p:grpSpPr>
+      <p:sp>
+        <p:nvSpPr>
+          <p:cNvPr id="3" name="圆角矩形 59"/>
+          <p:cNvSpPr/>
+          <p:nvPr/>
+        </p:nvSpPr>
+        <p:spPr>
+          <a:xfrm>
+            <a:off x="4013650" y="1764952"/>
+            <a:ext cx="3624571" cy="431820"/>
+          </a:xfrm>
+          <a:prstGeom prst="roundRect">
+            <a:avLst/>
+          </a:prstGeom>
+          <a:solidFill>
+            <a:schemeClr val="accent3">
+              <a:lumMod val="20000"/>
+              <a:lumOff val="80000"/>
+            </a:schemeClr>
+          </a:solidFill>
+          <a:ln w="25400" cmpd="sng">
+            <a:solidFill>
+              <a:schemeClr val="accent3">
+                <a:lumMod val="60000"/>
+                <a:lumOff val="40000"/>
+              </a:schemeClr>
+            </a:solidFill>
+            <a:prstDash val="dash"/>
+          </a:ln>
+        </p:spPr>
+        <p:style>
+          <a:lnRef idx="2">
+            <a:schemeClr val="accent1">
+              <a:lumMod val="75000"/>
+            </a:schemeClr>
+          </a:lnRef>
+          <a:fillRef idx="1">
+            <a:schemeClr val="accent1"/>
+          </a:fillRef>
+          <a:effectRef idx="0">
+            <a:srgbClr val="FFFFFF"/>
+          </a:effectRef>
+          <a:fontRef idx="minor">
+            <a:schemeClr val="lt1"/>
+          </a:fontRef>
+        </p:style>
+        <p:txBody>
+          <a:bodyPr rtlCol="0" anchor="ctr"/>
+          <a:lstStyle/>
+          <a:p>
+            <a:pPr marL="0" marR="0" algn="just">
+              <a:spcBef>
+                <a:spcPts val="0"/>
+              </a:spcBef>
+              <a:spcAft>
+                <a:spcPts val="0"/>
+              </a:spcAft>
+            </a:pPr>
+            <a:r>
+              <a:rPr lang="en-US" altLang="zh-CN" sz="1200" kern="100">
+                <a:solidFill>
+                  <a:schemeClr val="tx1"/>
+                </a:solidFill>
+                <a:effectLst/>
+                <a:latin typeface="Arial" panose="020B0604020202020204" pitchFamily="34" charset="0"/>
+                <a:ea typeface="宋体" panose="02010600030101010101" pitchFamily="2" charset="-122"/>
+                <a:cs typeface="Arial" panose="020B0604020202020204" pitchFamily="34" charset="0"/>
+              </a:rPr>
+              <a:t>Yes, there are several street vendors in the image.</a:t>
+            </a:r>
+          </a:p>
+        </p:txBody>
+      </p:sp>
+      <p:sp>
+        <p:nvSpPr>
+          <p:cNvPr id="6" name="圆角矩形 4"/>
+          <p:cNvSpPr/>
+          <p:nvPr/>
+        </p:nvSpPr>
+        <p:spPr>
+          <a:xfrm>
+            <a:off x="4840355" y="1305317"/>
+            <a:ext cx="3035575" cy="393608"/>
+          </a:xfrm>
+          <a:prstGeom prst="roundRect">
+            <a:avLst/>
+          </a:prstGeom>
+          <a:solidFill>
+            <a:schemeClr val="accent1">
+              <a:lumMod val="20000"/>
+              <a:lumOff val="80000"/>
+            </a:schemeClr>
+          </a:solidFill>
+          <a:ln w="12700" cmpd="sng">
+            <a:solidFill>
+              <a:schemeClr val="tx1"/>
+            </a:solidFill>
+            <a:prstDash val="solid"/>
+          </a:ln>
+        </p:spPr>
+        <p:style>
+          <a:lnRef idx="2">
+            <a:schemeClr val="accent1">
+              <a:lumMod val="75000"/>
+            </a:schemeClr>
+          </a:lnRef>
+          <a:fillRef idx="1">
+            <a:schemeClr val="accent1"/>
+          </a:fillRef>
+          <a:effectRef idx="0">
+            <a:srgbClr val="FFFFFF"/>
+          </a:effectRef>
+          <a:fontRef idx="minor">
+            <a:schemeClr val="lt1"/>
+          </a:fontRef>
+        </p:style>
+        <p:txBody>
+          <a:bodyPr rtlCol="0" anchor="ctr"/>
+          <a:lstStyle/>
+          <a:p>
+            <a:pPr marL="0" marR="0" algn="just">
+              <a:spcBef>
+                <a:spcPts val="0"/>
+              </a:spcBef>
+              <a:spcAft>
+                <a:spcPts val="0"/>
+              </a:spcAft>
+            </a:pPr>
+            <a:r>
+              <a:rPr lang="en-US" altLang="zh-CN" sz="1200" i="1" kern="100">
+                <a:solidFill>
+                  <a:schemeClr val="tx1"/>
+                </a:solidFill>
+                <a:effectLst/>
+                <a:latin typeface="Arial" panose="020B0604020202020204" pitchFamily="34" charset="0"/>
+                <a:ea typeface="宋体" panose="02010600030101010101" pitchFamily="2" charset="-122"/>
+                <a:cs typeface="Arial" panose="020B0604020202020204" pitchFamily="34" charset="0"/>
+              </a:rPr>
+              <a:t>Is there any street vendors in the picture?</a:t>
+            </a:r>
+          </a:p>
+        </p:txBody>
+      </p:sp>
+      <p:pic>
+        <p:nvPicPr>
+          <p:cNvPr id="8" name="图片 40" descr="3b343132373631313bc8cbceef"/>
+          <p:cNvPicPr>
+            <a:picLocks noChangeAspect="1"/>
+          </p:cNvPicPr>
+          <p:nvPr/>
+        </p:nvPicPr>
+        <p:blipFill>
+          <a:blip r:embed="rId2">
+            <a:extLst>
+              <a:ext uri="{96DAC541-7B7A-43D3-8B79-37D633B846F1}">
+                <asvg:svgBlip xmlns:asvg="http://schemas.microsoft.com/office/drawing/2016/SVG/main" r:embed="rId3"/>
+              </a:ext>
+            </a:extLst>
+          </a:blip>
+          <a:stretch>
+            <a:fillRect/>
+          </a:stretch>
+        </p:blipFill>
+        <p:spPr>
+          <a:xfrm>
+            <a:off x="8015079" y="1358121"/>
+            <a:ext cx="288000" cy="288000"/>
+          </a:xfrm>
+          <a:prstGeom prst="rect">
+            <a:avLst/>
+          </a:prstGeom>
+        </p:spPr>
+      </p:pic>
+      <p:pic>
+        <p:nvPicPr>
+          <p:cNvPr id="10" name="图形 9" descr="机器人"/>
+          <p:cNvPicPr>
+            <a:picLocks noChangeAspect="1"/>
+          </p:cNvPicPr>
+          <p:nvPr/>
+        </p:nvPicPr>
+        <p:blipFill>
+          <a:blip r:embed="rId4" cstate="print">
+            <a:extLst>
+              <a:ext uri="{28A0092B-C50C-407E-A947-70E740481C1C}">
+                <a14:useLocalDpi xmlns:a14="http://schemas.microsoft.com/office/drawing/2010/main" val="0"/>
+              </a:ext>
+              <a:ext uri="{96DAC541-7B7A-43D3-8B79-37D633B846F1}">
+                <asvg:svgBlip xmlns:asvg="http://schemas.microsoft.com/office/drawing/2016/SVG/main" r:embed="rId5"/>
+              </a:ext>
+            </a:extLst>
+          </a:blip>
+          <a:stretch>
+            <a:fillRect/>
+          </a:stretch>
+        </p:blipFill>
+        <p:spPr>
+          <a:xfrm>
+            <a:off x="3673939" y="1847749"/>
+            <a:ext cx="288000" cy="288000"/>
+          </a:xfrm>
+          <a:prstGeom prst="rect">
+            <a:avLst/>
+          </a:prstGeom>
+        </p:spPr>
+      </p:pic>
+      <p:sp>
+        <p:nvSpPr>
+          <p:cNvPr id="11" name="圆角矩形 4"/>
+          <p:cNvSpPr/>
+          <p:nvPr/>
+        </p:nvSpPr>
+        <p:spPr>
+          <a:xfrm>
+            <a:off x="5759726" y="2262799"/>
+            <a:ext cx="2116205" cy="393608"/>
+          </a:xfrm>
+          <a:prstGeom prst="roundRect">
+            <a:avLst/>
+          </a:prstGeom>
+          <a:solidFill>
+            <a:schemeClr val="accent1">
+              <a:lumMod val="20000"/>
+              <a:lumOff val="80000"/>
+            </a:schemeClr>
+          </a:solidFill>
+          <a:ln w="12700" cmpd="sng">
+            <a:solidFill>
+              <a:schemeClr val="tx1"/>
+            </a:solidFill>
+            <a:prstDash val="solid"/>
+          </a:ln>
+        </p:spPr>
+        <p:style>
+          <a:lnRef idx="2">
+            <a:schemeClr val="accent1">
+              <a:lumMod val="75000"/>
+            </a:schemeClr>
+          </a:lnRef>
+          <a:fillRef idx="1">
+            <a:schemeClr val="accent1"/>
+          </a:fillRef>
+          <a:effectRef idx="0">
+            <a:srgbClr val="FFFFFF"/>
+          </a:effectRef>
+          <a:fontRef idx="minor">
+            <a:schemeClr val="lt1"/>
+          </a:fontRef>
+        </p:style>
+        <p:txBody>
+          <a:bodyPr rtlCol="0" anchor="ctr"/>
+          <a:lstStyle/>
+          <a:p>
+            <a:pPr algn="l"/>
+            <a:r>
+              <a:rPr lang="en-US" sz="1200" i="1">
+                <a:solidFill>
+                  <a:schemeClr val="tx1"/>
+                </a:solidFill>
+                <a:latin typeface="Arial" panose="020B0604020202020204" pitchFamily="34" charset="0"/>
+                <a:cs typeface="Arial" panose="020B0604020202020204" pitchFamily="34" charset="0"/>
+              </a:rPr>
+              <a:t>H</a:t>
+            </a:r>
+            <a:r>
+              <a:rPr lang="en-US" altLang="zh-CN" sz="1200" i="1">
+                <a:solidFill>
+                  <a:schemeClr val="tx1"/>
+                </a:solidFill>
+                <a:latin typeface="Arial" panose="020B0604020202020204" pitchFamily="34" charset="0"/>
+                <a:cs typeface="Arial" panose="020B0604020202020204" pitchFamily="34" charset="0"/>
+              </a:rPr>
+              <a:t>elp me find street vendors.</a:t>
+            </a:r>
+            <a:endParaRPr lang="en-US" sz="1200" i="1">
+              <a:solidFill>
+                <a:schemeClr val="tx1"/>
+              </a:solidFill>
+              <a:latin typeface="Arial" panose="020B0604020202020204" pitchFamily="34" charset="0"/>
+              <a:cs typeface="Arial" panose="020B0604020202020204" pitchFamily="34" charset="0"/>
+            </a:endParaRPr>
+          </a:p>
+        </p:txBody>
+      </p:sp>
+      <p:pic>
+        <p:nvPicPr>
+          <p:cNvPr id="12" name="图片 40" descr="3b343132373631313bc8cbceef"/>
+          <p:cNvPicPr>
+            <a:picLocks noChangeAspect="1"/>
+          </p:cNvPicPr>
+          <p:nvPr/>
+        </p:nvPicPr>
+        <p:blipFill>
+          <a:blip r:embed="rId2">
+            <a:extLst>
+              <a:ext uri="{96DAC541-7B7A-43D3-8B79-37D633B846F1}">
+                <asvg:svgBlip xmlns:asvg="http://schemas.microsoft.com/office/drawing/2016/SVG/main" r:embed="rId3"/>
+              </a:ext>
+            </a:extLst>
+          </a:blip>
+          <a:stretch>
+            <a:fillRect/>
+          </a:stretch>
+        </p:blipFill>
+        <p:spPr>
+          <a:xfrm>
+            <a:off x="8015079" y="2315603"/>
+            <a:ext cx="288000" cy="288000"/>
+          </a:xfrm>
+          <a:prstGeom prst="rect">
+            <a:avLst/>
+          </a:prstGeom>
+        </p:spPr>
+      </p:pic>
+      <p:pic>
+        <p:nvPicPr>
+          <p:cNvPr id="13" name="图形 12" descr="机器人"/>
+          <p:cNvPicPr>
+            <a:picLocks noChangeAspect="1"/>
+          </p:cNvPicPr>
+          <p:nvPr/>
+        </p:nvPicPr>
+        <p:blipFill>
+          <a:blip r:embed="rId4" cstate="print">
+            <a:extLst>
+              <a:ext uri="{28A0092B-C50C-407E-A947-70E740481C1C}">
+                <a14:useLocalDpi xmlns:a14="http://schemas.microsoft.com/office/drawing/2010/main" val="0"/>
+              </a:ext>
+              <a:ext uri="{96DAC541-7B7A-43D3-8B79-37D633B846F1}">
+                <asvg:svgBlip xmlns:asvg="http://schemas.microsoft.com/office/drawing/2016/SVG/main" r:embed="rId5"/>
+              </a:ext>
+            </a:extLst>
+          </a:blip>
+          <a:stretch>
+            <a:fillRect/>
+          </a:stretch>
+        </p:blipFill>
+        <p:spPr>
+          <a:xfrm>
+            <a:off x="3671812" y="3415037"/>
+            <a:ext cx="288000" cy="288000"/>
+          </a:xfrm>
+          <a:prstGeom prst="rect">
+            <a:avLst/>
+          </a:prstGeom>
+        </p:spPr>
+      </p:pic>
+      <p:sp>
+        <p:nvSpPr>
+          <p:cNvPr id="14" name="圆角矩形 4"/>
+          <p:cNvSpPr/>
+          <p:nvPr/>
+        </p:nvSpPr>
+        <p:spPr>
+          <a:xfrm>
+            <a:off x="4492485" y="3755398"/>
+            <a:ext cx="3383445" cy="580011"/>
+          </a:xfrm>
+          <a:prstGeom prst="roundRect">
+            <a:avLst/>
+          </a:prstGeom>
+          <a:solidFill>
+            <a:schemeClr val="accent1">
+              <a:lumMod val="20000"/>
+              <a:lumOff val="80000"/>
+            </a:schemeClr>
+          </a:solidFill>
+          <a:ln w="12700" cmpd="sng">
+            <a:solidFill>
+              <a:schemeClr val="tx1"/>
+            </a:solidFill>
+            <a:prstDash val="solid"/>
+          </a:ln>
+        </p:spPr>
+        <p:style>
+          <a:lnRef idx="2">
+            <a:schemeClr val="accent1">
+              <a:lumMod val="75000"/>
+            </a:schemeClr>
+          </a:lnRef>
+          <a:fillRef idx="1">
+            <a:schemeClr val="accent1"/>
+          </a:fillRef>
+          <a:effectRef idx="0">
+            <a:srgbClr val="FFFFFF"/>
+          </a:effectRef>
+          <a:fontRef idx="minor">
+            <a:schemeClr val="lt1"/>
+          </a:fontRef>
+        </p:style>
+        <p:txBody>
+          <a:bodyPr rtlCol="0" anchor="ctr"/>
+          <a:lstStyle/>
+          <a:p>
+            <a:pPr algn="l"/>
+            <a:r>
+              <a:rPr lang="en-US" sz="1200" i="1">
+                <a:solidFill>
+                  <a:schemeClr val="tx1"/>
+                </a:solidFill>
+                <a:latin typeface="Arial" panose="020B0604020202020204" pitchFamily="34" charset="0"/>
+                <a:cs typeface="Arial" panose="020B0604020202020204" pitchFamily="34" charset="0"/>
+              </a:rPr>
+              <a:t>How to deal with street vendors according to regulations? *</a:t>
+            </a:r>
+          </a:p>
+        </p:txBody>
+      </p:sp>
+      <p:pic>
+        <p:nvPicPr>
+          <p:cNvPr id="15" name="图片 40" descr="3b343132373631313bc8cbceef"/>
+          <p:cNvPicPr>
+            <a:picLocks noChangeAspect="1"/>
+          </p:cNvPicPr>
+          <p:nvPr/>
+        </p:nvPicPr>
+        <p:blipFill>
+          <a:blip r:embed="rId2">
+            <a:extLst>
+              <a:ext uri="{96DAC541-7B7A-43D3-8B79-37D633B846F1}">
+                <asvg:svgBlip xmlns:asvg="http://schemas.microsoft.com/office/drawing/2016/SVG/main" r:embed="rId3"/>
+              </a:ext>
+            </a:extLst>
+          </a:blip>
+          <a:stretch>
+            <a:fillRect/>
+          </a:stretch>
+        </p:blipFill>
+        <p:spPr>
+          <a:xfrm>
+            <a:off x="8015079" y="3901403"/>
+            <a:ext cx="288000" cy="288000"/>
+          </a:xfrm>
+          <a:prstGeom prst="rect">
+            <a:avLst/>
+          </a:prstGeom>
+        </p:spPr>
+      </p:pic>
+      <p:sp>
+        <p:nvSpPr>
+          <p:cNvPr id="16" name="圆角矩形 59"/>
+          <p:cNvSpPr/>
+          <p:nvPr/>
+        </p:nvSpPr>
+        <p:spPr>
+          <a:xfrm>
+            <a:off x="4013649" y="4416261"/>
+            <a:ext cx="3862281" cy="2003488"/>
+          </a:xfrm>
+          <a:prstGeom prst="roundRect">
+            <a:avLst/>
+          </a:prstGeom>
+          <a:solidFill>
+            <a:schemeClr val="accent3">
+              <a:lumMod val="20000"/>
+              <a:lumOff val="80000"/>
+            </a:schemeClr>
+          </a:solidFill>
+          <a:ln w="25400" cmpd="sng">
+            <a:solidFill>
+              <a:schemeClr val="accent3">
+                <a:lumMod val="60000"/>
+                <a:lumOff val="40000"/>
+              </a:schemeClr>
+            </a:solidFill>
+            <a:prstDash val="dash"/>
+          </a:ln>
+        </p:spPr>
+        <p:style>
+          <a:lnRef idx="2">
+            <a:schemeClr val="accent1">
+              <a:lumMod val="75000"/>
+            </a:schemeClr>
+          </a:lnRef>
+          <a:fillRef idx="1">
+            <a:schemeClr val="accent1"/>
+          </a:fillRef>
+          <a:effectRef idx="0">
+            <a:srgbClr val="FFFFFF"/>
+          </a:effectRef>
+          <a:fontRef idx="minor">
+            <a:schemeClr val="lt1"/>
+          </a:fontRef>
+        </p:style>
+        <p:txBody>
+          <a:bodyPr rtlCol="0" anchor="ctr"/>
+          <a:lstStyle/>
+          <a:p>
+            <a:r>
+              <a:rPr lang="en-US" altLang="zh-CN" sz="1200" b="0" i="0">
+                <a:solidFill>
+                  <a:schemeClr val="tx1"/>
+                </a:solidFill>
+                <a:effectLst/>
+                <a:latin typeface="Arial" panose="020B0604020202020204" pitchFamily="34" charset="0"/>
+                <a:cs typeface="Arial" panose="020B0604020202020204" pitchFamily="34" charset="0"/>
+              </a:rPr>
+              <a:t>If it is found that a vendor violates the provisions of Article 15, Paragraph 1, Item 1 of these regulations, operating outside of the designated locations, areas, places, or times, shall be punished by comprehensive administrative law enforcement and other relevant departments in accordance with relevant laws and regulations. If it is found that a vendor violates the provisions of Article 15, Paragraph 1, Items 2 to 8 of these regulations, it shall be handled by food safety supervision. *</a:t>
+            </a:r>
+            <a:endParaRPr lang="en-US" altLang="zh-CN" sz="1200" kern="100">
+              <a:solidFill>
+                <a:schemeClr val="tx1"/>
+              </a:solidFill>
+              <a:effectLst/>
+              <a:latin typeface="Arial" panose="020B0604020202020204" pitchFamily="34" charset="0"/>
+              <a:ea typeface="宋体" panose="02010600030101010101" pitchFamily="2" charset="-122"/>
+              <a:cs typeface="Arial" panose="020B0604020202020204" pitchFamily="34" charset="0"/>
+            </a:endParaRPr>
+          </a:p>
+        </p:txBody>
+      </p:sp>
+      <p:pic>
+        <p:nvPicPr>
+          <p:cNvPr id="17" name="图形 16" descr="机器人"/>
+          <p:cNvPicPr>
+            <a:picLocks noChangeAspect="1"/>
+          </p:cNvPicPr>
+          <p:nvPr/>
+        </p:nvPicPr>
+        <p:blipFill>
+          <a:blip r:embed="rId4" cstate="print">
+            <a:extLst>
+              <a:ext uri="{28A0092B-C50C-407E-A947-70E740481C1C}">
+                <a14:useLocalDpi xmlns:a14="http://schemas.microsoft.com/office/drawing/2010/main" val="0"/>
+              </a:ext>
+              <a:ext uri="{96DAC541-7B7A-43D3-8B79-37D633B846F1}">
+                <asvg:svgBlip xmlns:asvg="http://schemas.microsoft.com/office/drawing/2016/SVG/main" r:embed="rId5"/>
+              </a:ext>
+            </a:extLst>
+          </a:blip>
+          <a:stretch>
+            <a:fillRect/>
+          </a:stretch>
+        </p:blipFill>
+        <p:spPr>
+          <a:xfrm>
+            <a:off x="3673939" y="5153057"/>
+            <a:ext cx="288000" cy="288000"/>
+          </a:xfrm>
+          <a:prstGeom prst="rect">
+            <a:avLst/>
+          </a:prstGeom>
+        </p:spPr>
+      </p:pic>
+      <p:pic>
+        <p:nvPicPr>
+          <p:cNvPr id="4098" name="Picture 2"/>
+          <p:cNvPicPr>
+            <a:picLocks noChangeAspect="1" noChangeArrowheads="1"/>
+          </p:cNvPicPr>
+          <p:nvPr/>
+        </p:nvPicPr>
+        <p:blipFill>
+          <a:blip r:embed="rId6" cstate="print">
+            <a:extLst>
+              <a:ext uri="{28A0092B-C50C-407E-A947-70E740481C1C}">
+                <a14:useLocalDpi xmlns:a14="http://schemas.microsoft.com/office/drawing/2010/main" val="0"/>
+              </a:ext>
+            </a:extLst>
+          </a:blip>
+          <a:srcRect/>
+          <a:stretch>
+            <a:fillRect/>
+          </a:stretch>
+        </p:blipFill>
+        <p:spPr bwMode="auto">
+          <a:xfrm>
+            <a:off x="6470146" y="300148"/>
+            <a:ext cx="1405784" cy="934481"/>
+          </a:xfrm>
+          <a:prstGeom prst="rect">
+            <a:avLst/>
+          </a:prstGeom>
+          <a:noFill/>
+          <a:extLst>
+            <a:ext uri="{909E8E84-426E-40DD-AFC4-6F175D3DCCD1}">
+              <a14:hiddenFill xmlns:a14="http://schemas.microsoft.com/office/drawing/2010/main">
+                <a:solidFill>
+                  <a:srgbClr val="FFFFFF"/>
+                </a:solidFill>
+              </a14:hiddenFill>
+            </a:ext>
+          </a:extLst>
+        </p:spPr>
+      </p:pic>
+      <p:pic>
+        <p:nvPicPr>
+          <p:cNvPr id="4100" name="Picture 4"/>
+          <p:cNvPicPr>
+            <a:picLocks noChangeAspect="1" noChangeArrowheads="1"/>
+          </p:cNvPicPr>
+          <p:nvPr/>
+        </p:nvPicPr>
+        <p:blipFill>
+          <a:blip r:embed="rId7" cstate="print">
+            <a:extLst>
+              <a:ext uri="{28A0092B-C50C-407E-A947-70E740481C1C}">
+                <a14:useLocalDpi xmlns:a14="http://schemas.microsoft.com/office/drawing/2010/main" val="0"/>
+              </a:ext>
+            </a:extLst>
+          </a:blip>
+          <a:srcRect/>
+          <a:stretch>
+            <a:fillRect/>
+          </a:stretch>
+        </p:blipFill>
+        <p:spPr bwMode="auto">
+          <a:xfrm>
+            <a:off x="4011522" y="2740065"/>
+            <a:ext cx="1405784" cy="934481"/>
+          </a:xfrm>
+          <a:prstGeom prst="rect">
+            <a:avLst/>
+          </a:prstGeom>
+          <a:noFill/>
+          <a:extLst>
+            <a:ext uri="{909E8E84-426E-40DD-AFC4-6F175D3DCCD1}">
+              <a14:hiddenFill xmlns:a14="http://schemas.microsoft.com/office/drawing/2010/main">
+                <a:solidFill>
+                  <a:srgbClr val="FFFFFF"/>
+                </a:solidFill>
+              </a14:hiddenFill>
+            </a:ext>
+          </a:extLst>
+        </p:spPr>
+      </p:pic>
     </p:spTree>
   </p:cSld>
   <p:clrMapOvr>
@@ -11964,335 +13091,358 @@
 </file>
 
 <file path=ppt/tags/tag1.xml><?xml version="1.0" encoding="utf-8"?>
-<p:tagLst xmlns:p="http://schemas.openxmlformats.org/presentationml/2006/main">
-  <p:tag name="KSO_WM_BEAUTIFY_FLAG" val=""/>
+<p:tagLst xmlns:a="http://schemas.openxmlformats.org/drawingml/2006/main" xmlns:r="http://schemas.openxmlformats.org/officeDocument/2006/relationships" xmlns:p="http://schemas.openxmlformats.org/presentationml/2006/main">
+  <p:tag name="COMMONDATA" val="eyJoZGlkIjoiODViY2JkMjU3NGYzZTEwMzZmMGFkZWViYmNkYWU3NDIifQ=="/>
 </p:tagLst>
 </file>
 
 <file path=ppt/tags/tag10.xml><?xml version="1.0" encoding="utf-8"?>
-<p:tagLst xmlns:p="http://schemas.openxmlformats.org/presentationml/2006/main">
+<p:tagLst xmlns:a="http://schemas.openxmlformats.org/drawingml/2006/main" xmlns:r="http://schemas.openxmlformats.org/officeDocument/2006/relationships" xmlns:p="http://schemas.openxmlformats.org/presentationml/2006/main">
   <p:tag name="KSO_WM_BEAUTIFY_FLAG" val=""/>
 </p:tagLst>
 </file>
 
 <file path=ppt/tags/tag11.xml><?xml version="1.0" encoding="utf-8"?>
-<p:tagLst xmlns:p="http://schemas.openxmlformats.org/presentationml/2006/main">
+<p:tagLst xmlns:a="http://schemas.openxmlformats.org/drawingml/2006/main" xmlns:r="http://schemas.openxmlformats.org/officeDocument/2006/relationships" xmlns:p="http://schemas.openxmlformats.org/presentationml/2006/main">
   <p:tag name="KSO_WM_BEAUTIFY_FLAG" val=""/>
 </p:tagLst>
 </file>
 
 <file path=ppt/tags/tag12.xml><?xml version="1.0" encoding="utf-8"?>
-<p:tagLst xmlns:p="http://schemas.openxmlformats.org/presentationml/2006/main">
+<p:tagLst xmlns:a="http://schemas.openxmlformats.org/drawingml/2006/main" xmlns:r="http://schemas.openxmlformats.org/officeDocument/2006/relationships" xmlns:p="http://schemas.openxmlformats.org/presentationml/2006/main">
   <p:tag name="KSO_WM_BEAUTIFY_FLAG" val=""/>
 </p:tagLst>
 </file>
 
 <file path=ppt/tags/tag13.xml><?xml version="1.0" encoding="utf-8"?>
-<p:tagLst xmlns:p="http://schemas.openxmlformats.org/presentationml/2006/main">
+<p:tagLst xmlns:a="http://schemas.openxmlformats.org/drawingml/2006/main" xmlns:r="http://schemas.openxmlformats.org/officeDocument/2006/relationships" xmlns:p="http://schemas.openxmlformats.org/presentationml/2006/main">
   <p:tag name="KSO_WM_BEAUTIFY_FLAG" val=""/>
 </p:tagLst>
 </file>
 
 <file path=ppt/tags/tag14.xml><?xml version="1.0" encoding="utf-8"?>
-<p:tagLst xmlns:p="http://schemas.openxmlformats.org/presentationml/2006/main">
+<p:tagLst xmlns:a="http://schemas.openxmlformats.org/drawingml/2006/main" xmlns:r="http://schemas.openxmlformats.org/officeDocument/2006/relationships" xmlns:p="http://schemas.openxmlformats.org/presentationml/2006/main">
   <p:tag name="KSO_WM_BEAUTIFY_FLAG" val=""/>
 </p:tagLst>
 </file>
 
 <file path=ppt/tags/tag15.xml><?xml version="1.0" encoding="utf-8"?>
-<p:tagLst xmlns:p="http://schemas.openxmlformats.org/presentationml/2006/main">
+<p:tagLst xmlns:a="http://schemas.openxmlformats.org/drawingml/2006/main" xmlns:r="http://schemas.openxmlformats.org/officeDocument/2006/relationships" xmlns:p="http://schemas.openxmlformats.org/presentationml/2006/main">
   <p:tag name="KSO_WM_BEAUTIFY_FLAG" val=""/>
 </p:tagLst>
 </file>
 
 <file path=ppt/tags/tag16.xml><?xml version="1.0" encoding="utf-8"?>
-<p:tagLst xmlns:p="http://schemas.openxmlformats.org/presentationml/2006/main">
+<p:tagLst xmlns:a="http://schemas.openxmlformats.org/drawingml/2006/main" xmlns:r="http://schemas.openxmlformats.org/officeDocument/2006/relationships" xmlns:p="http://schemas.openxmlformats.org/presentationml/2006/main">
   <p:tag name="KSO_WM_BEAUTIFY_FLAG" val=""/>
 </p:tagLst>
 </file>
 
 <file path=ppt/tags/tag17.xml><?xml version="1.0" encoding="utf-8"?>
-<p:tagLst xmlns:p="http://schemas.openxmlformats.org/presentationml/2006/main">
+<p:tagLst xmlns:a="http://schemas.openxmlformats.org/drawingml/2006/main" xmlns:r="http://schemas.openxmlformats.org/officeDocument/2006/relationships" xmlns:p="http://schemas.openxmlformats.org/presentationml/2006/main">
   <p:tag name="KSO_WM_BEAUTIFY_FLAG" val=""/>
 </p:tagLst>
 </file>
 
 <file path=ppt/tags/tag18.xml><?xml version="1.0" encoding="utf-8"?>
-<p:tagLst xmlns:p="http://schemas.openxmlformats.org/presentationml/2006/main">
+<p:tagLst xmlns:a="http://schemas.openxmlformats.org/drawingml/2006/main" xmlns:r="http://schemas.openxmlformats.org/officeDocument/2006/relationships" xmlns:p="http://schemas.openxmlformats.org/presentationml/2006/main">
   <p:tag name="KSO_WM_BEAUTIFY_FLAG" val=""/>
 </p:tagLst>
 </file>
 
 <file path=ppt/tags/tag19.xml><?xml version="1.0" encoding="utf-8"?>
-<p:tagLst xmlns:p="http://schemas.openxmlformats.org/presentationml/2006/main">
+<p:tagLst xmlns:a="http://schemas.openxmlformats.org/drawingml/2006/main" xmlns:r="http://schemas.openxmlformats.org/officeDocument/2006/relationships" xmlns:p="http://schemas.openxmlformats.org/presentationml/2006/main">
+  <p:tag name="KSO_WM_BEAUTIFY_FLAG" val=""/>
+</p:tagLst>
+</file>
+
+<file path=ppt/tags/tag2.xml><?xml version="1.0" encoding="utf-8"?>
+<p:tagLst xmlns:a="http://schemas.openxmlformats.org/drawingml/2006/main" xmlns:r="http://schemas.openxmlformats.org/officeDocument/2006/relationships" xmlns:p="http://schemas.openxmlformats.org/presentationml/2006/main">
+  <p:tag name="KSO_WM_BEAUTIFY_FLAG" val=""/>
+</p:tagLst>
+</file>
+
+<file path=ppt/tags/tag20.xml><?xml version="1.0" encoding="utf-8"?>
+<p:tagLst xmlns:a="http://schemas.openxmlformats.org/drawingml/2006/main" xmlns:r="http://schemas.openxmlformats.org/officeDocument/2006/relationships" xmlns:p="http://schemas.openxmlformats.org/presentationml/2006/main">
   <p:tag name="KSO_WM_UNIT_PLACING_PICTURE_USER_VIEWPORT" val="{&quot;height&quot;:850.3937007874016,&quot;width&quot;:850.3937007874016}"/>
   <p:tag name="KSO_WM_BEAUTIFY_FLAG" val=""/>
 </p:tagLst>
 </file>
 
-<file path=ppt/tags/tag2.xml><?xml version="1.0" encoding="utf-8"?>
-<p:tagLst xmlns:p="http://schemas.openxmlformats.org/presentationml/2006/main">
+<file path=ppt/tags/tag21.xml><?xml version="1.0" encoding="utf-8"?>
+<p:tagLst xmlns:a="http://schemas.openxmlformats.org/drawingml/2006/main" xmlns:r="http://schemas.openxmlformats.org/officeDocument/2006/relationships" xmlns:p="http://schemas.openxmlformats.org/presentationml/2006/main">
   <p:tag name="KSO_WM_BEAUTIFY_FLAG" val=""/>
 </p:tagLst>
 </file>
 
-<file path=ppt/tags/tag20.xml><?xml version="1.0" encoding="utf-8"?>
-<p:tagLst xmlns:p="http://schemas.openxmlformats.org/presentationml/2006/main">
-  <p:tag name="KSO_WM_BEAUTIFY_FLAG" val=""/>
-</p:tagLst>
-</file>
-
-<file path=ppt/tags/tag21.xml><?xml version="1.0" encoding="utf-8"?>
-<p:tagLst xmlns:p="http://schemas.openxmlformats.org/presentationml/2006/main">
+<file path=ppt/tags/tag22.xml><?xml version="1.0" encoding="utf-8"?>
+<p:tagLst xmlns:a="http://schemas.openxmlformats.org/drawingml/2006/main" xmlns:r="http://schemas.openxmlformats.org/officeDocument/2006/relationships" xmlns:p="http://schemas.openxmlformats.org/presentationml/2006/main">
   <p:tag name="KSO_WM_UNIT_PLACING_PICTURE_USER_VIEWPORT" val="{&quot;height&quot;:850.3937007874016,&quot;width&quot;:850.3937007874016}"/>
   <p:tag name="KSO_WM_BEAUTIFY_FLAG" val=""/>
 </p:tagLst>
 </file>
 
-<file path=ppt/tags/tag22.xml><?xml version="1.0" encoding="utf-8"?>
-<p:tagLst xmlns:p="http://schemas.openxmlformats.org/presentationml/2006/main">
-  <p:tag name="KSO_WM_BEAUTIFY_FLAG" val=""/>
-</p:tagLst>
-</file>
-
 <file path=ppt/tags/tag23.xml><?xml version="1.0" encoding="utf-8"?>
-<p:tagLst xmlns:p="http://schemas.openxmlformats.org/presentationml/2006/main">
+<p:tagLst xmlns:a="http://schemas.openxmlformats.org/drawingml/2006/main" xmlns:r="http://schemas.openxmlformats.org/officeDocument/2006/relationships" xmlns:p="http://schemas.openxmlformats.org/presentationml/2006/main">
   <p:tag name="KSO_WM_BEAUTIFY_FLAG" val=""/>
 </p:tagLst>
 </file>
 
 <file path=ppt/tags/tag24.xml><?xml version="1.0" encoding="utf-8"?>
-<p:tagLst xmlns:p="http://schemas.openxmlformats.org/presentationml/2006/main">
+<p:tagLst xmlns:a="http://schemas.openxmlformats.org/drawingml/2006/main" xmlns:r="http://schemas.openxmlformats.org/officeDocument/2006/relationships" xmlns:p="http://schemas.openxmlformats.org/presentationml/2006/main">
   <p:tag name="KSO_WM_BEAUTIFY_FLAG" val=""/>
 </p:tagLst>
 </file>
 
 <file path=ppt/tags/tag25.xml><?xml version="1.0" encoding="utf-8"?>
-<p:tagLst xmlns:p="http://schemas.openxmlformats.org/presentationml/2006/main">
+<p:tagLst xmlns:a="http://schemas.openxmlformats.org/drawingml/2006/main" xmlns:r="http://schemas.openxmlformats.org/officeDocument/2006/relationships" xmlns:p="http://schemas.openxmlformats.org/presentationml/2006/main">
   <p:tag name="KSO_WM_BEAUTIFY_FLAG" val=""/>
 </p:tagLst>
 </file>
 
 <file path=ppt/tags/tag26.xml><?xml version="1.0" encoding="utf-8"?>
-<p:tagLst xmlns:p="http://schemas.openxmlformats.org/presentationml/2006/main">
+<p:tagLst xmlns:a="http://schemas.openxmlformats.org/drawingml/2006/main" xmlns:r="http://schemas.openxmlformats.org/officeDocument/2006/relationships" xmlns:p="http://schemas.openxmlformats.org/presentationml/2006/main">
+  <p:tag name="KSO_WM_BEAUTIFY_FLAG" val=""/>
+</p:tagLst>
+</file>
+
+<file path=ppt/tags/tag27.xml><?xml version="1.0" encoding="utf-8"?>
+<p:tagLst xmlns:a="http://schemas.openxmlformats.org/drawingml/2006/main" xmlns:r="http://schemas.openxmlformats.org/officeDocument/2006/relationships" xmlns:p="http://schemas.openxmlformats.org/presentationml/2006/main">
   <p:tag name="KSO_WM_UNIT_PLACING_PICTURE_USER_VIEWPORT" val="{&quot;height&quot;:850.3937007874016,&quot;width&quot;:850.3937007874016}"/>
   <p:tag name="KSO_WM_BEAUTIFY_FLAG" val=""/>
 </p:tagLst>
 </file>
 
-<file path=ppt/tags/tag27.xml><?xml version="1.0" encoding="utf-8"?>
-<p:tagLst xmlns:p="http://schemas.openxmlformats.org/presentationml/2006/main">
-  <p:tag name="KSO_WM_BEAUTIFY_FLAG" val=""/>
-</p:tagLst>
-</file>
-
 <file path=ppt/tags/tag28.xml><?xml version="1.0" encoding="utf-8"?>
-<p:tagLst xmlns:p="http://schemas.openxmlformats.org/presentationml/2006/main">
+<p:tagLst xmlns:a="http://schemas.openxmlformats.org/drawingml/2006/main" xmlns:r="http://schemas.openxmlformats.org/officeDocument/2006/relationships" xmlns:p="http://schemas.openxmlformats.org/presentationml/2006/main">
   <p:tag name="KSO_WM_BEAUTIFY_FLAG" val=""/>
 </p:tagLst>
 </file>
 
 <file path=ppt/tags/tag29.xml><?xml version="1.0" encoding="utf-8"?>
-<p:tagLst xmlns:p="http://schemas.openxmlformats.org/presentationml/2006/main">
+<p:tagLst xmlns:a="http://schemas.openxmlformats.org/drawingml/2006/main" xmlns:r="http://schemas.openxmlformats.org/officeDocument/2006/relationships" xmlns:p="http://schemas.openxmlformats.org/presentationml/2006/main">
   <p:tag name="KSO_WM_BEAUTIFY_FLAG" val=""/>
 </p:tagLst>
 </file>
 
 <file path=ppt/tags/tag3.xml><?xml version="1.0" encoding="utf-8"?>
-<p:tagLst xmlns:p="http://schemas.openxmlformats.org/presentationml/2006/main">
+<p:tagLst xmlns:a="http://schemas.openxmlformats.org/drawingml/2006/main" xmlns:r="http://schemas.openxmlformats.org/officeDocument/2006/relationships" xmlns:p="http://schemas.openxmlformats.org/presentationml/2006/main">
   <p:tag name="KSO_WM_BEAUTIFY_FLAG" val=""/>
 </p:tagLst>
 </file>
 
 <file path=ppt/tags/tag30.xml><?xml version="1.0" encoding="utf-8"?>
-<p:tagLst xmlns:p="http://schemas.openxmlformats.org/presentationml/2006/main">
+<p:tagLst xmlns:a="http://schemas.openxmlformats.org/drawingml/2006/main" xmlns:r="http://schemas.openxmlformats.org/officeDocument/2006/relationships" xmlns:p="http://schemas.openxmlformats.org/presentationml/2006/main">
   <p:tag name="KSO_WM_BEAUTIFY_FLAG" val=""/>
 </p:tagLst>
 </file>
 
 <file path=ppt/tags/tag31.xml><?xml version="1.0" encoding="utf-8"?>
-<p:tagLst xmlns:p="http://schemas.openxmlformats.org/presentationml/2006/main">
+<p:tagLst xmlns:a="http://schemas.openxmlformats.org/drawingml/2006/main" xmlns:r="http://schemas.openxmlformats.org/officeDocument/2006/relationships" xmlns:p="http://schemas.openxmlformats.org/presentationml/2006/main">
   <p:tag name="KSO_WM_BEAUTIFY_FLAG" val=""/>
 </p:tagLst>
 </file>
 
 <file path=ppt/tags/tag32.xml><?xml version="1.0" encoding="utf-8"?>
-<p:tagLst xmlns:p="http://schemas.openxmlformats.org/presentationml/2006/main">
+<p:tagLst xmlns:a="http://schemas.openxmlformats.org/drawingml/2006/main" xmlns:r="http://schemas.openxmlformats.org/officeDocument/2006/relationships" xmlns:p="http://schemas.openxmlformats.org/presentationml/2006/main">
   <p:tag name="KSO_WM_BEAUTIFY_FLAG" val=""/>
 </p:tagLst>
 </file>
 
 <file path=ppt/tags/tag33.xml><?xml version="1.0" encoding="utf-8"?>
-<p:tagLst xmlns:p="http://schemas.openxmlformats.org/presentationml/2006/main">
+<p:tagLst xmlns:a="http://schemas.openxmlformats.org/drawingml/2006/main" xmlns:r="http://schemas.openxmlformats.org/officeDocument/2006/relationships" xmlns:p="http://schemas.openxmlformats.org/presentationml/2006/main">
   <p:tag name="KSO_WM_BEAUTIFY_FLAG" val=""/>
 </p:tagLst>
 </file>
 
 <file path=ppt/tags/tag34.xml><?xml version="1.0" encoding="utf-8"?>
-<p:tagLst xmlns:p="http://schemas.openxmlformats.org/presentationml/2006/main">
+<p:tagLst xmlns:a="http://schemas.openxmlformats.org/drawingml/2006/main" xmlns:r="http://schemas.openxmlformats.org/officeDocument/2006/relationships" xmlns:p="http://schemas.openxmlformats.org/presentationml/2006/main">
   <p:tag name="KSO_WM_BEAUTIFY_FLAG" val=""/>
 </p:tagLst>
 </file>
 
 <file path=ppt/tags/tag35.xml><?xml version="1.0" encoding="utf-8"?>
-<p:tagLst xmlns:p="http://schemas.openxmlformats.org/presentationml/2006/main">
+<p:tagLst xmlns:a="http://schemas.openxmlformats.org/drawingml/2006/main" xmlns:r="http://schemas.openxmlformats.org/officeDocument/2006/relationships" xmlns:p="http://schemas.openxmlformats.org/presentationml/2006/main">
   <p:tag name="KSO_WM_BEAUTIFY_FLAG" val=""/>
 </p:tagLst>
 </file>
 
 <file path=ppt/tags/tag36.xml><?xml version="1.0" encoding="utf-8"?>
-<p:tagLst xmlns:p="http://schemas.openxmlformats.org/presentationml/2006/main">
+<p:tagLst xmlns:a="http://schemas.openxmlformats.org/drawingml/2006/main" xmlns:r="http://schemas.openxmlformats.org/officeDocument/2006/relationships" xmlns:p="http://schemas.openxmlformats.org/presentationml/2006/main">
   <p:tag name="KSO_WM_BEAUTIFY_FLAG" val=""/>
 </p:tagLst>
 </file>
 
 <file path=ppt/tags/tag37.xml><?xml version="1.0" encoding="utf-8"?>
-<p:tagLst xmlns:p="http://schemas.openxmlformats.org/presentationml/2006/main">
+<p:tagLst xmlns:a="http://schemas.openxmlformats.org/drawingml/2006/main" xmlns:r="http://schemas.openxmlformats.org/officeDocument/2006/relationships" xmlns:p="http://schemas.openxmlformats.org/presentationml/2006/main">
   <p:tag name="KSO_WM_BEAUTIFY_FLAG" val=""/>
 </p:tagLst>
 </file>
 
 <file path=ppt/tags/tag38.xml><?xml version="1.0" encoding="utf-8"?>
-<p:tagLst xmlns:p="http://schemas.openxmlformats.org/presentationml/2006/main">
+<p:tagLst xmlns:a="http://schemas.openxmlformats.org/drawingml/2006/main" xmlns:r="http://schemas.openxmlformats.org/officeDocument/2006/relationships" xmlns:p="http://schemas.openxmlformats.org/presentationml/2006/main">
   <p:tag name="KSO_WM_BEAUTIFY_FLAG" val=""/>
 </p:tagLst>
 </file>
 
 <file path=ppt/tags/tag39.xml><?xml version="1.0" encoding="utf-8"?>
-<p:tagLst xmlns:p="http://schemas.openxmlformats.org/presentationml/2006/main">
+<p:tagLst xmlns:a="http://schemas.openxmlformats.org/drawingml/2006/main" xmlns:r="http://schemas.openxmlformats.org/officeDocument/2006/relationships" xmlns:p="http://schemas.openxmlformats.org/presentationml/2006/main">
   <p:tag name="KSO_WM_BEAUTIFY_FLAG" val=""/>
 </p:tagLst>
 </file>
 
 <file path=ppt/tags/tag4.xml><?xml version="1.0" encoding="utf-8"?>
-<p:tagLst xmlns:p="http://schemas.openxmlformats.org/presentationml/2006/main">
+<p:tagLst xmlns:a="http://schemas.openxmlformats.org/drawingml/2006/main" xmlns:r="http://schemas.openxmlformats.org/officeDocument/2006/relationships" xmlns:p="http://schemas.openxmlformats.org/presentationml/2006/main">
   <p:tag name="KSO_WM_BEAUTIFY_FLAG" val=""/>
 </p:tagLst>
 </file>
 
 <file path=ppt/tags/tag40.xml><?xml version="1.0" encoding="utf-8"?>
-<p:tagLst xmlns:p="http://schemas.openxmlformats.org/presentationml/2006/main">
+<p:tagLst xmlns:a="http://schemas.openxmlformats.org/drawingml/2006/main" xmlns:r="http://schemas.openxmlformats.org/officeDocument/2006/relationships" xmlns:p="http://schemas.openxmlformats.org/presentationml/2006/main">
   <p:tag name="KSO_WM_BEAUTIFY_FLAG" val=""/>
 </p:tagLst>
 </file>
 
 <file path=ppt/tags/tag41.xml><?xml version="1.0" encoding="utf-8"?>
-<p:tagLst xmlns:p="http://schemas.openxmlformats.org/presentationml/2006/main">
+<p:tagLst xmlns:a="http://schemas.openxmlformats.org/drawingml/2006/main" xmlns:r="http://schemas.openxmlformats.org/officeDocument/2006/relationships" xmlns:p="http://schemas.openxmlformats.org/presentationml/2006/main">
   <p:tag name="KSO_WM_BEAUTIFY_FLAG" val=""/>
 </p:tagLst>
 </file>
 
 <file path=ppt/tags/tag42.xml><?xml version="1.0" encoding="utf-8"?>
-<p:tagLst xmlns:p="http://schemas.openxmlformats.org/presentationml/2006/main">
+<p:tagLst xmlns:a="http://schemas.openxmlformats.org/drawingml/2006/main" xmlns:r="http://schemas.openxmlformats.org/officeDocument/2006/relationships" xmlns:p="http://schemas.openxmlformats.org/presentationml/2006/main">
   <p:tag name="KSO_WM_BEAUTIFY_FLAG" val=""/>
 </p:tagLst>
 </file>
 
 <file path=ppt/tags/tag43.xml><?xml version="1.0" encoding="utf-8"?>
-<p:tagLst xmlns:p="http://schemas.openxmlformats.org/presentationml/2006/main">
+<p:tagLst xmlns:a="http://schemas.openxmlformats.org/drawingml/2006/main" xmlns:r="http://schemas.openxmlformats.org/officeDocument/2006/relationships" xmlns:p="http://schemas.openxmlformats.org/presentationml/2006/main">
   <p:tag name="KSO_WM_BEAUTIFY_FLAG" val=""/>
 </p:tagLst>
 </file>
 
 <file path=ppt/tags/tag44.xml><?xml version="1.0" encoding="utf-8"?>
-<p:tagLst xmlns:p="http://schemas.openxmlformats.org/presentationml/2006/main">
+<p:tagLst xmlns:a="http://schemas.openxmlformats.org/drawingml/2006/main" xmlns:r="http://schemas.openxmlformats.org/officeDocument/2006/relationships" xmlns:p="http://schemas.openxmlformats.org/presentationml/2006/main">
   <p:tag name="KSO_WM_BEAUTIFY_FLAG" val=""/>
 </p:tagLst>
 </file>
 
 <file path=ppt/tags/tag45.xml><?xml version="1.0" encoding="utf-8"?>
-<p:tagLst xmlns:p="http://schemas.openxmlformats.org/presentationml/2006/main">
+<p:tagLst xmlns:a="http://schemas.openxmlformats.org/drawingml/2006/main" xmlns:r="http://schemas.openxmlformats.org/officeDocument/2006/relationships" xmlns:p="http://schemas.openxmlformats.org/presentationml/2006/main">
   <p:tag name="KSO_WM_BEAUTIFY_FLAG" val=""/>
 </p:tagLst>
 </file>
 
 <file path=ppt/tags/tag46.xml><?xml version="1.0" encoding="utf-8"?>
-<p:tagLst xmlns:p="http://schemas.openxmlformats.org/presentationml/2006/main">
+<p:tagLst xmlns:a="http://schemas.openxmlformats.org/drawingml/2006/main" xmlns:r="http://schemas.openxmlformats.org/officeDocument/2006/relationships" xmlns:p="http://schemas.openxmlformats.org/presentationml/2006/main">
   <p:tag name="KSO_WM_BEAUTIFY_FLAG" val=""/>
 </p:tagLst>
 </file>
 
 <file path=ppt/tags/tag47.xml><?xml version="1.0" encoding="utf-8"?>
-<p:tagLst xmlns:p="http://schemas.openxmlformats.org/presentationml/2006/main">
+<p:tagLst xmlns:a="http://schemas.openxmlformats.org/drawingml/2006/main" xmlns:r="http://schemas.openxmlformats.org/officeDocument/2006/relationships" xmlns:p="http://schemas.openxmlformats.org/presentationml/2006/main">
   <p:tag name="KSO_WM_BEAUTIFY_FLAG" val=""/>
 </p:tagLst>
 </file>
 
 <file path=ppt/tags/tag48.xml><?xml version="1.0" encoding="utf-8"?>
-<p:tagLst xmlns:p="http://schemas.openxmlformats.org/presentationml/2006/main">
+<p:tagLst xmlns:a="http://schemas.openxmlformats.org/drawingml/2006/main" xmlns:r="http://schemas.openxmlformats.org/officeDocument/2006/relationships" xmlns:p="http://schemas.openxmlformats.org/presentationml/2006/main">
   <p:tag name="KSO_WM_BEAUTIFY_FLAG" val=""/>
 </p:tagLst>
 </file>
 
 <file path=ppt/tags/tag49.xml><?xml version="1.0" encoding="utf-8"?>
-<p:tagLst xmlns:p="http://schemas.openxmlformats.org/presentationml/2006/main">
+<p:tagLst xmlns:a="http://schemas.openxmlformats.org/drawingml/2006/main" xmlns:r="http://schemas.openxmlformats.org/officeDocument/2006/relationships" xmlns:p="http://schemas.openxmlformats.org/presentationml/2006/main">
   <p:tag name="KSO_WM_BEAUTIFY_FLAG" val=""/>
 </p:tagLst>
 </file>
 
 <file path=ppt/tags/tag5.xml><?xml version="1.0" encoding="utf-8"?>
-<p:tagLst xmlns:p="http://schemas.openxmlformats.org/presentationml/2006/main">
+<p:tagLst xmlns:a="http://schemas.openxmlformats.org/drawingml/2006/main" xmlns:r="http://schemas.openxmlformats.org/officeDocument/2006/relationships" xmlns:p="http://schemas.openxmlformats.org/presentationml/2006/main">
   <p:tag name="KSO_WM_BEAUTIFY_FLAG" val=""/>
 </p:tagLst>
 </file>
 
 <file path=ppt/tags/tag50.xml><?xml version="1.0" encoding="utf-8"?>
-<p:tagLst xmlns:p="http://schemas.openxmlformats.org/presentationml/2006/main">
+<p:tagLst xmlns:a="http://schemas.openxmlformats.org/drawingml/2006/main" xmlns:r="http://schemas.openxmlformats.org/officeDocument/2006/relationships" xmlns:p="http://schemas.openxmlformats.org/presentationml/2006/main">
   <p:tag name="KSO_WM_BEAUTIFY_FLAG" val=""/>
 </p:tagLst>
 </file>
 
 <file path=ppt/tags/tag51.xml><?xml version="1.0" encoding="utf-8"?>
-<p:tagLst xmlns:p="http://schemas.openxmlformats.org/presentationml/2006/main">
+<p:tagLst xmlns:a="http://schemas.openxmlformats.org/drawingml/2006/main" xmlns:r="http://schemas.openxmlformats.org/officeDocument/2006/relationships" xmlns:p="http://schemas.openxmlformats.org/presentationml/2006/main">
   <p:tag name="KSO_WM_BEAUTIFY_FLAG" val=""/>
 </p:tagLst>
 </file>
 
 <file path=ppt/tags/tag52.xml><?xml version="1.0" encoding="utf-8"?>
-<p:tagLst xmlns:p="http://schemas.openxmlformats.org/presentationml/2006/main">
+<p:tagLst xmlns:a="http://schemas.openxmlformats.org/drawingml/2006/main" xmlns:r="http://schemas.openxmlformats.org/officeDocument/2006/relationships" xmlns:p="http://schemas.openxmlformats.org/presentationml/2006/main">
   <p:tag name="KSO_WM_BEAUTIFY_FLAG" val=""/>
 </p:tagLst>
 </file>
 
 <file path=ppt/tags/tag53.xml><?xml version="1.0" encoding="utf-8"?>
-<p:tagLst xmlns:p="http://schemas.openxmlformats.org/presentationml/2006/main">
+<p:tagLst xmlns:a="http://schemas.openxmlformats.org/drawingml/2006/main" xmlns:r="http://schemas.openxmlformats.org/officeDocument/2006/relationships" xmlns:p="http://schemas.openxmlformats.org/presentationml/2006/main">
   <p:tag name="KSO_WM_BEAUTIFY_FLAG" val=""/>
 </p:tagLst>
 </file>
 
 <file path=ppt/tags/tag54.xml><?xml version="1.0" encoding="utf-8"?>
-<p:tagLst xmlns:p="http://schemas.openxmlformats.org/presentationml/2006/main">
+<p:tagLst xmlns:a="http://schemas.openxmlformats.org/drawingml/2006/main" xmlns:r="http://schemas.openxmlformats.org/officeDocument/2006/relationships" xmlns:p="http://schemas.openxmlformats.org/presentationml/2006/main">
   <p:tag name="KSO_WM_BEAUTIFY_FLAG" val=""/>
 </p:tagLst>
 </file>
 
 <file path=ppt/tags/tag55.xml><?xml version="1.0" encoding="utf-8"?>
-<p:tagLst xmlns:p="http://schemas.openxmlformats.org/presentationml/2006/main">
-  <p:tag name="COMMONDATA" val="eyJoZGlkIjoiOGZjYWIxN2FiMTFlZDNmZWVlMTAwOGRjZTdhMzlmYjkifQ=="/>
-  <p:tag name="commondata" val="eyJoZGlkIjoiODViY2JkMjU3NGYzZTEwMzZmMGFkZWViYmNkYWU3NDIifQ=="/>
+<p:tagLst xmlns:a="http://schemas.openxmlformats.org/drawingml/2006/main" xmlns:r="http://schemas.openxmlformats.org/officeDocument/2006/relationships" xmlns:p="http://schemas.openxmlformats.org/presentationml/2006/main">
+  <p:tag name="KSO_WM_BEAUTIFY_FLAG" val=""/>
+</p:tagLst>
+</file>
+
+<file path=ppt/tags/tag56.xml><?xml version="1.0" encoding="utf-8"?>
+<p:tagLst xmlns:a="http://schemas.openxmlformats.org/drawingml/2006/main" xmlns:r="http://schemas.openxmlformats.org/officeDocument/2006/relationships" xmlns:p="http://schemas.openxmlformats.org/presentationml/2006/main">
+  <p:tag name="KSO_WM_BEAUTIFY_FLAG" val=""/>
+</p:tagLst>
+</file>
+
+<file path=ppt/tags/tag57.xml><?xml version="1.0" encoding="utf-8"?>
+<p:tagLst xmlns:a="http://schemas.openxmlformats.org/drawingml/2006/main" xmlns:r="http://schemas.openxmlformats.org/officeDocument/2006/relationships" xmlns:p="http://schemas.openxmlformats.org/presentationml/2006/main">
+  <p:tag name="KSO_WM_BEAUTIFY_FLAG" val=""/>
+</p:tagLst>
+</file>
+
+<file path=ppt/tags/tag58.xml><?xml version="1.0" encoding="utf-8"?>
+<p:tagLst xmlns:a="http://schemas.openxmlformats.org/drawingml/2006/main" xmlns:r="http://schemas.openxmlformats.org/officeDocument/2006/relationships" xmlns:p="http://schemas.openxmlformats.org/presentationml/2006/main">
+  <p:tag name="KSO_WM_BEAUTIFY_FLAG" val=""/>
+</p:tagLst>
+</file>
+
+<file path=ppt/tags/tag59.xml><?xml version="1.0" encoding="utf-8"?>
+<p:tagLst xmlns:a="http://schemas.openxmlformats.org/drawingml/2006/main" xmlns:r="http://schemas.openxmlformats.org/officeDocument/2006/relationships" xmlns:p="http://schemas.openxmlformats.org/presentationml/2006/main">
+  <p:tag name="KSO_WM_BEAUTIFY_FLAG" val=""/>
 </p:tagLst>
 </file>
 
 <file path=ppt/tags/tag6.xml><?xml version="1.0" encoding="utf-8"?>
-<p:tagLst xmlns:p="http://schemas.openxmlformats.org/presentationml/2006/main">
+<p:tagLst xmlns:a="http://schemas.openxmlformats.org/drawingml/2006/main" xmlns:r="http://schemas.openxmlformats.org/officeDocument/2006/relationships" xmlns:p="http://schemas.openxmlformats.org/presentationml/2006/main">
   <p:tag name="KSO_WM_BEAUTIFY_FLAG" val=""/>
 </p:tagLst>
 </file>
 
 <file path=ppt/tags/tag7.xml><?xml version="1.0" encoding="utf-8"?>
-<p:tagLst xmlns:p="http://schemas.openxmlformats.org/presentationml/2006/main">
+<p:tagLst xmlns:a="http://schemas.openxmlformats.org/drawingml/2006/main" xmlns:r="http://schemas.openxmlformats.org/officeDocument/2006/relationships" xmlns:p="http://schemas.openxmlformats.org/presentationml/2006/main">
   <p:tag name="KSO_WM_BEAUTIFY_FLAG" val=""/>
 </p:tagLst>
 </file>
 
 <file path=ppt/tags/tag8.xml><?xml version="1.0" encoding="utf-8"?>
-<p:tagLst xmlns:p="http://schemas.openxmlformats.org/presentationml/2006/main">
+<p:tagLst xmlns:a="http://schemas.openxmlformats.org/drawingml/2006/main" xmlns:r="http://schemas.openxmlformats.org/officeDocument/2006/relationships" xmlns:p="http://schemas.openxmlformats.org/presentationml/2006/main">
   <p:tag name="KSO_WM_BEAUTIFY_FLAG" val=""/>
 </p:tagLst>
 </file>
 
 <file path=ppt/tags/tag9.xml><?xml version="1.0" encoding="utf-8"?>
-<p:tagLst xmlns:p="http://schemas.openxmlformats.org/presentationml/2006/main">
+<p:tagLst xmlns:a="http://schemas.openxmlformats.org/drawingml/2006/main" xmlns:r="http://schemas.openxmlformats.org/officeDocument/2006/relationships" xmlns:p="http://schemas.openxmlformats.org/presentationml/2006/main">
   <p:tag name="KSO_WM_BEAUTIFY_FLAG" val=""/>
 </p:tagLst>
 </file>
@@ -12540,6 +13690,8 @@
       </a:bgFillStyleLst>
     </a:fmtScheme>
   </a:themeElements>
+  <a:objectDefaults/>
+  <a:extraClrSchemeLst/>
   <a:extLst>
     <a:ext uri="{05A4C25C-085E-4340-85A3-A5531E510DB2}">
       <thm15:themeFamily xmlns:thm15="http://schemas.microsoft.com/office/thememl/2012/main" name="Office Theme" id="{62F939B6-93AF-4DB8-9C6B-D6C7DFDC589F}" vid="{4A3C46E8-61CC-4603-A589-7422A47A8E4A}"/>
